--- a/day4/fig/fig.pptx
+++ b/day4/fig/fig.pptx
@@ -5,11 +5,13 @@
     <p:sldMasterId id="2147483660" r:id="rId1"/>
   </p:sldMasterIdLst>
   <p:notesMasterIdLst>
-    <p:notesMasterId r:id="rId4"/>
+    <p:notesMasterId r:id="rId6"/>
   </p:notesMasterIdLst>
   <p:sldIdLst>
     <p:sldId id="256" r:id="rId2"/>
     <p:sldId id="257" r:id="rId3"/>
+    <p:sldId id="258" r:id="rId4"/>
+    <p:sldId id="259" r:id="rId5"/>
   </p:sldIdLst>
   <p:sldSz cx="9906000" cy="6858000" type="A4"/>
   <p:notesSz cx="6858000" cy="9144000"/>
@@ -4378,6 +4380,3807 @@
     <p:extLst>
       <p:ext uri="{BB962C8B-B14F-4D97-AF65-F5344CB8AC3E}">
         <p14:creationId xmlns:p14="http://schemas.microsoft.com/office/powerpoint/2010/main" val="3772604273"/>
+      </p:ext>
+    </p:extLst>
+  </p:cSld>
+  <p:clrMapOvr>
+    <a:masterClrMapping/>
+  </p:clrMapOvr>
+</p:sld>
+</file>
+
+<file path=ppt/slides/slide3.xml><?xml version="1.0" encoding="utf-8"?>
+<p:sld xmlns:a="http://schemas.openxmlformats.org/drawingml/2006/main" xmlns:r="http://schemas.openxmlformats.org/officeDocument/2006/relationships" xmlns:p="http://schemas.openxmlformats.org/presentationml/2006/main">
+  <p:cSld>
+    <p:spTree>
+      <p:nvGrpSpPr>
+        <p:cNvPr id="1" name=""/>
+        <p:cNvGrpSpPr/>
+        <p:nvPr/>
+      </p:nvGrpSpPr>
+      <p:grpSpPr>
+        <a:xfrm>
+          <a:off x="0" y="0"/>
+          <a:ext cx="0" cy="0"/>
+          <a:chOff x="0" y="0"/>
+          <a:chExt cx="0" cy="0"/>
+        </a:xfrm>
+      </p:grpSpPr>
+      <p:sp>
+        <p:nvSpPr>
+          <p:cNvPr id="5" name="正方形/長方形 4">
+            <a:extLst>
+              <a:ext uri="{FF2B5EF4-FFF2-40B4-BE49-F238E27FC236}">
+                <a16:creationId xmlns:a16="http://schemas.microsoft.com/office/drawing/2014/main" id="{FDCD1655-18F9-A34F-ACD8-6A14465E7AE2}"/>
+              </a:ext>
+            </a:extLst>
+          </p:cNvPr>
+          <p:cNvSpPr/>
+          <p:nvPr/>
+        </p:nvSpPr>
+        <p:spPr>
+          <a:xfrm>
+            <a:off x="152399" y="2169623"/>
+            <a:ext cx="4257040" cy="497840"/>
+          </a:xfrm>
+          <a:prstGeom prst="rect">
+            <a:avLst/>
+          </a:prstGeom>
+          <a:gradFill flip="none" rotWithShape="1">
+            <a:gsLst>
+              <a:gs pos="50000">
+                <a:srgbClr val="FF0000"/>
+              </a:gs>
+              <a:gs pos="0">
+                <a:schemeClr val="bg1"/>
+              </a:gs>
+              <a:gs pos="100000">
+                <a:schemeClr val="bg1"/>
+              </a:gs>
+            </a:gsLst>
+            <a:lin ang="0" scaled="1"/>
+            <a:tileRect/>
+          </a:gradFill>
+          <a:ln>
+            <a:solidFill>
+              <a:schemeClr val="tx1"/>
+            </a:solidFill>
+          </a:ln>
+        </p:spPr>
+        <p:style>
+          <a:lnRef idx="2">
+            <a:schemeClr val="accent1">
+              <a:shade val="50000"/>
+            </a:schemeClr>
+          </a:lnRef>
+          <a:fillRef idx="1">
+            <a:schemeClr val="accent1"/>
+          </a:fillRef>
+          <a:effectRef idx="0">
+            <a:schemeClr val="accent1"/>
+          </a:effectRef>
+          <a:fontRef idx="minor">
+            <a:schemeClr val="lt1"/>
+          </a:fontRef>
+        </p:style>
+        <p:txBody>
+          <a:bodyPr rtlCol="0" anchor="ctr"/>
+          <a:lstStyle/>
+          <a:p>
+            <a:pPr algn="ctr"/>
+            <a:endParaRPr kumimoji="1" lang="ja-JP" altLang="en-US"/>
+          </a:p>
+        </p:txBody>
+      </p:sp>
+      <p:pic>
+        <p:nvPicPr>
+          <p:cNvPr id="6" name="図 5">
+            <a:extLst>
+              <a:ext uri="{FF2B5EF4-FFF2-40B4-BE49-F238E27FC236}">
+                <a16:creationId xmlns:a16="http://schemas.microsoft.com/office/drawing/2014/main" id="{7A33A85D-36E6-AE4C-9ECD-784A4D1E5C0B}"/>
+              </a:ext>
+            </a:extLst>
+          </p:cNvPr>
+          <p:cNvPicPr>
+            <a:picLocks noChangeAspect="1"/>
+          </p:cNvPicPr>
+          <p:nvPr/>
+        </p:nvPicPr>
+        <p:blipFill>
+          <a:blip r:embed="rId2"/>
+          <a:stretch>
+            <a:fillRect/>
+          </a:stretch>
+        </p:blipFill>
+        <p:spPr>
+          <a:xfrm>
+            <a:off x="5018809" y="2576946"/>
+            <a:ext cx="675410" cy="675410"/>
+          </a:xfrm>
+          <a:prstGeom prst="rect">
+            <a:avLst/>
+          </a:prstGeom>
+        </p:spPr>
+      </p:pic>
+      <p:sp>
+        <p:nvSpPr>
+          <p:cNvPr id="8" name="ドーナツ 7">
+            <a:extLst>
+              <a:ext uri="{FF2B5EF4-FFF2-40B4-BE49-F238E27FC236}">
+                <a16:creationId xmlns:a16="http://schemas.microsoft.com/office/drawing/2014/main" id="{F55B69BD-0AB1-6F4D-83F9-2C1D4C7C1475}"/>
+              </a:ext>
+            </a:extLst>
+          </p:cNvPr>
+          <p:cNvSpPr/>
+          <p:nvPr/>
+        </p:nvSpPr>
+        <p:spPr>
+          <a:xfrm>
+            <a:off x="5500255" y="2036618"/>
+            <a:ext cx="3352800" cy="1233055"/>
+          </a:xfrm>
+          <a:prstGeom prst="donut">
+            <a:avLst/>
+          </a:prstGeom>
+          <a:gradFill>
+            <a:gsLst>
+              <a:gs pos="0">
+                <a:srgbClr val="FF0000"/>
+              </a:gs>
+              <a:gs pos="100000">
+                <a:srgbClr val="00B0F0"/>
+              </a:gs>
+            </a:gsLst>
+            <a:lin ang="0" scaled="1"/>
+          </a:gradFill>
+          <a:ln>
+            <a:solidFill>
+              <a:schemeClr val="tx1"/>
+            </a:solidFill>
+          </a:ln>
+        </p:spPr>
+        <p:style>
+          <a:lnRef idx="2">
+            <a:schemeClr val="accent1">
+              <a:shade val="50000"/>
+            </a:schemeClr>
+          </a:lnRef>
+          <a:fillRef idx="1">
+            <a:schemeClr val="accent1"/>
+          </a:fillRef>
+          <a:effectRef idx="0">
+            <a:schemeClr val="accent1"/>
+          </a:effectRef>
+          <a:fontRef idx="minor">
+            <a:schemeClr val="lt1"/>
+          </a:fontRef>
+        </p:style>
+        <p:txBody>
+          <a:bodyPr rtlCol="0" anchor="ctr"/>
+          <a:lstStyle/>
+          <a:p>
+            <a:pPr algn="ctr"/>
+            <a:endParaRPr kumimoji="1" lang="ja-JP" altLang="en-US">
+              <a:solidFill>
+                <a:schemeClr val="tx1"/>
+              </a:solidFill>
+            </a:endParaRPr>
+          </a:p>
+        </p:txBody>
+      </p:sp>
+      <p:pic>
+        <p:nvPicPr>
+          <p:cNvPr id="7" name="図 6">
+            <a:extLst>
+              <a:ext uri="{FF2B5EF4-FFF2-40B4-BE49-F238E27FC236}">
+                <a16:creationId xmlns:a16="http://schemas.microsoft.com/office/drawing/2014/main" id="{36BC54D7-18C9-9D47-8426-9E6C4DE82DD0}"/>
+              </a:ext>
+            </a:extLst>
+          </p:cNvPr>
+          <p:cNvPicPr>
+            <a:picLocks noChangeAspect="1"/>
+          </p:cNvPicPr>
+          <p:nvPr/>
+        </p:nvPicPr>
+        <p:blipFill>
+          <a:blip r:embed="rId3"/>
+          <a:stretch>
+            <a:fillRect/>
+          </a:stretch>
+        </p:blipFill>
+        <p:spPr>
+          <a:xfrm>
+            <a:off x="8490527" y="2341419"/>
+            <a:ext cx="1278009" cy="1105478"/>
+          </a:xfrm>
+          <a:prstGeom prst="rect">
+            <a:avLst/>
+          </a:prstGeom>
+        </p:spPr>
+      </p:pic>
+      <p:pic>
+        <p:nvPicPr>
+          <p:cNvPr id="9" name="図 8">
+            <a:extLst>
+              <a:ext uri="{FF2B5EF4-FFF2-40B4-BE49-F238E27FC236}">
+                <a16:creationId xmlns:a16="http://schemas.microsoft.com/office/drawing/2014/main" id="{3F971B4C-B9BE-5941-9D09-27CDBE7BC3BC}"/>
+              </a:ext>
+            </a:extLst>
+          </p:cNvPr>
+          <p:cNvPicPr>
+            <a:picLocks noChangeAspect="1"/>
+          </p:cNvPicPr>
+          <p:nvPr/>
+        </p:nvPicPr>
+        <p:blipFill>
+          <a:blip r:embed="rId2"/>
+          <a:stretch>
+            <a:fillRect/>
+          </a:stretch>
+        </p:blipFill>
+        <p:spPr>
+          <a:xfrm>
+            <a:off x="654628" y="2729346"/>
+            <a:ext cx="564574" cy="564574"/>
+          </a:xfrm>
+          <a:prstGeom prst="rect">
+            <a:avLst/>
+          </a:prstGeom>
+        </p:spPr>
+      </p:pic>
+      <p:sp>
+        <p:nvSpPr>
+          <p:cNvPr id="11" name="フリーフォーム 10">
+            <a:extLst>
+              <a:ext uri="{FF2B5EF4-FFF2-40B4-BE49-F238E27FC236}">
+                <a16:creationId xmlns:a16="http://schemas.microsoft.com/office/drawing/2014/main" id="{F91C4196-5362-B94A-AE04-990E3F98C040}"/>
+              </a:ext>
+            </a:extLst>
+          </p:cNvPr>
+          <p:cNvSpPr/>
+          <p:nvPr/>
+        </p:nvSpPr>
+        <p:spPr>
+          <a:xfrm>
+            <a:off x="5749454" y="1343892"/>
+            <a:ext cx="3034327" cy="540326"/>
+          </a:xfrm>
+          <a:custGeom>
+            <a:avLst/>
+            <a:gdLst>
+              <a:gd name="connsiteX0" fmla="*/ 2106073 w 4379969"/>
+              <a:gd name="connsiteY0" fmla="*/ 1399828 h 1399828"/>
+              <a:gd name="connsiteX1" fmla="*/ 182 w 4379969"/>
+              <a:gd name="connsiteY1" fmla="*/ 582410 h 1399828"/>
+              <a:gd name="connsiteX2" fmla="*/ 2203055 w 4379969"/>
+              <a:gd name="connsiteY2" fmla="*/ 519 h 1399828"/>
+              <a:gd name="connsiteX3" fmla="*/ 4378218 w 4379969"/>
+              <a:gd name="connsiteY3" fmla="*/ 679392 h 1399828"/>
+              <a:gd name="connsiteX4" fmla="*/ 2494000 w 4379969"/>
+              <a:gd name="connsiteY4" fmla="*/ 1344410 h 1399828"/>
+            </a:gdLst>
+            <a:ahLst/>
+            <a:cxnLst>
+              <a:cxn ang="0">
+                <a:pos x="connsiteX0" y="connsiteY0"/>
+              </a:cxn>
+              <a:cxn ang="0">
+                <a:pos x="connsiteX1" y="connsiteY1"/>
+              </a:cxn>
+              <a:cxn ang="0">
+                <a:pos x="connsiteX2" y="connsiteY2"/>
+              </a:cxn>
+              <a:cxn ang="0">
+                <a:pos x="connsiteX3" y="connsiteY3"/>
+              </a:cxn>
+              <a:cxn ang="0">
+                <a:pos x="connsiteX4" y="connsiteY4"/>
+              </a:cxn>
+            </a:cxnLst>
+            <a:rect l="l" t="t" r="r" b="b"/>
+            <a:pathLst>
+              <a:path w="4379969" h="1399828">
+                <a:moveTo>
+                  <a:pt x="2106073" y="1399828"/>
+                </a:moveTo>
+                <a:cubicBezTo>
+                  <a:pt x="1045045" y="1107728"/>
+                  <a:pt x="-15982" y="815628"/>
+                  <a:pt x="182" y="582410"/>
+                </a:cubicBezTo>
+                <a:cubicBezTo>
+                  <a:pt x="16346" y="349192"/>
+                  <a:pt x="1473382" y="-15645"/>
+                  <a:pt x="2203055" y="519"/>
+                </a:cubicBezTo>
+                <a:cubicBezTo>
+                  <a:pt x="2932728" y="16683"/>
+                  <a:pt x="4329727" y="455410"/>
+                  <a:pt x="4378218" y="679392"/>
+                </a:cubicBezTo>
+                <a:cubicBezTo>
+                  <a:pt x="4426709" y="903374"/>
+                  <a:pt x="3460354" y="1123892"/>
+                  <a:pt x="2494000" y="1344410"/>
+                </a:cubicBezTo>
+              </a:path>
+            </a:pathLst>
+          </a:custGeom>
+          <a:noFill/>
+          <a:ln>
+            <a:headEnd type="none" w="med" len="med"/>
+            <a:tailEnd type="triangle" w="med" len="med"/>
+          </a:ln>
+        </p:spPr>
+        <p:style>
+          <a:lnRef idx="2">
+            <a:schemeClr val="accent1">
+              <a:shade val="50000"/>
+            </a:schemeClr>
+          </a:lnRef>
+          <a:fillRef idx="1">
+            <a:schemeClr val="accent1"/>
+          </a:fillRef>
+          <a:effectRef idx="0">
+            <a:schemeClr val="accent1"/>
+          </a:effectRef>
+          <a:fontRef idx="minor">
+            <a:schemeClr val="lt1"/>
+          </a:fontRef>
+        </p:style>
+        <p:txBody>
+          <a:bodyPr rtlCol="0" anchor="ctr"/>
+          <a:lstStyle/>
+          <a:p>
+            <a:pPr algn="ctr"/>
+            <a:endParaRPr kumimoji="1" lang="ja-JP" altLang="en-US"/>
+          </a:p>
+        </p:txBody>
+      </p:sp>
+      <p:sp>
+        <p:nvSpPr>
+          <p:cNvPr id="12" name="テキスト ボックス 11">
+            <a:extLst>
+              <a:ext uri="{FF2B5EF4-FFF2-40B4-BE49-F238E27FC236}">
+                <a16:creationId xmlns:a16="http://schemas.microsoft.com/office/drawing/2014/main" id="{BC742CBC-C8A2-204C-9DD5-9189A2130FDE}"/>
+              </a:ext>
+            </a:extLst>
+          </p:cNvPr>
+          <p:cNvSpPr txBox="1"/>
+          <p:nvPr/>
+        </p:nvSpPr>
+        <p:spPr>
+          <a:xfrm>
+            <a:off x="7232074" y="1704109"/>
+            <a:ext cx="191477" cy="369332"/>
+          </a:xfrm>
+          <a:prstGeom prst="rect">
+            <a:avLst/>
+          </a:prstGeom>
+          <a:noFill/>
+        </p:spPr>
+        <p:txBody>
+          <a:bodyPr wrap="square" rtlCol="0">
+            <a:spAutoFit/>
+          </a:bodyPr>
+          <a:lstStyle/>
+          <a:p>
+            <a:r>
+              <a:rPr kumimoji="1" lang="en-US" altLang="ja-JP"/>
+              <a:t>x</a:t>
+            </a:r>
+            <a:endParaRPr kumimoji="1" lang="ja-JP" altLang="en-US"/>
+          </a:p>
+        </p:txBody>
+      </p:sp>
+      <p:cxnSp>
+        <p:nvCxnSpPr>
+          <p:cNvPr id="14" name="直線矢印コネクタ 13">
+            <a:extLst>
+              <a:ext uri="{FF2B5EF4-FFF2-40B4-BE49-F238E27FC236}">
+                <a16:creationId xmlns:a16="http://schemas.microsoft.com/office/drawing/2014/main" id="{B1228DD5-1246-4148-A004-E1C8DEADDCC7}"/>
+              </a:ext>
+            </a:extLst>
+          </p:cNvPr>
+          <p:cNvCxnSpPr/>
+          <p:nvPr/>
+        </p:nvCxnSpPr>
+        <p:spPr>
+          <a:xfrm>
+            <a:off x="166254" y="1981200"/>
+            <a:ext cx="4253346" cy="0"/>
+          </a:xfrm>
+          <a:prstGeom prst="straightConnector1">
+            <a:avLst/>
+          </a:prstGeom>
+          <a:ln>
+            <a:solidFill>
+              <a:schemeClr val="tx1"/>
+            </a:solidFill>
+            <a:tailEnd type="triangle"/>
+          </a:ln>
+        </p:spPr>
+        <p:style>
+          <a:lnRef idx="1">
+            <a:schemeClr val="accent1"/>
+          </a:lnRef>
+          <a:fillRef idx="0">
+            <a:schemeClr val="accent1"/>
+          </a:fillRef>
+          <a:effectRef idx="0">
+            <a:schemeClr val="accent1"/>
+          </a:effectRef>
+          <a:fontRef idx="minor">
+            <a:schemeClr val="tx1"/>
+          </a:fontRef>
+        </p:style>
+      </p:cxnSp>
+      <p:sp>
+        <p:nvSpPr>
+          <p:cNvPr id="15" name="テキスト ボックス 14">
+            <a:extLst>
+              <a:ext uri="{FF2B5EF4-FFF2-40B4-BE49-F238E27FC236}">
+                <a16:creationId xmlns:a16="http://schemas.microsoft.com/office/drawing/2014/main" id="{83C37485-62D4-E14E-9872-463DF3B3FAB9}"/>
+              </a:ext>
+            </a:extLst>
+          </p:cNvPr>
+          <p:cNvSpPr txBox="1"/>
+          <p:nvPr/>
+        </p:nvSpPr>
+        <p:spPr>
+          <a:xfrm>
+            <a:off x="4433455" y="1787236"/>
+            <a:ext cx="284052" cy="369332"/>
+          </a:xfrm>
+          <a:prstGeom prst="rect">
+            <a:avLst/>
+          </a:prstGeom>
+          <a:noFill/>
+        </p:spPr>
+        <p:txBody>
+          <a:bodyPr wrap="none" rtlCol="0">
+            <a:spAutoFit/>
+          </a:bodyPr>
+          <a:lstStyle/>
+          <a:p>
+            <a:r>
+              <a:rPr kumimoji="1" lang="en-US" altLang="ja-JP"/>
+              <a:t>x</a:t>
+            </a:r>
+            <a:endParaRPr kumimoji="1" lang="ja-JP" altLang="en-US"/>
+          </a:p>
+        </p:txBody>
+      </p:sp>
+      <p:pic>
+        <p:nvPicPr>
+          <p:cNvPr id="16" name="図 15">
+            <a:extLst>
+              <a:ext uri="{FF2B5EF4-FFF2-40B4-BE49-F238E27FC236}">
+                <a16:creationId xmlns:a16="http://schemas.microsoft.com/office/drawing/2014/main" id="{6761E557-1A46-8847-9B29-32F697FB55BD}"/>
+              </a:ext>
+            </a:extLst>
+          </p:cNvPr>
+          <p:cNvPicPr>
+            <a:picLocks noChangeAspect="1"/>
+          </p:cNvPicPr>
+          <p:nvPr/>
+        </p:nvPicPr>
+        <p:blipFill>
+          <a:blip r:embed="rId2"/>
+          <a:stretch>
+            <a:fillRect/>
+          </a:stretch>
+        </p:blipFill>
+        <p:spPr>
+          <a:xfrm>
+            <a:off x="1970810" y="2757056"/>
+            <a:ext cx="564574" cy="564574"/>
+          </a:xfrm>
+          <a:prstGeom prst="rect">
+            <a:avLst/>
+          </a:prstGeom>
+        </p:spPr>
+      </p:pic>
+      <p:pic>
+        <p:nvPicPr>
+          <p:cNvPr id="17" name="図 16">
+            <a:extLst>
+              <a:ext uri="{FF2B5EF4-FFF2-40B4-BE49-F238E27FC236}">
+                <a16:creationId xmlns:a16="http://schemas.microsoft.com/office/drawing/2014/main" id="{B5CB5D5C-6838-F74A-B0E0-27F23BD76B8D}"/>
+              </a:ext>
+            </a:extLst>
+          </p:cNvPr>
+          <p:cNvPicPr>
+            <a:picLocks noChangeAspect="1"/>
+          </p:cNvPicPr>
+          <p:nvPr/>
+        </p:nvPicPr>
+        <p:blipFill>
+          <a:blip r:embed="rId2"/>
+          <a:stretch>
+            <a:fillRect/>
+          </a:stretch>
+        </p:blipFill>
+        <p:spPr>
+          <a:xfrm>
+            <a:off x="3203865" y="2784765"/>
+            <a:ext cx="564574" cy="564574"/>
+          </a:xfrm>
+          <a:prstGeom prst="rect">
+            <a:avLst/>
+          </a:prstGeom>
+        </p:spPr>
+      </p:pic>
+      <p:sp>
+        <p:nvSpPr>
+          <p:cNvPr id="19" name="テキスト ボックス 18">
+            <a:extLst>
+              <a:ext uri="{FF2B5EF4-FFF2-40B4-BE49-F238E27FC236}">
+                <a16:creationId xmlns:a16="http://schemas.microsoft.com/office/drawing/2014/main" id="{86DC6B13-5DA8-3C4F-9DC2-94A723BDEC48}"/>
+              </a:ext>
+            </a:extLst>
+          </p:cNvPr>
+          <p:cNvSpPr txBox="1"/>
+          <p:nvPr/>
+        </p:nvSpPr>
+        <p:spPr>
+          <a:xfrm>
+            <a:off x="1163781" y="110836"/>
+            <a:ext cx="2076209" cy="1077218"/>
+          </a:xfrm>
+          <a:prstGeom prst="rect">
+            <a:avLst/>
+          </a:prstGeom>
+          <a:noFill/>
+        </p:spPr>
+        <p:txBody>
+          <a:bodyPr wrap="none" rtlCol="0">
+            <a:spAutoFit/>
+          </a:bodyPr>
+          <a:lstStyle/>
+          <a:p>
+            <a:r>
+              <a:rPr kumimoji="1" lang="ja-JP" altLang="en-US" sz="3200"/>
+              <a:t>一様加熱</a:t>
+            </a:r>
+            <a:endParaRPr kumimoji="1" lang="en-US" altLang="ja-JP" sz="3200"/>
+          </a:p>
+          <a:p>
+            <a:r>
+              <a:rPr lang="en-US" altLang="ja-JP" sz="3200"/>
+              <a:t>(</a:t>
+            </a:r>
+            <a:r>
+              <a:rPr lang="ja-JP" altLang="en-US" sz="3200"/>
+              <a:t>固定境界</a:t>
+            </a:r>
+            <a:r>
+              <a:rPr lang="en-US" altLang="ja-JP" sz="3200"/>
+              <a:t>)</a:t>
+            </a:r>
+            <a:endParaRPr kumimoji="1" lang="ja-JP" altLang="en-US" sz="3200"/>
+          </a:p>
+        </p:txBody>
+      </p:sp>
+      <p:sp>
+        <p:nvSpPr>
+          <p:cNvPr id="20" name="テキスト ボックス 19">
+            <a:extLst>
+              <a:ext uri="{FF2B5EF4-FFF2-40B4-BE49-F238E27FC236}">
+                <a16:creationId xmlns:a16="http://schemas.microsoft.com/office/drawing/2014/main" id="{ED0678B0-8091-1E45-BFA9-8A5D334EC5D8}"/>
+              </a:ext>
+            </a:extLst>
+          </p:cNvPr>
+          <p:cNvSpPr txBox="1"/>
+          <p:nvPr/>
+        </p:nvSpPr>
+        <p:spPr>
+          <a:xfrm>
+            <a:off x="6179126" y="124690"/>
+            <a:ext cx="2076209" cy="1077218"/>
+          </a:xfrm>
+          <a:prstGeom prst="rect">
+            <a:avLst/>
+          </a:prstGeom>
+          <a:noFill/>
+        </p:spPr>
+        <p:txBody>
+          <a:bodyPr wrap="none" rtlCol="0">
+            <a:spAutoFit/>
+          </a:bodyPr>
+          <a:lstStyle/>
+          <a:p>
+            <a:r>
+              <a:rPr kumimoji="1" lang="ja-JP" altLang="en-US" sz="3200"/>
+              <a:t>温度固定</a:t>
+            </a:r>
+            <a:endParaRPr kumimoji="1" lang="en-US" altLang="ja-JP" sz="3200"/>
+          </a:p>
+          <a:p>
+            <a:r>
+              <a:rPr lang="en-US" altLang="ja-JP" sz="3200"/>
+              <a:t>(</a:t>
+            </a:r>
+            <a:r>
+              <a:rPr lang="ja-JP" altLang="en-US" sz="3200"/>
+              <a:t>周期境界</a:t>
+            </a:r>
+            <a:r>
+              <a:rPr lang="en-US" altLang="ja-JP" sz="3200"/>
+              <a:t>)</a:t>
+            </a:r>
+            <a:endParaRPr kumimoji="1" lang="ja-JP" altLang="en-US" sz="3200"/>
+          </a:p>
+        </p:txBody>
+      </p:sp>
+      <p:sp>
+        <p:nvSpPr>
+          <p:cNvPr id="21" name="テキスト ボックス 20">
+            <a:extLst>
+              <a:ext uri="{FF2B5EF4-FFF2-40B4-BE49-F238E27FC236}">
+                <a16:creationId xmlns:a16="http://schemas.microsoft.com/office/drawing/2014/main" id="{4BD4E71E-D458-E04A-8E69-2CBBB64C3CBA}"/>
+              </a:ext>
+            </a:extLst>
+          </p:cNvPr>
+          <p:cNvSpPr txBox="1"/>
+          <p:nvPr/>
+        </p:nvSpPr>
+        <p:spPr>
+          <a:xfrm>
+            <a:off x="831273" y="3574473"/>
+            <a:ext cx="3007555" cy="646331"/>
+          </a:xfrm>
+          <a:prstGeom prst="rect">
+            <a:avLst/>
+          </a:prstGeom>
+          <a:noFill/>
+        </p:spPr>
+        <p:txBody>
+          <a:bodyPr wrap="none" rtlCol="0">
+            <a:spAutoFit/>
+          </a:bodyPr>
+          <a:lstStyle/>
+          <a:p>
+            <a:r>
+              <a:rPr kumimoji="1" lang="ja-JP" altLang="en-US"/>
+              <a:t>棒全体を加熱する</a:t>
+            </a:r>
+            <a:endParaRPr kumimoji="1" lang="en-US" altLang="ja-JP"/>
+          </a:p>
+          <a:p>
+            <a:r>
+              <a:rPr lang="ja-JP" altLang="en-US"/>
+              <a:t>両端を同じ温度に固定する</a:t>
+            </a:r>
+            <a:r>
+              <a:rPr lang="en-US" altLang="ja-JP"/>
+              <a:t> </a:t>
+            </a:r>
+            <a:endParaRPr kumimoji="1" lang="en-US" altLang="ja-JP"/>
+          </a:p>
+        </p:txBody>
+      </p:sp>
+      <p:sp>
+        <p:nvSpPr>
+          <p:cNvPr id="22" name="テキスト ボックス 21">
+            <a:extLst>
+              <a:ext uri="{FF2B5EF4-FFF2-40B4-BE49-F238E27FC236}">
+                <a16:creationId xmlns:a16="http://schemas.microsoft.com/office/drawing/2014/main" id="{E62CD793-C1F0-8143-9804-B340F4A44522}"/>
+              </a:ext>
+            </a:extLst>
+          </p:cNvPr>
+          <p:cNvSpPr txBox="1"/>
+          <p:nvPr/>
+        </p:nvSpPr>
+        <p:spPr>
+          <a:xfrm>
+            <a:off x="4987637" y="3560619"/>
+            <a:ext cx="4801314" cy="369332"/>
+          </a:xfrm>
+          <a:prstGeom prst="rect">
+            <a:avLst/>
+          </a:prstGeom>
+          <a:noFill/>
+        </p:spPr>
+        <p:txBody>
+          <a:bodyPr wrap="none" rtlCol="0">
+            <a:spAutoFit/>
+          </a:bodyPr>
+          <a:lstStyle/>
+          <a:p>
+            <a:r>
+              <a:rPr kumimoji="1" lang="ja-JP" altLang="en-US"/>
+              <a:t>リング状の金属の</a:t>
+            </a:r>
+            <a:r>
+              <a:rPr lang="ja-JP" altLang="en-US"/>
+              <a:t>左を高温、右を低温に固定</a:t>
+            </a:r>
+            <a:endParaRPr kumimoji="1" lang="en-US" altLang="ja-JP"/>
+          </a:p>
+        </p:txBody>
+      </p:sp>
+      <p:cxnSp>
+        <p:nvCxnSpPr>
+          <p:cNvPr id="23" name="直線矢印コネクタ 22">
+            <a:extLst>
+              <a:ext uri="{FF2B5EF4-FFF2-40B4-BE49-F238E27FC236}">
+                <a16:creationId xmlns:a16="http://schemas.microsoft.com/office/drawing/2014/main" id="{2B866937-231A-2E43-8596-782D00B7436D}"/>
+              </a:ext>
+            </a:extLst>
+          </p:cNvPr>
+          <p:cNvCxnSpPr/>
+          <p:nvPr/>
+        </p:nvCxnSpPr>
+        <p:spPr>
+          <a:xfrm>
+            <a:off x="152400" y="6502523"/>
+            <a:ext cx="4253346" cy="0"/>
+          </a:xfrm>
+          <a:prstGeom prst="straightConnector1">
+            <a:avLst/>
+          </a:prstGeom>
+          <a:ln>
+            <a:solidFill>
+              <a:schemeClr val="tx1"/>
+            </a:solidFill>
+            <a:tailEnd type="triangle"/>
+          </a:ln>
+        </p:spPr>
+        <p:style>
+          <a:lnRef idx="1">
+            <a:schemeClr val="accent1"/>
+          </a:lnRef>
+          <a:fillRef idx="0">
+            <a:schemeClr val="accent1"/>
+          </a:fillRef>
+          <a:effectRef idx="0">
+            <a:schemeClr val="accent1"/>
+          </a:effectRef>
+          <a:fontRef idx="minor">
+            <a:schemeClr val="tx1"/>
+          </a:fontRef>
+        </p:style>
+      </p:cxnSp>
+      <p:sp>
+        <p:nvSpPr>
+          <p:cNvPr id="24" name="テキスト ボックス 23">
+            <a:extLst>
+              <a:ext uri="{FF2B5EF4-FFF2-40B4-BE49-F238E27FC236}">
+                <a16:creationId xmlns:a16="http://schemas.microsoft.com/office/drawing/2014/main" id="{2CC81159-5BC6-AC45-87CE-E653C209EB53}"/>
+              </a:ext>
+            </a:extLst>
+          </p:cNvPr>
+          <p:cNvSpPr txBox="1"/>
+          <p:nvPr/>
+        </p:nvSpPr>
+        <p:spPr>
+          <a:xfrm>
+            <a:off x="9116292" y="5671249"/>
+            <a:ext cx="646331" cy="369332"/>
+          </a:xfrm>
+          <a:prstGeom prst="rect">
+            <a:avLst/>
+          </a:prstGeom>
+          <a:noFill/>
+        </p:spPr>
+        <p:txBody>
+          <a:bodyPr wrap="none" rtlCol="0">
+            <a:spAutoFit/>
+          </a:bodyPr>
+          <a:lstStyle/>
+          <a:p>
+            <a:r>
+              <a:rPr kumimoji="1" lang="ja-JP" altLang="en-US"/>
+              <a:t>座標</a:t>
+            </a:r>
+          </a:p>
+        </p:txBody>
+      </p:sp>
+      <p:cxnSp>
+        <p:nvCxnSpPr>
+          <p:cNvPr id="25" name="直線矢印コネクタ 24">
+            <a:extLst>
+              <a:ext uri="{FF2B5EF4-FFF2-40B4-BE49-F238E27FC236}">
+                <a16:creationId xmlns:a16="http://schemas.microsoft.com/office/drawing/2014/main" id="{839758AA-CA0A-994F-8521-479F4CD9D24E}"/>
+              </a:ext>
+            </a:extLst>
+          </p:cNvPr>
+          <p:cNvCxnSpPr>
+            <a:cxnSpLocks/>
+          </p:cNvCxnSpPr>
+          <p:nvPr/>
+        </p:nvCxnSpPr>
+        <p:spPr>
+          <a:xfrm flipV="1">
+            <a:off x="332509" y="4807527"/>
+            <a:ext cx="0" cy="1930523"/>
+          </a:xfrm>
+          <a:prstGeom prst="straightConnector1">
+            <a:avLst/>
+          </a:prstGeom>
+          <a:ln>
+            <a:solidFill>
+              <a:schemeClr val="tx1"/>
+            </a:solidFill>
+            <a:tailEnd type="triangle"/>
+          </a:ln>
+        </p:spPr>
+        <p:style>
+          <a:lnRef idx="1">
+            <a:schemeClr val="accent1"/>
+          </a:lnRef>
+          <a:fillRef idx="0">
+            <a:schemeClr val="accent1"/>
+          </a:fillRef>
+          <a:effectRef idx="0">
+            <a:schemeClr val="accent1"/>
+          </a:effectRef>
+          <a:fontRef idx="minor">
+            <a:schemeClr val="tx1"/>
+          </a:fontRef>
+        </p:style>
+      </p:cxnSp>
+      <p:sp>
+        <p:nvSpPr>
+          <p:cNvPr id="28" name="テキスト ボックス 27">
+            <a:extLst>
+              <a:ext uri="{FF2B5EF4-FFF2-40B4-BE49-F238E27FC236}">
+                <a16:creationId xmlns:a16="http://schemas.microsoft.com/office/drawing/2014/main" id="{C79C112F-C3C3-4F45-8C15-59F0B36D64E0}"/>
+              </a:ext>
+            </a:extLst>
+          </p:cNvPr>
+          <p:cNvSpPr txBox="1"/>
+          <p:nvPr/>
+        </p:nvSpPr>
+        <p:spPr>
+          <a:xfrm>
+            <a:off x="0" y="4419600"/>
+            <a:ext cx="646331" cy="369332"/>
+          </a:xfrm>
+          <a:prstGeom prst="rect">
+            <a:avLst/>
+          </a:prstGeom>
+          <a:noFill/>
+        </p:spPr>
+        <p:txBody>
+          <a:bodyPr wrap="none" rtlCol="0">
+            <a:spAutoFit/>
+          </a:bodyPr>
+          <a:lstStyle/>
+          <a:p>
+            <a:r>
+              <a:rPr lang="ja-JP" altLang="en-US"/>
+              <a:t>温度</a:t>
+            </a:r>
+            <a:endParaRPr kumimoji="1" lang="ja-JP" altLang="en-US"/>
+          </a:p>
+        </p:txBody>
+      </p:sp>
+      <p:sp>
+        <p:nvSpPr>
+          <p:cNvPr id="29" name="フリーフォーム 28">
+            <a:extLst>
+              <a:ext uri="{FF2B5EF4-FFF2-40B4-BE49-F238E27FC236}">
+                <a16:creationId xmlns:a16="http://schemas.microsoft.com/office/drawing/2014/main" id="{94FA6680-87AC-4D48-87B2-2E8FFB66BCAA}"/>
+              </a:ext>
+            </a:extLst>
+          </p:cNvPr>
+          <p:cNvSpPr/>
+          <p:nvPr/>
+        </p:nvSpPr>
+        <p:spPr>
+          <a:xfrm>
+            <a:off x="332509" y="4987631"/>
+            <a:ext cx="3560618" cy="1510151"/>
+          </a:xfrm>
+          <a:custGeom>
+            <a:avLst/>
+            <a:gdLst>
+              <a:gd name="connsiteX0" fmla="*/ 0 w 3560618"/>
+              <a:gd name="connsiteY0" fmla="*/ 1496296 h 1510151"/>
+              <a:gd name="connsiteX1" fmla="*/ 1828800 w 3560618"/>
+              <a:gd name="connsiteY1" fmla="*/ 5 h 1510151"/>
+              <a:gd name="connsiteX2" fmla="*/ 3560618 w 3560618"/>
+              <a:gd name="connsiteY2" fmla="*/ 1510151 h 1510151"/>
+            </a:gdLst>
+            <a:ahLst/>
+            <a:cxnLst>
+              <a:cxn ang="0">
+                <a:pos x="connsiteX0" y="connsiteY0"/>
+              </a:cxn>
+              <a:cxn ang="0">
+                <a:pos x="connsiteX1" y="connsiteY1"/>
+              </a:cxn>
+              <a:cxn ang="0">
+                <a:pos x="connsiteX2" y="connsiteY2"/>
+              </a:cxn>
+            </a:cxnLst>
+            <a:rect l="l" t="t" r="r" b="b"/>
+            <a:pathLst>
+              <a:path w="3560618" h="1510151">
+                <a:moveTo>
+                  <a:pt x="0" y="1496296"/>
+                </a:moveTo>
+                <a:cubicBezTo>
+                  <a:pt x="617682" y="746996"/>
+                  <a:pt x="1235364" y="-2304"/>
+                  <a:pt x="1828800" y="5"/>
+                </a:cubicBezTo>
+                <a:cubicBezTo>
+                  <a:pt x="2422236" y="2314"/>
+                  <a:pt x="2991427" y="756232"/>
+                  <a:pt x="3560618" y="1510151"/>
+                </a:cubicBezTo>
+              </a:path>
+            </a:pathLst>
+          </a:custGeom>
+          <a:noFill/>
+          <a:ln w="25400">
+            <a:solidFill>
+              <a:srgbClr val="FF0000"/>
+            </a:solidFill>
+          </a:ln>
+        </p:spPr>
+        <p:style>
+          <a:lnRef idx="2">
+            <a:schemeClr val="accent1">
+              <a:shade val="50000"/>
+            </a:schemeClr>
+          </a:lnRef>
+          <a:fillRef idx="1">
+            <a:schemeClr val="accent1"/>
+          </a:fillRef>
+          <a:effectRef idx="0">
+            <a:schemeClr val="accent1"/>
+          </a:effectRef>
+          <a:fontRef idx="minor">
+            <a:schemeClr val="lt1"/>
+          </a:fontRef>
+        </p:style>
+        <p:txBody>
+          <a:bodyPr rtlCol="0" anchor="ctr"/>
+          <a:lstStyle/>
+          <a:p>
+            <a:pPr algn="ctr"/>
+            <a:endParaRPr kumimoji="1" lang="ja-JP" altLang="en-US"/>
+          </a:p>
+        </p:txBody>
+      </p:sp>
+      <p:cxnSp>
+        <p:nvCxnSpPr>
+          <p:cNvPr id="30" name="直線矢印コネクタ 29">
+            <a:extLst>
+              <a:ext uri="{FF2B5EF4-FFF2-40B4-BE49-F238E27FC236}">
+                <a16:creationId xmlns:a16="http://schemas.microsoft.com/office/drawing/2014/main" id="{FEC2061A-C31D-3247-B053-545D27AC246A}"/>
+              </a:ext>
+            </a:extLst>
+          </p:cNvPr>
+          <p:cNvCxnSpPr>
+            <a:cxnSpLocks/>
+          </p:cNvCxnSpPr>
+          <p:nvPr/>
+        </p:nvCxnSpPr>
+        <p:spPr>
+          <a:xfrm>
+            <a:off x="5347854" y="5782088"/>
+            <a:ext cx="3560618" cy="0"/>
+          </a:xfrm>
+          <a:prstGeom prst="straightConnector1">
+            <a:avLst/>
+          </a:prstGeom>
+          <a:ln>
+            <a:solidFill>
+              <a:schemeClr val="tx1"/>
+            </a:solidFill>
+            <a:tailEnd type="triangle"/>
+          </a:ln>
+        </p:spPr>
+        <p:style>
+          <a:lnRef idx="1">
+            <a:schemeClr val="accent1"/>
+          </a:lnRef>
+          <a:fillRef idx="0">
+            <a:schemeClr val="accent1"/>
+          </a:fillRef>
+          <a:effectRef idx="0">
+            <a:schemeClr val="accent1"/>
+          </a:effectRef>
+          <a:fontRef idx="minor">
+            <a:schemeClr val="tx1"/>
+          </a:fontRef>
+        </p:style>
+      </p:cxnSp>
+      <p:cxnSp>
+        <p:nvCxnSpPr>
+          <p:cNvPr id="31" name="直線矢印コネクタ 30">
+            <a:extLst>
+              <a:ext uri="{FF2B5EF4-FFF2-40B4-BE49-F238E27FC236}">
+                <a16:creationId xmlns:a16="http://schemas.microsoft.com/office/drawing/2014/main" id="{87663D4C-EC96-2943-BF89-10FF4B95B632}"/>
+              </a:ext>
+            </a:extLst>
+          </p:cNvPr>
+          <p:cNvCxnSpPr>
+            <a:cxnSpLocks/>
+          </p:cNvCxnSpPr>
+          <p:nvPr/>
+        </p:nvCxnSpPr>
+        <p:spPr>
+          <a:xfrm flipV="1">
+            <a:off x="5597236" y="4724400"/>
+            <a:ext cx="0" cy="1930523"/>
+          </a:xfrm>
+          <a:prstGeom prst="straightConnector1">
+            <a:avLst/>
+          </a:prstGeom>
+          <a:ln>
+            <a:solidFill>
+              <a:schemeClr val="tx1"/>
+            </a:solidFill>
+            <a:tailEnd type="triangle"/>
+          </a:ln>
+        </p:spPr>
+        <p:style>
+          <a:lnRef idx="1">
+            <a:schemeClr val="accent1"/>
+          </a:lnRef>
+          <a:fillRef idx="0">
+            <a:schemeClr val="accent1"/>
+          </a:fillRef>
+          <a:effectRef idx="0">
+            <a:schemeClr val="accent1"/>
+          </a:effectRef>
+          <a:fontRef idx="minor">
+            <a:schemeClr val="tx1"/>
+          </a:fontRef>
+        </p:style>
+      </p:cxnSp>
+      <p:sp>
+        <p:nvSpPr>
+          <p:cNvPr id="33" name="テキスト ボックス 32">
+            <a:extLst>
+              <a:ext uri="{FF2B5EF4-FFF2-40B4-BE49-F238E27FC236}">
+                <a16:creationId xmlns:a16="http://schemas.microsoft.com/office/drawing/2014/main" id="{FCD94677-B6F4-B542-8F99-E1248CE38818}"/>
+              </a:ext>
+            </a:extLst>
+          </p:cNvPr>
+          <p:cNvSpPr txBox="1"/>
+          <p:nvPr/>
+        </p:nvSpPr>
+        <p:spPr>
+          <a:xfrm>
+            <a:off x="5250873" y="4336473"/>
+            <a:ext cx="646331" cy="369332"/>
+          </a:xfrm>
+          <a:prstGeom prst="rect">
+            <a:avLst/>
+          </a:prstGeom>
+          <a:noFill/>
+        </p:spPr>
+        <p:txBody>
+          <a:bodyPr wrap="none" rtlCol="0">
+            <a:spAutoFit/>
+          </a:bodyPr>
+          <a:lstStyle/>
+          <a:p>
+            <a:r>
+              <a:rPr lang="ja-JP" altLang="en-US"/>
+              <a:t>温度</a:t>
+            </a:r>
+            <a:endParaRPr kumimoji="1" lang="ja-JP" altLang="en-US"/>
+          </a:p>
+        </p:txBody>
+      </p:sp>
+      <p:cxnSp>
+        <p:nvCxnSpPr>
+          <p:cNvPr id="35" name="直線コネクタ 34">
+            <a:extLst>
+              <a:ext uri="{FF2B5EF4-FFF2-40B4-BE49-F238E27FC236}">
+                <a16:creationId xmlns:a16="http://schemas.microsoft.com/office/drawing/2014/main" id="{174DBB2B-C06F-C74A-A837-376F64A139BF}"/>
+              </a:ext>
+            </a:extLst>
+          </p:cNvPr>
+          <p:cNvCxnSpPr/>
+          <p:nvPr/>
+        </p:nvCxnSpPr>
+        <p:spPr>
+          <a:xfrm flipV="1">
+            <a:off x="5624945" y="5056909"/>
+            <a:ext cx="706582" cy="706582"/>
+          </a:xfrm>
+          <a:prstGeom prst="line">
+            <a:avLst/>
+          </a:prstGeom>
+          <a:ln w="25400">
+            <a:solidFill>
+              <a:srgbClr val="FF0000"/>
+            </a:solidFill>
+          </a:ln>
+        </p:spPr>
+        <p:style>
+          <a:lnRef idx="1">
+            <a:schemeClr val="accent1"/>
+          </a:lnRef>
+          <a:fillRef idx="0">
+            <a:schemeClr val="accent1"/>
+          </a:fillRef>
+          <a:effectRef idx="0">
+            <a:schemeClr val="accent1"/>
+          </a:effectRef>
+          <a:fontRef idx="minor">
+            <a:schemeClr val="tx1"/>
+          </a:fontRef>
+        </p:style>
+      </p:cxnSp>
+      <p:cxnSp>
+        <p:nvCxnSpPr>
+          <p:cNvPr id="36" name="直線コネクタ 35">
+            <a:extLst>
+              <a:ext uri="{FF2B5EF4-FFF2-40B4-BE49-F238E27FC236}">
+                <a16:creationId xmlns:a16="http://schemas.microsoft.com/office/drawing/2014/main" id="{8E0CE6B0-D450-0B4C-AED6-1F7C51AFC782}"/>
+              </a:ext>
+            </a:extLst>
+          </p:cNvPr>
+          <p:cNvCxnSpPr/>
+          <p:nvPr/>
+        </p:nvCxnSpPr>
+        <p:spPr>
+          <a:xfrm flipV="1">
+            <a:off x="7716981" y="5763491"/>
+            <a:ext cx="706582" cy="706582"/>
+          </a:xfrm>
+          <a:prstGeom prst="line">
+            <a:avLst/>
+          </a:prstGeom>
+          <a:ln w="25400">
+            <a:solidFill>
+              <a:srgbClr val="FF0000"/>
+            </a:solidFill>
+          </a:ln>
+        </p:spPr>
+        <p:style>
+          <a:lnRef idx="1">
+            <a:schemeClr val="accent1"/>
+          </a:lnRef>
+          <a:fillRef idx="0">
+            <a:schemeClr val="accent1"/>
+          </a:fillRef>
+          <a:effectRef idx="0">
+            <a:schemeClr val="accent1"/>
+          </a:effectRef>
+          <a:fontRef idx="minor">
+            <a:schemeClr val="tx1"/>
+          </a:fontRef>
+        </p:style>
+      </p:cxnSp>
+      <p:cxnSp>
+        <p:nvCxnSpPr>
+          <p:cNvPr id="37" name="直線コネクタ 36">
+            <a:extLst>
+              <a:ext uri="{FF2B5EF4-FFF2-40B4-BE49-F238E27FC236}">
+                <a16:creationId xmlns:a16="http://schemas.microsoft.com/office/drawing/2014/main" id="{063C8FAE-6EAB-1B41-ACC8-466EE5D94325}"/>
+              </a:ext>
+            </a:extLst>
+          </p:cNvPr>
+          <p:cNvCxnSpPr>
+            <a:cxnSpLocks/>
+          </p:cNvCxnSpPr>
+          <p:nvPr/>
+        </p:nvCxnSpPr>
+        <p:spPr>
+          <a:xfrm>
+            <a:off x="6331526" y="5043055"/>
+            <a:ext cx="1385456" cy="1440872"/>
+          </a:xfrm>
+          <a:prstGeom prst="line">
+            <a:avLst/>
+          </a:prstGeom>
+          <a:ln w="25400">
+            <a:solidFill>
+              <a:srgbClr val="FF0000"/>
+            </a:solidFill>
+          </a:ln>
+        </p:spPr>
+        <p:style>
+          <a:lnRef idx="1">
+            <a:schemeClr val="accent1"/>
+          </a:lnRef>
+          <a:fillRef idx="0">
+            <a:schemeClr val="accent1"/>
+          </a:fillRef>
+          <a:effectRef idx="0">
+            <a:schemeClr val="accent1"/>
+          </a:effectRef>
+          <a:fontRef idx="minor">
+            <a:schemeClr val="tx1"/>
+          </a:fontRef>
+        </p:style>
+      </p:cxnSp>
+      <p:sp>
+        <p:nvSpPr>
+          <p:cNvPr id="42" name="テキスト ボックス 41">
+            <a:extLst>
+              <a:ext uri="{FF2B5EF4-FFF2-40B4-BE49-F238E27FC236}">
+                <a16:creationId xmlns:a16="http://schemas.microsoft.com/office/drawing/2014/main" id="{2BFEAD2F-FF2A-104E-9536-A9EC7D233E32}"/>
+              </a:ext>
+            </a:extLst>
+          </p:cNvPr>
+          <p:cNvSpPr txBox="1"/>
+          <p:nvPr/>
+        </p:nvSpPr>
+        <p:spPr>
+          <a:xfrm>
+            <a:off x="3740728" y="4932218"/>
+            <a:ext cx="1620957" cy="523220"/>
+          </a:xfrm>
+          <a:prstGeom prst="rect">
+            <a:avLst/>
+          </a:prstGeom>
+          <a:noFill/>
+          <a:ln w="22225">
+            <a:solidFill>
+              <a:schemeClr val="accent1">
+                <a:lumMod val="40000"/>
+                <a:lumOff val="60000"/>
+              </a:schemeClr>
+            </a:solidFill>
+          </a:ln>
+        </p:spPr>
+        <p:txBody>
+          <a:bodyPr wrap="none" rtlCol="0">
+            <a:spAutoFit/>
+          </a:bodyPr>
+          <a:lstStyle/>
+          <a:p>
+            <a:r>
+              <a:rPr kumimoji="1" lang="ja-JP" altLang="en-US" sz="2800"/>
+              <a:t>定常状態</a:t>
+            </a:r>
+          </a:p>
+        </p:txBody>
+      </p:sp>
+    </p:spTree>
+    <p:extLst>
+      <p:ext uri="{BB962C8B-B14F-4D97-AF65-F5344CB8AC3E}">
+        <p14:creationId xmlns:p14="http://schemas.microsoft.com/office/powerpoint/2010/main" val="1382605912"/>
+      </p:ext>
+    </p:extLst>
+  </p:cSld>
+  <p:clrMapOvr>
+    <a:masterClrMapping/>
+  </p:clrMapOvr>
+</p:sld>
+</file>
+
+<file path=ppt/slides/slide4.xml><?xml version="1.0" encoding="utf-8"?>
+<p:sld xmlns:a="http://schemas.openxmlformats.org/drawingml/2006/main" xmlns:r="http://schemas.openxmlformats.org/officeDocument/2006/relationships" xmlns:p="http://schemas.openxmlformats.org/presentationml/2006/main">
+  <p:cSld>
+    <p:spTree>
+      <p:nvGrpSpPr>
+        <p:cNvPr id="1" name=""/>
+        <p:cNvGrpSpPr/>
+        <p:nvPr/>
+      </p:nvGrpSpPr>
+      <p:grpSpPr>
+        <a:xfrm>
+          <a:off x="0" y="0"/>
+          <a:ext cx="0" cy="0"/>
+          <a:chOff x="0" y="0"/>
+          <a:chExt cx="0" cy="0"/>
+        </a:xfrm>
+      </p:grpSpPr>
+      <p:sp>
+        <p:nvSpPr>
+          <p:cNvPr id="2" name="テキスト ボックス 1">
+            <a:extLst>
+              <a:ext uri="{FF2B5EF4-FFF2-40B4-BE49-F238E27FC236}">
+                <a16:creationId xmlns:a16="http://schemas.microsoft.com/office/drawing/2014/main" id="{66C462CB-E053-B946-8270-83001F55D617}"/>
+              </a:ext>
+            </a:extLst>
+          </p:cNvPr>
+          <p:cNvSpPr txBox="1"/>
+          <p:nvPr/>
+        </p:nvSpPr>
+        <p:spPr>
+          <a:xfrm>
+            <a:off x="2113280" y="254000"/>
+            <a:ext cx="5109091" cy="461665"/>
+          </a:xfrm>
+          <a:prstGeom prst="rect">
+            <a:avLst/>
+          </a:prstGeom>
+          <a:noFill/>
+        </p:spPr>
+        <p:txBody>
+          <a:bodyPr wrap="none" rtlCol="0">
+            <a:spAutoFit/>
+          </a:bodyPr>
+          <a:lstStyle/>
+          <a:p>
+            <a:r>
+              <a:rPr kumimoji="1" lang="ja-JP" altLang="en-US" sz="2400"/>
+              <a:t>並列プログラムのファイルの吐き方</a:t>
+            </a:r>
+          </a:p>
+        </p:txBody>
+      </p:sp>
+      <p:sp>
+        <p:nvSpPr>
+          <p:cNvPr id="3" name="テキスト ボックス 2">
+            <a:extLst>
+              <a:ext uri="{FF2B5EF4-FFF2-40B4-BE49-F238E27FC236}">
+                <a16:creationId xmlns:a16="http://schemas.microsoft.com/office/drawing/2014/main" id="{3115FA73-4C70-7048-B5EE-D747BD448E6C}"/>
+              </a:ext>
+            </a:extLst>
+          </p:cNvPr>
+          <p:cNvSpPr txBox="1"/>
+          <p:nvPr/>
+        </p:nvSpPr>
+        <p:spPr>
+          <a:xfrm>
+            <a:off x="142240" y="1137920"/>
+            <a:ext cx="2720617" cy="369332"/>
+          </a:xfrm>
+          <a:prstGeom prst="rect">
+            <a:avLst/>
+          </a:prstGeom>
+          <a:noFill/>
+        </p:spPr>
+        <p:txBody>
+          <a:bodyPr wrap="none" rtlCol="0">
+            <a:spAutoFit/>
+          </a:bodyPr>
+          <a:lstStyle/>
+          <a:p>
+            <a:r>
+              <a:rPr kumimoji="1" lang="en-US" altLang="ja-JP"/>
+              <a:t>1. </a:t>
+            </a:r>
+            <a:r>
+              <a:rPr kumimoji="1" lang="ja-JP" altLang="en-US"/>
+              <a:t>全プロセス勝手に吐く</a:t>
+            </a:r>
+          </a:p>
+        </p:txBody>
+      </p:sp>
+      <p:grpSp>
+        <p:nvGrpSpPr>
+          <p:cNvPr id="15" name="グループ化 14">
+            <a:extLst>
+              <a:ext uri="{FF2B5EF4-FFF2-40B4-BE49-F238E27FC236}">
+                <a16:creationId xmlns:a16="http://schemas.microsoft.com/office/drawing/2014/main" id="{DF9CC12F-CE98-EC4D-8A79-BCFF25957F9F}"/>
+              </a:ext>
+            </a:extLst>
+          </p:cNvPr>
+          <p:cNvGrpSpPr/>
+          <p:nvPr/>
+        </p:nvGrpSpPr>
+        <p:grpSpPr>
+          <a:xfrm>
+            <a:off x="447040" y="1747520"/>
+            <a:ext cx="2204720" cy="457200"/>
+            <a:chOff x="396240" y="2062480"/>
+            <a:chExt cx="2204720" cy="457200"/>
+          </a:xfrm>
+        </p:grpSpPr>
+        <p:sp>
+          <p:nvSpPr>
+            <p:cNvPr id="5" name="正方形/長方形 4">
+              <a:extLst>
+                <a:ext uri="{FF2B5EF4-FFF2-40B4-BE49-F238E27FC236}">
+                  <a16:creationId xmlns:a16="http://schemas.microsoft.com/office/drawing/2014/main" id="{8D32C5EA-26A0-6D4F-8018-441CFF59EE6F}"/>
+                </a:ext>
+              </a:extLst>
+            </p:cNvPr>
+            <p:cNvSpPr/>
+            <p:nvPr/>
+          </p:nvSpPr>
+          <p:spPr>
+            <a:xfrm>
+              <a:off x="396240" y="2082800"/>
+              <a:ext cx="1066800" cy="386080"/>
+            </a:xfrm>
+            <a:prstGeom prst="rect">
+              <a:avLst/>
+            </a:prstGeom>
+            <a:solidFill>
+              <a:schemeClr val="accent1">
+                <a:lumMod val="20000"/>
+                <a:lumOff val="80000"/>
+              </a:schemeClr>
+            </a:solidFill>
+            <a:ln>
+              <a:solidFill>
+                <a:schemeClr val="tx1"/>
+              </a:solidFill>
+            </a:ln>
+          </p:spPr>
+          <p:style>
+            <a:lnRef idx="2">
+              <a:schemeClr val="accent1">
+                <a:shade val="50000"/>
+              </a:schemeClr>
+            </a:lnRef>
+            <a:fillRef idx="1">
+              <a:schemeClr val="accent1"/>
+            </a:fillRef>
+            <a:effectRef idx="0">
+              <a:schemeClr val="accent1"/>
+            </a:effectRef>
+            <a:fontRef idx="minor">
+              <a:schemeClr val="lt1"/>
+            </a:fontRef>
+          </p:style>
+          <p:txBody>
+            <a:bodyPr rtlCol="0" anchor="ctr"/>
+            <a:lstStyle/>
+            <a:p>
+              <a:pPr algn="ctr"/>
+              <a:r>
+                <a:rPr kumimoji="1" lang="ja-JP" altLang="en-US" sz="1200">
+                  <a:solidFill>
+                    <a:schemeClr val="tx1"/>
+                  </a:solidFill>
+                </a:rPr>
+                <a:t>プロセス</a:t>
+              </a:r>
+              <a:r>
+                <a:rPr kumimoji="1" lang="en-US" altLang="ja-JP" sz="1200">
+                  <a:solidFill>
+                    <a:schemeClr val="tx1"/>
+                  </a:solidFill>
+                </a:rPr>
+                <a:t>1</a:t>
+              </a:r>
+              <a:endParaRPr kumimoji="1" lang="ja-JP" altLang="en-US" sz="1200">
+                <a:solidFill>
+                  <a:schemeClr val="tx1"/>
+                </a:solidFill>
+              </a:endParaRPr>
+            </a:p>
+          </p:txBody>
+        </p:sp>
+        <p:sp>
+          <p:nvSpPr>
+            <p:cNvPr id="10" name="右矢印 9">
+              <a:extLst>
+                <a:ext uri="{FF2B5EF4-FFF2-40B4-BE49-F238E27FC236}">
+                  <a16:creationId xmlns:a16="http://schemas.microsoft.com/office/drawing/2014/main" id="{D815AF72-2A7C-9446-A37E-EB9E3AF528BF}"/>
+                </a:ext>
+              </a:extLst>
+            </p:cNvPr>
+            <p:cNvSpPr/>
+            <p:nvPr/>
+          </p:nvSpPr>
+          <p:spPr>
+            <a:xfrm>
+              <a:off x="1564640" y="2184400"/>
+              <a:ext cx="325120" cy="233680"/>
+            </a:xfrm>
+            <a:prstGeom prst="rightArrow">
+              <a:avLst/>
+            </a:prstGeom>
+            <a:solidFill>
+              <a:srgbClr val="FF0000"/>
+            </a:solidFill>
+            <a:ln>
+              <a:solidFill>
+                <a:schemeClr val="tx1"/>
+              </a:solidFill>
+            </a:ln>
+          </p:spPr>
+          <p:style>
+            <a:lnRef idx="2">
+              <a:schemeClr val="accent1">
+                <a:shade val="50000"/>
+              </a:schemeClr>
+            </a:lnRef>
+            <a:fillRef idx="1">
+              <a:schemeClr val="accent1"/>
+            </a:fillRef>
+            <a:effectRef idx="0">
+              <a:schemeClr val="accent1"/>
+            </a:effectRef>
+            <a:fontRef idx="minor">
+              <a:schemeClr val="lt1"/>
+            </a:fontRef>
+          </p:style>
+          <p:txBody>
+            <a:bodyPr rtlCol="0" anchor="ctr"/>
+            <a:lstStyle/>
+            <a:p>
+              <a:pPr algn="ctr"/>
+              <a:endParaRPr kumimoji="1" lang="ja-JP" altLang="en-US"/>
+            </a:p>
+          </p:txBody>
+        </p:sp>
+        <p:sp>
+          <p:nvSpPr>
+            <p:cNvPr id="11" name="円柱 10">
+              <a:extLst>
+                <a:ext uri="{FF2B5EF4-FFF2-40B4-BE49-F238E27FC236}">
+                  <a16:creationId xmlns:a16="http://schemas.microsoft.com/office/drawing/2014/main" id="{82CF3F62-C6FE-384E-94F0-6D24B283976D}"/>
+                </a:ext>
+              </a:extLst>
+            </p:cNvPr>
+            <p:cNvSpPr/>
+            <p:nvPr/>
+          </p:nvSpPr>
+          <p:spPr>
+            <a:xfrm>
+              <a:off x="2103120" y="2062480"/>
+              <a:ext cx="497840" cy="457200"/>
+            </a:xfrm>
+            <a:prstGeom prst="can">
+              <a:avLst/>
+            </a:prstGeom>
+          </p:spPr>
+          <p:style>
+            <a:lnRef idx="2">
+              <a:schemeClr val="accent1">
+                <a:shade val="50000"/>
+              </a:schemeClr>
+            </a:lnRef>
+            <a:fillRef idx="1">
+              <a:schemeClr val="accent1"/>
+            </a:fillRef>
+            <a:effectRef idx="0">
+              <a:schemeClr val="accent1"/>
+            </a:effectRef>
+            <a:fontRef idx="minor">
+              <a:schemeClr val="lt1"/>
+            </a:fontRef>
+          </p:style>
+          <p:txBody>
+            <a:bodyPr rtlCol="0" anchor="ctr"/>
+            <a:lstStyle/>
+            <a:p>
+              <a:pPr algn="ctr"/>
+              <a:endParaRPr kumimoji="1" lang="ja-JP" altLang="en-US"/>
+            </a:p>
+          </p:txBody>
+        </p:sp>
+      </p:grpSp>
+      <p:grpSp>
+        <p:nvGrpSpPr>
+          <p:cNvPr id="16" name="グループ化 15">
+            <a:extLst>
+              <a:ext uri="{FF2B5EF4-FFF2-40B4-BE49-F238E27FC236}">
+                <a16:creationId xmlns:a16="http://schemas.microsoft.com/office/drawing/2014/main" id="{233C97BA-3227-CF40-8281-16BBF1F6EA26}"/>
+              </a:ext>
+            </a:extLst>
+          </p:cNvPr>
+          <p:cNvGrpSpPr/>
+          <p:nvPr/>
+        </p:nvGrpSpPr>
+        <p:grpSpPr>
+          <a:xfrm>
+            <a:off x="436880" y="2428240"/>
+            <a:ext cx="2204720" cy="457200"/>
+            <a:chOff x="396240" y="2062480"/>
+            <a:chExt cx="2204720" cy="457200"/>
+          </a:xfrm>
+        </p:grpSpPr>
+        <p:sp>
+          <p:nvSpPr>
+            <p:cNvPr id="17" name="正方形/長方形 16">
+              <a:extLst>
+                <a:ext uri="{FF2B5EF4-FFF2-40B4-BE49-F238E27FC236}">
+                  <a16:creationId xmlns:a16="http://schemas.microsoft.com/office/drawing/2014/main" id="{E37C250A-70A8-F142-96B4-92663E78944E}"/>
+                </a:ext>
+              </a:extLst>
+            </p:cNvPr>
+            <p:cNvSpPr/>
+            <p:nvPr/>
+          </p:nvSpPr>
+          <p:spPr>
+            <a:xfrm>
+              <a:off x="396240" y="2082800"/>
+              <a:ext cx="1066800" cy="386080"/>
+            </a:xfrm>
+            <a:prstGeom prst="rect">
+              <a:avLst/>
+            </a:prstGeom>
+            <a:solidFill>
+              <a:schemeClr val="accent1">
+                <a:lumMod val="20000"/>
+                <a:lumOff val="80000"/>
+              </a:schemeClr>
+            </a:solidFill>
+            <a:ln>
+              <a:solidFill>
+                <a:schemeClr val="tx1"/>
+              </a:solidFill>
+            </a:ln>
+          </p:spPr>
+          <p:style>
+            <a:lnRef idx="2">
+              <a:schemeClr val="accent1">
+                <a:shade val="50000"/>
+              </a:schemeClr>
+            </a:lnRef>
+            <a:fillRef idx="1">
+              <a:schemeClr val="accent1"/>
+            </a:fillRef>
+            <a:effectRef idx="0">
+              <a:schemeClr val="accent1"/>
+            </a:effectRef>
+            <a:fontRef idx="minor">
+              <a:schemeClr val="lt1"/>
+            </a:fontRef>
+          </p:style>
+          <p:txBody>
+            <a:bodyPr rtlCol="0" anchor="ctr"/>
+            <a:lstStyle/>
+            <a:p>
+              <a:pPr algn="ctr"/>
+              <a:r>
+                <a:rPr kumimoji="1" lang="ja-JP" altLang="en-US" sz="1200">
+                  <a:solidFill>
+                    <a:schemeClr val="tx1"/>
+                  </a:solidFill>
+                </a:rPr>
+                <a:t>プロセス</a:t>
+              </a:r>
+              <a:r>
+                <a:rPr kumimoji="1" lang="en-US" altLang="ja-JP" sz="1200">
+                  <a:solidFill>
+                    <a:schemeClr val="tx1"/>
+                  </a:solidFill>
+                </a:rPr>
+                <a:t>2</a:t>
+              </a:r>
+              <a:endParaRPr kumimoji="1" lang="ja-JP" altLang="en-US" sz="1200">
+                <a:solidFill>
+                  <a:schemeClr val="tx1"/>
+                </a:solidFill>
+              </a:endParaRPr>
+            </a:p>
+          </p:txBody>
+        </p:sp>
+        <p:sp>
+          <p:nvSpPr>
+            <p:cNvPr id="18" name="右矢印 17">
+              <a:extLst>
+                <a:ext uri="{FF2B5EF4-FFF2-40B4-BE49-F238E27FC236}">
+                  <a16:creationId xmlns:a16="http://schemas.microsoft.com/office/drawing/2014/main" id="{5AA2856A-86CA-2646-BE7B-D8F37814AA0E}"/>
+                </a:ext>
+              </a:extLst>
+            </p:cNvPr>
+            <p:cNvSpPr/>
+            <p:nvPr/>
+          </p:nvSpPr>
+          <p:spPr>
+            <a:xfrm>
+              <a:off x="1564640" y="2184400"/>
+              <a:ext cx="325120" cy="233680"/>
+            </a:xfrm>
+            <a:prstGeom prst="rightArrow">
+              <a:avLst/>
+            </a:prstGeom>
+            <a:solidFill>
+              <a:srgbClr val="FF0000"/>
+            </a:solidFill>
+            <a:ln>
+              <a:solidFill>
+                <a:schemeClr val="tx1"/>
+              </a:solidFill>
+            </a:ln>
+          </p:spPr>
+          <p:style>
+            <a:lnRef idx="2">
+              <a:schemeClr val="accent1">
+                <a:shade val="50000"/>
+              </a:schemeClr>
+            </a:lnRef>
+            <a:fillRef idx="1">
+              <a:schemeClr val="accent1"/>
+            </a:fillRef>
+            <a:effectRef idx="0">
+              <a:schemeClr val="accent1"/>
+            </a:effectRef>
+            <a:fontRef idx="minor">
+              <a:schemeClr val="lt1"/>
+            </a:fontRef>
+          </p:style>
+          <p:txBody>
+            <a:bodyPr rtlCol="0" anchor="ctr"/>
+            <a:lstStyle/>
+            <a:p>
+              <a:pPr algn="ctr"/>
+              <a:endParaRPr kumimoji="1" lang="ja-JP" altLang="en-US"/>
+            </a:p>
+          </p:txBody>
+        </p:sp>
+        <p:sp>
+          <p:nvSpPr>
+            <p:cNvPr id="19" name="円柱 18">
+              <a:extLst>
+                <a:ext uri="{FF2B5EF4-FFF2-40B4-BE49-F238E27FC236}">
+                  <a16:creationId xmlns:a16="http://schemas.microsoft.com/office/drawing/2014/main" id="{7F038B9D-EC31-7240-BA7B-A95B3E406407}"/>
+                </a:ext>
+              </a:extLst>
+            </p:cNvPr>
+            <p:cNvSpPr/>
+            <p:nvPr/>
+          </p:nvSpPr>
+          <p:spPr>
+            <a:xfrm>
+              <a:off x="2103120" y="2062480"/>
+              <a:ext cx="497840" cy="457200"/>
+            </a:xfrm>
+            <a:prstGeom prst="can">
+              <a:avLst/>
+            </a:prstGeom>
+          </p:spPr>
+          <p:style>
+            <a:lnRef idx="2">
+              <a:schemeClr val="accent1">
+                <a:shade val="50000"/>
+              </a:schemeClr>
+            </a:lnRef>
+            <a:fillRef idx="1">
+              <a:schemeClr val="accent1"/>
+            </a:fillRef>
+            <a:effectRef idx="0">
+              <a:schemeClr val="accent1"/>
+            </a:effectRef>
+            <a:fontRef idx="minor">
+              <a:schemeClr val="lt1"/>
+            </a:fontRef>
+          </p:style>
+          <p:txBody>
+            <a:bodyPr rtlCol="0" anchor="ctr"/>
+            <a:lstStyle/>
+            <a:p>
+              <a:pPr algn="ctr"/>
+              <a:endParaRPr kumimoji="1" lang="ja-JP" altLang="en-US"/>
+            </a:p>
+          </p:txBody>
+        </p:sp>
+      </p:grpSp>
+      <p:grpSp>
+        <p:nvGrpSpPr>
+          <p:cNvPr id="20" name="グループ化 19">
+            <a:extLst>
+              <a:ext uri="{FF2B5EF4-FFF2-40B4-BE49-F238E27FC236}">
+                <a16:creationId xmlns:a16="http://schemas.microsoft.com/office/drawing/2014/main" id="{09C32660-546C-AE44-8D70-87A9CF423689}"/>
+              </a:ext>
+            </a:extLst>
+          </p:cNvPr>
+          <p:cNvGrpSpPr/>
+          <p:nvPr/>
+        </p:nvGrpSpPr>
+        <p:grpSpPr>
+          <a:xfrm>
+            <a:off x="457200" y="3108960"/>
+            <a:ext cx="2204720" cy="457200"/>
+            <a:chOff x="396240" y="2062480"/>
+            <a:chExt cx="2204720" cy="457200"/>
+          </a:xfrm>
+        </p:grpSpPr>
+        <p:sp>
+          <p:nvSpPr>
+            <p:cNvPr id="21" name="正方形/長方形 20">
+              <a:extLst>
+                <a:ext uri="{FF2B5EF4-FFF2-40B4-BE49-F238E27FC236}">
+                  <a16:creationId xmlns:a16="http://schemas.microsoft.com/office/drawing/2014/main" id="{08A618E4-C125-B148-9C57-69377BD13F62}"/>
+                </a:ext>
+              </a:extLst>
+            </p:cNvPr>
+            <p:cNvSpPr/>
+            <p:nvPr/>
+          </p:nvSpPr>
+          <p:spPr>
+            <a:xfrm>
+              <a:off x="396240" y="2082800"/>
+              <a:ext cx="1066800" cy="386080"/>
+            </a:xfrm>
+            <a:prstGeom prst="rect">
+              <a:avLst/>
+            </a:prstGeom>
+            <a:solidFill>
+              <a:schemeClr val="accent1">
+                <a:lumMod val="20000"/>
+                <a:lumOff val="80000"/>
+              </a:schemeClr>
+            </a:solidFill>
+            <a:ln>
+              <a:solidFill>
+                <a:schemeClr val="tx1"/>
+              </a:solidFill>
+            </a:ln>
+          </p:spPr>
+          <p:style>
+            <a:lnRef idx="2">
+              <a:schemeClr val="accent1">
+                <a:shade val="50000"/>
+              </a:schemeClr>
+            </a:lnRef>
+            <a:fillRef idx="1">
+              <a:schemeClr val="accent1"/>
+            </a:fillRef>
+            <a:effectRef idx="0">
+              <a:schemeClr val="accent1"/>
+            </a:effectRef>
+            <a:fontRef idx="minor">
+              <a:schemeClr val="lt1"/>
+            </a:fontRef>
+          </p:style>
+          <p:txBody>
+            <a:bodyPr rtlCol="0" anchor="ctr"/>
+            <a:lstStyle/>
+            <a:p>
+              <a:pPr algn="ctr"/>
+              <a:r>
+                <a:rPr kumimoji="1" lang="ja-JP" altLang="en-US" sz="1200">
+                  <a:solidFill>
+                    <a:schemeClr val="tx1"/>
+                  </a:solidFill>
+                </a:rPr>
+                <a:t>プロセス</a:t>
+              </a:r>
+              <a:r>
+                <a:rPr kumimoji="1" lang="en-US" altLang="ja-JP" sz="1200">
+                  <a:solidFill>
+                    <a:schemeClr val="tx1"/>
+                  </a:solidFill>
+                </a:rPr>
+                <a:t>3</a:t>
+              </a:r>
+              <a:endParaRPr kumimoji="1" lang="ja-JP" altLang="en-US" sz="1200">
+                <a:solidFill>
+                  <a:schemeClr val="tx1"/>
+                </a:solidFill>
+              </a:endParaRPr>
+            </a:p>
+          </p:txBody>
+        </p:sp>
+        <p:sp>
+          <p:nvSpPr>
+            <p:cNvPr id="22" name="右矢印 21">
+              <a:extLst>
+                <a:ext uri="{FF2B5EF4-FFF2-40B4-BE49-F238E27FC236}">
+                  <a16:creationId xmlns:a16="http://schemas.microsoft.com/office/drawing/2014/main" id="{0C7FFE40-804D-8248-BD4A-181B04BC2B78}"/>
+                </a:ext>
+              </a:extLst>
+            </p:cNvPr>
+            <p:cNvSpPr/>
+            <p:nvPr/>
+          </p:nvSpPr>
+          <p:spPr>
+            <a:xfrm>
+              <a:off x="1564640" y="2184400"/>
+              <a:ext cx="325120" cy="233680"/>
+            </a:xfrm>
+            <a:prstGeom prst="rightArrow">
+              <a:avLst/>
+            </a:prstGeom>
+            <a:solidFill>
+              <a:srgbClr val="FF0000"/>
+            </a:solidFill>
+            <a:ln>
+              <a:solidFill>
+                <a:schemeClr val="tx1"/>
+              </a:solidFill>
+            </a:ln>
+          </p:spPr>
+          <p:style>
+            <a:lnRef idx="2">
+              <a:schemeClr val="accent1">
+                <a:shade val="50000"/>
+              </a:schemeClr>
+            </a:lnRef>
+            <a:fillRef idx="1">
+              <a:schemeClr val="accent1"/>
+            </a:fillRef>
+            <a:effectRef idx="0">
+              <a:schemeClr val="accent1"/>
+            </a:effectRef>
+            <a:fontRef idx="minor">
+              <a:schemeClr val="lt1"/>
+            </a:fontRef>
+          </p:style>
+          <p:txBody>
+            <a:bodyPr rtlCol="0" anchor="ctr"/>
+            <a:lstStyle/>
+            <a:p>
+              <a:pPr algn="ctr"/>
+              <a:endParaRPr kumimoji="1" lang="ja-JP" altLang="en-US"/>
+            </a:p>
+          </p:txBody>
+        </p:sp>
+        <p:sp>
+          <p:nvSpPr>
+            <p:cNvPr id="23" name="円柱 22">
+              <a:extLst>
+                <a:ext uri="{FF2B5EF4-FFF2-40B4-BE49-F238E27FC236}">
+                  <a16:creationId xmlns:a16="http://schemas.microsoft.com/office/drawing/2014/main" id="{0509B231-6FDA-504E-84F1-B40BDEDCC038}"/>
+                </a:ext>
+              </a:extLst>
+            </p:cNvPr>
+            <p:cNvSpPr/>
+            <p:nvPr/>
+          </p:nvSpPr>
+          <p:spPr>
+            <a:xfrm>
+              <a:off x="2103120" y="2062480"/>
+              <a:ext cx="497840" cy="457200"/>
+            </a:xfrm>
+            <a:prstGeom prst="can">
+              <a:avLst/>
+            </a:prstGeom>
+          </p:spPr>
+          <p:style>
+            <a:lnRef idx="2">
+              <a:schemeClr val="accent1">
+                <a:shade val="50000"/>
+              </a:schemeClr>
+            </a:lnRef>
+            <a:fillRef idx="1">
+              <a:schemeClr val="accent1"/>
+            </a:fillRef>
+            <a:effectRef idx="0">
+              <a:schemeClr val="accent1"/>
+            </a:effectRef>
+            <a:fontRef idx="minor">
+              <a:schemeClr val="lt1"/>
+            </a:fontRef>
+          </p:style>
+          <p:txBody>
+            <a:bodyPr rtlCol="0" anchor="ctr"/>
+            <a:lstStyle/>
+            <a:p>
+              <a:pPr algn="ctr"/>
+              <a:endParaRPr kumimoji="1" lang="ja-JP" altLang="en-US"/>
+            </a:p>
+          </p:txBody>
+        </p:sp>
+      </p:grpSp>
+      <p:grpSp>
+        <p:nvGrpSpPr>
+          <p:cNvPr id="24" name="グループ化 23">
+            <a:extLst>
+              <a:ext uri="{FF2B5EF4-FFF2-40B4-BE49-F238E27FC236}">
+                <a16:creationId xmlns:a16="http://schemas.microsoft.com/office/drawing/2014/main" id="{EE56F33A-90E9-EB48-9880-EC6FF0F64108}"/>
+              </a:ext>
+            </a:extLst>
+          </p:cNvPr>
+          <p:cNvGrpSpPr/>
+          <p:nvPr/>
+        </p:nvGrpSpPr>
+        <p:grpSpPr>
+          <a:xfrm>
+            <a:off x="447040" y="3789680"/>
+            <a:ext cx="2204720" cy="457200"/>
+            <a:chOff x="396240" y="2062480"/>
+            <a:chExt cx="2204720" cy="457200"/>
+          </a:xfrm>
+        </p:grpSpPr>
+        <p:sp>
+          <p:nvSpPr>
+            <p:cNvPr id="25" name="正方形/長方形 24">
+              <a:extLst>
+                <a:ext uri="{FF2B5EF4-FFF2-40B4-BE49-F238E27FC236}">
+                  <a16:creationId xmlns:a16="http://schemas.microsoft.com/office/drawing/2014/main" id="{F3F1003B-EDE2-BC4C-8DAF-30E4007F7B31}"/>
+                </a:ext>
+              </a:extLst>
+            </p:cNvPr>
+            <p:cNvSpPr/>
+            <p:nvPr/>
+          </p:nvSpPr>
+          <p:spPr>
+            <a:xfrm>
+              <a:off x="396240" y="2082800"/>
+              <a:ext cx="1066800" cy="386080"/>
+            </a:xfrm>
+            <a:prstGeom prst="rect">
+              <a:avLst/>
+            </a:prstGeom>
+            <a:solidFill>
+              <a:schemeClr val="accent1">
+                <a:lumMod val="20000"/>
+                <a:lumOff val="80000"/>
+              </a:schemeClr>
+            </a:solidFill>
+            <a:ln>
+              <a:solidFill>
+                <a:schemeClr val="tx1"/>
+              </a:solidFill>
+            </a:ln>
+          </p:spPr>
+          <p:style>
+            <a:lnRef idx="2">
+              <a:schemeClr val="accent1">
+                <a:shade val="50000"/>
+              </a:schemeClr>
+            </a:lnRef>
+            <a:fillRef idx="1">
+              <a:schemeClr val="accent1"/>
+            </a:fillRef>
+            <a:effectRef idx="0">
+              <a:schemeClr val="accent1"/>
+            </a:effectRef>
+            <a:fontRef idx="minor">
+              <a:schemeClr val="lt1"/>
+            </a:fontRef>
+          </p:style>
+          <p:txBody>
+            <a:bodyPr rtlCol="0" anchor="ctr"/>
+            <a:lstStyle/>
+            <a:p>
+              <a:pPr algn="ctr"/>
+              <a:r>
+                <a:rPr kumimoji="1" lang="ja-JP" altLang="en-US" sz="1200">
+                  <a:solidFill>
+                    <a:schemeClr val="tx1"/>
+                  </a:solidFill>
+                </a:rPr>
+                <a:t>プロセス</a:t>
+              </a:r>
+              <a:r>
+                <a:rPr kumimoji="1" lang="en-US" altLang="ja-JP" sz="1200">
+                  <a:solidFill>
+                    <a:schemeClr val="tx1"/>
+                  </a:solidFill>
+                </a:rPr>
+                <a:t>4</a:t>
+              </a:r>
+              <a:endParaRPr kumimoji="1" lang="ja-JP" altLang="en-US" sz="1200">
+                <a:solidFill>
+                  <a:schemeClr val="tx1"/>
+                </a:solidFill>
+              </a:endParaRPr>
+            </a:p>
+          </p:txBody>
+        </p:sp>
+        <p:sp>
+          <p:nvSpPr>
+            <p:cNvPr id="26" name="右矢印 25">
+              <a:extLst>
+                <a:ext uri="{FF2B5EF4-FFF2-40B4-BE49-F238E27FC236}">
+                  <a16:creationId xmlns:a16="http://schemas.microsoft.com/office/drawing/2014/main" id="{B62D170E-5BC7-D247-B9C6-DE0B16CD9728}"/>
+                </a:ext>
+              </a:extLst>
+            </p:cNvPr>
+            <p:cNvSpPr/>
+            <p:nvPr/>
+          </p:nvSpPr>
+          <p:spPr>
+            <a:xfrm>
+              <a:off x="1564640" y="2184400"/>
+              <a:ext cx="325120" cy="233680"/>
+            </a:xfrm>
+            <a:prstGeom prst="rightArrow">
+              <a:avLst/>
+            </a:prstGeom>
+            <a:solidFill>
+              <a:srgbClr val="FF0000"/>
+            </a:solidFill>
+            <a:ln>
+              <a:solidFill>
+                <a:schemeClr val="tx1"/>
+              </a:solidFill>
+            </a:ln>
+          </p:spPr>
+          <p:style>
+            <a:lnRef idx="2">
+              <a:schemeClr val="accent1">
+                <a:shade val="50000"/>
+              </a:schemeClr>
+            </a:lnRef>
+            <a:fillRef idx="1">
+              <a:schemeClr val="accent1"/>
+            </a:fillRef>
+            <a:effectRef idx="0">
+              <a:schemeClr val="accent1"/>
+            </a:effectRef>
+            <a:fontRef idx="minor">
+              <a:schemeClr val="lt1"/>
+            </a:fontRef>
+          </p:style>
+          <p:txBody>
+            <a:bodyPr rtlCol="0" anchor="ctr"/>
+            <a:lstStyle/>
+            <a:p>
+              <a:pPr algn="ctr"/>
+              <a:endParaRPr kumimoji="1" lang="ja-JP" altLang="en-US"/>
+            </a:p>
+          </p:txBody>
+        </p:sp>
+        <p:sp>
+          <p:nvSpPr>
+            <p:cNvPr id="27" name="円柱 26">
+              <a:extLst>
+                <a:ext uri="{FF2B5EF4-FFF2-40B4-BE49-F238E27FC236}">
+                  <a16:creationId xmlns:a16="http://schemas.microsoft.com/office/drawing/2014/main" id="{16335458-E7B4-B347-8CD5-258AAE059EF4}"/>
+                </a:ext>
+              </a:extLst>
+            </p:cNvPr>
+            <p:cNvSpPr/>
+            <p:nvPr/>
+          </p:nvSpPr>
+          <p:spPr>
+            <a:xfrm>
+              <a:off x="2103120" y="2062480"/>
+              <a:ext cx="497840" cy="457200"/>
+            </a:xfrm>
+            <a:prstGeom prst="can">
+              <a:avLst/>
+            </a:prstGeom>
+          </p:spPr>
+          <p:style>
+            <a:lnRef idx="2">
+              <a:schemeClr val="accent1">
+                <a:shade val="50000"/>
+              </a:schemeClr>
+            </a:lnRef>
+            <a:fillRef idx="1">
+              <a:schemeClr val="accent1"/>
+            </a:fillRef>
+            <a:effectRef idx="0">
+              <a:schemeClr val="accent1"/>
+            </a:effectRef>
+            <a:fontRef idx="minor">
+              <a:schemeClr val="lt1"/>
+            </a:fontRef>
+          </p:style>
+          <p:txBody>
+            <a:bodyPr rtlCol="0" anchor="ctr"/>
+            <a:lstStyle/>
+            <a:p>
+              <a:pPr algn="ctr"/>
+              <a:endParaRPr kumimoji="1" lang="ja-JP" altLang="en-US"/>
+            </a:p>
+          </p:txBody>
+        </p:sp>
+      </p:grpSp>
+      <p:pic>
+        <p:nvPicPr>
+          <p:cNvPr id="28" name="図 27">
+            <a:extLst>
+              <a:ext uri="{FF2B5EF4-FFF2-40B4-BE49-F238E27FC236}">
+                <a16:creationId xmlns:a16="http://schemas.microsoft.com/office/drawing/2014/main" id="{ADB00824-5032-954F-86D7-BFE7C96D3DD2}"/>
+              </a:ext>
+            </a:extLst>
+          </p:cNvPr>
+          <p:cNvPicPr>
+            <a:picLocks noChangeAspect="1"/>
+          </p:cNvPicPr>
+          <p:nvPr/>
+        </p:nvPicPr>
+        <p:blipFill>
+          <a:blip r:embed="rId2"/>
+          <a:stretch>
+            <a:fillRect/>
+          </a:stretch>
+        </p:blipFill>
+        <p:spPr>
+          <a:xfrm>
+            <a:off x="76200" y="4848224"/>
+            <a:ext cx="584200" cy="569595"/>
+          </a:xfrm>
+          <a:prstGeom prst="rect">
+            <a:avLst/>
+          </a:prstGeom>
+        </p:spPr>
+      </p:pic>
+      <p:pic>
+        <p:nvPicPr>
+          <p:cNvPr id="29" name="図 28">
+            <a:extLst>
+              <a:ext uri="{FF2B5EF4-FFF2-40B4-BE49-F238E27FC236}">
+                <a16:creationId xmlns:a16="http://schemas.microsoft.com/office/drawing/2014/main" id="{7187F148-B783-7942-8892-B4471618839D}"/>
+              </a:ext>
+            </a:extLst>
+          </p:cNvPr>
+          <p:cNvPicPr>
+            <a:picLocks noChangeAspect="1"/>
+          </p:cNvPicPr>
+          <p:nvPr/>
+        </p:nvPicPr>
+        <p:blipFill>
+          <a:blip r:embed="rId3"/>
+          <a:stretch>
+            <a:fillRect/>
+          </a:stretch>
+        </p:blipFill>
+        <p:spPr>
+          <a:xfrm>
+            <a:off x="86360" y="5709920"/>
+            <a:ext cx="554892" cy="541020"/>
+          </a:xfrm>
+          <a:prstGeom prst="rect">
+            <a:avLst/>
+          </a:prstGeom>
+        </p:spPr>
+      </p:pic>
+      <p:sp>
+        <p:nvSpPr>
+          <p:cNvPr id="30" name="テキスト ボックス 29">
+            <a:extLst>
+              <a:ext uri="{FF2B5EF4-FFF2-40B4-BE49-F238E27FC236}">
+                <a16:creationId xmlns:a16="http://schemas.microsoft.com/office/drawing/2014/main" id="{89F72D56-3384-6048-9B76-6C715C406CFD}"/>
+              </a:ext>
+            </a:extLst>
+          </p:cNvPr>
+          <p:cNvSpPr txBox="1"/>
+          <p:nvPr/>
+        </p:nvSpPr>
+        <p:spPr>
+          <a:xfrm>
+            <a:off x="731520" y="4927600"/>
+            <a:ext cx="2031325" cy="369332"/>
+          </a:xfrm>
+          <a:prstGeom prst="rect">
+            <a:avLst/>
+          </a:prstGeom>
+          <a:noFill/>
+        </p:spPr>
+        <p:txBody>
+          <a:bodyPr wrap="none" rtlCol="0">
+            <a:spAutoFit/>
+          </a:bodyPr>
+          <a:lstStyle/>
+          <a:p>
+            <a:r>
+              <a:rPr kumimoji="1" lang="ja-JP" altLang="en-US"/>
+              <a:t>コーディングが楽</a:t>
+            </a:r>
+          </a:p>
+        </p:txBody>
+      </p:sp>
+      <p:sp>
+        <p:nvSpPr>
+          <p:cNvPr id="31" name="テキスト ボックス 30">
+            <a:extLst>
+              <a:ext uri="{FF2B5EF4-FFF2-40B4-BE49-F238E27FC236}">
+                <a16:creationId xmlns:a16="http://schemas.microsoft.com/office/drawing/2014/main" id="{ABFAA4F4-D26C-2549-831D-910EC8663E6D}"/>
+              </a:ext>
+            </a:extLst>
+          </p:cNvPr>
+          <p:cNvSpPr txBox="1"/>
+          <p:nvPr/>
+        </p:nvSpPr>
+        <p:spPr>
+          <a:xfrm>
+            <a:off x="619760" y="5740400"/>
+            <a:ext cx="2518638" cy="523220"/>
+          </a:xfrm>
+          <a:prstGeom prst="rect">
+            <a:avLst/>
+          </a:prstGeom>
+          <a:noFill/>
+        </p:spPr>
+        <p:txBody>
+          <a:bodyPr wrap="none" rtlCol="0">
+            <a:spAutoFit/>
+          </a:bodyPr>
+          <a:lstStyle/>
+          <a:p>
+            <a:r>
+              <a:rPr kumimoji="1" lang="ja-JP" altLang="en-US" sz="1400"/>
+              <a:t>ステップ数</a:t>
+            </a:r>
+            <a:r>
+              <a:rPr lang="en-US" altLang="ja-JP" sz="1400"/>
+              <a:t> x </a:t>
+            </a:r>
+            <a:r>
+              <a:rPr lang="ja-JP" altLang="en-US" sz="1400"/>
+              <a:t>プロセス数の</a:t>
+            </a:r>
+            <a:endParaRPr lang="en-US" altLang="ja-JP" sz="1400"/>
+          </a:p>
+          <a:p>
+            <a:r>
+              <a:rPr kumimoji="1" lang="ja-JP" altLang="en-US" sz="1400"/>
+              <a:t>大量のファイルが出力される</a:t>
+            </a:r>
+          </a:p>
+        </p:txBody>
+      </p:sp>
+      <p:sp>
+        <p:nvSpPr>
+          <p:cNvPr id="32" name="テキスト ボックス 31">
+            <a:extLst>
+              <a:ext uri="{FF2B5EF4-FFF2-40B4-BE49-F238E27FC236}">
+                <a16:creationId xmlns:a16="http://schemas.microsoft.com/office/drawing/2014/main" id="{C4B390E9-3286-9047-A90E-BA5FEC395A7C}"/>
+              </a:ext>
+            </a:extLst>
+          </p:cNvPr>
+          <p:cNvSpPr txBox="1"/>
+          <p:nvPr/>
+        </p:nvSpPr>
+        <p:spPr>
+          <a:xfrm>
+            <a:off x="3108960" y="1127760"/>
+            <a:ext cx="2773516" cy="369332"/>
+          </a:xfrm>
+          <a:prstGeom prst="rect">
+            <a:avLst/>
+          </a:prstGeom>
+          <a:noFill/>
+        </p:spPr>
+        <p:txBody>
+          <a:bodyPr wrap="none" rtlCol="0">
+            <a:spAutoFit/>
+          </a:bodyPr>
+          <a:lstStyle/>
+          <a:p>
+            <a:r>
+              <a:rPr kumimoji="1" lang="en-US" altLang="ja-JP"/>
+              <a:t>2.  </a:t>
+            </a:r>
+            <a:r>
+              <a:rPr kumimoji="1" lang="ja-JP" altLang="en-US"/>
+              <a:t>一つのファイルに</a:t>
+            </a:r>
+            <a:r>
+              <a:rPr lang="ja-JP" altLang="en-US"/>
+              <a:t>追記</a:t>
+            </a:r>
+            <a:endParaRPr kumimoji="1" lang="en-US" altLang="ja-JP"/>
+          </a:p>
+        </p:txBody>
+      </p:sp>
+      <p:sp>
+        <p:nvSpPr>
+          <p:cNvPr id="34" name="正方形/長方形 33">
+            <a:extLst>
+              <a:ext uri="{FF2B5EF4-FFF2-40B4-BE49-F238E27FC236}">
+                <a16:creationId xmlns:a16="http://schemas.microsoft.com/office/drawing/2014/main" id="{34F84F1A-D1B5-0D44-805E-2E1A6BF2BE28}"/>
+              </a:ext>
+            </a:extLst>
+          </p:cNvPr>
+          <p:cNvSpPr/>
+          <p:nvPr/>
+        </p:nvSpPr>
+        <p:spPr>
+          <a:xfrm>
+            <a:off x="3423920" y="1950720"/>
+            <a:ext cx="1066800" cy="386080"/>
+          </a:xfrm>
+          <a:prstGeom prst="rect">
+            <a:avLst/>
+          </a:prstGeom>
+          <a:solidFill>
+            <a:schemeClr val="accent1">
+              <a:lumMod val="20000"/>
+              <a:lumOff val="80000"/>
+            </a:schemeClr>
+          </a:solidFill>
+          <a:ln>
+            <a:solidFill>
+              <a:schemeClr val="tx1"/>
+            </a:solidFill>
+          </a:ln>
+        </p:spPr>
+        <p:style>
+          <a:lnRef idx="2">
+            <a:schemeClr val="accent1">
+              <a:shade val="50000"/>
+            </a:schemeClr>
+          </a:lnRef>
+          <a:fillRef idx="1">
+            <a:schemeClr val="accent1"/>
+          </a:fillRef>
+          <a:effectRef idx="0">
+            <a:schemeClr val="accent1"/>
+          </a:effectRef>
+          <a:fontRef idx="minor">
+            <a:schemeClr val="lt1"/>
+          </a:fontRef>
+        </p:style>
+        <p:txBody>
+          <a:bodyPr rtlCol="0" anchor="ctr"/>
+          <a:lstStyle/>
+          <a:p>
+            <a:pPr algn="ctr"/>
+            <a:r>
+              <a:rPr kumimoji="1" lang="ja-JP" altLang="en-US" sz="1200">
+                <a:solidFill>
+                  <a:schemeClr val="tx1"/>
+                </a:solidFill>
+              </a:rPr>
+              <a:t>プロセス</a:t>
+            </a:r>
+            <a:r>
+              <a:rPr kumimoji="1" lang="en-US" altLang="ja-JP" sz="1200">
+                <a:solidFill>
+                  <a:schemeClr val="tx1"/>
+                </a:solidFill>
+              </a:rPr>
+              <a:t>1</a:t>
+            </a:r>
+            <a:endParaRPr kumimoji="1" lang="ja-JP" altLang="en-US" sz="1200">
+              <a:solidFill>
+                <a:schemeClr val="tx1"/>
+              </a:solidFill>
+            </a:endParaRPr>
+          </a:p>
+        </p:txBody>
+      </p:sp>
+      <p:sp>
+        <p:nvSpPr>
+          <p:cNvPr id="35" name="右矢印 34">
+            <a:extLst>
+              <a:ext uri="{FF2B5EF4-FFF2-40B4-BE49-F238E27FC236}">
+                <a16:creationId xmlns:a16="http://schemas.microsoft.com/office/drawing/2014/main" id="{EF45AEF4-D313-D144-80A1-59A07A39FC7D}"/>
+              </a:ext>
+            </a:extLst>
+          </p:cNvPr>
+          <p:cNvSpPr/>
+          <p:nvPr/>
+        </p:nvSpPr>
+        <p:spPr>
+          <a:xfrm rot="2434354">
+            <a:off x="4683760" y="2275840"/>
+            <a:ext cx="325120" cy="233680"/>
+          </a:xfrm>
+          <a:prstGeom prst="rightArrow">
+            <a:avLst/>
+          </a:prstGeom>
+          <a:solidFill>
+            <a:srgbClr val="FF0000"/>
+          </a:solidFill>
+          <a:ln>
+            <a:solidFill>
+              <a:schemeClr val="tx1"/>
+            </a:solidFill>
+          </a:ln>
+        </p:spPr>
+        <p:style>
+          <a:lnRef idx="2">
+            <a:schemeClr val="accent1">
+              <a:shade val="50000"/>
+            </a:schemeClr>
+          </a:lnRef>
+          <a:fillRef idx="1">
+            <a:schemeClr val="accent1"/>
+          </a:fillRef>
+          <a:effectRef idx="0">
+            <a:schemeClr val="accent1"/>
+          </a:effectRef>
+          <a:fontRef idx="minor">
+            <a:schemeClr val="lt1"/>
+          </a:fontRef>
+        </p:style>
+        <p:txBody>
+          <a:bodyPr rtlCol="0" anchor="ctr"/>
+          <a:lstStyle/>
+          <a:p>
+            <a:pPr algn="ctr"/>
+            <a:endParaRPr kumimoji="1" lang="ja-JP" altLang="en-US"/>
+          </a:p>
+        </p:txBody>
+      </p:sp>
+      <p:sp>
+        <p:nvSpPr>
+          <p:cNvPr id="36" name="円柱 35">
+            <a:extLst>
+              <a:ext uri="{FF2B5EF4-FFF2-40B4-BE49-F238E27FC236}">
+                <a16:creationId xmlns:a16="http://schemas.microsoft.com/office/drawing/2014/main" id="{04E4AC73-FB9D-7040-BB65-FF7F4C2D69DF}"/>
+              </a:ext>
+            </a:extLst>
+          </p:cNvPr>
+          <p:cNvSpPr/>
+          <p:nvPr/>
+        </p:nvSpPr>
+        <p:spPr>
+          <a:xfrm>
+            <a:off x="5140960" y="2651760"/>
+            <a:ext cx="762000" cy="741680"/>
+          </a:xfrm>
+          <a:prstGeom prst="can">
+            <a:avLst/>
+          </a:prstGeom>
+        </p:spPr>
+        <p:style>
+          <a:lnRef idx="2">
+            <a:schemeClr val="accent1">
+              <a:shade val="50000"/>
+            </a:schemeClr>
+          </a:lnRef>
+          <a:fillRef idx="1">
+            <a:schemeClr val="accent1"/>
+          </a:fillRef>
+          <a:effectRef idx="0">
+            <a:schemeClr val="accent1"/>
+          </a:effectRef>
+          <a:fontRef idx="minor">
+            <a:schemeClr val="lt1"/>
+          </a:fontRef>
+        </p:style>
+        <p:txBody>
+          <a:bodyPr rtlCol="0" anchor="ctr"/>
+          <a:lstStyle/>
+          <a:p>
+            <a:pPr algn="ctr"/>
+            <a:endParaRPr kumimoji="1" lang="ja-JP" altLang="en-US"/>
+          </a:p>
+        </p:txBody>
+      </p:sp>
+      <p:sp>
+        <p:nvSpPr>
+          <p:cNvPr id="37" name="正方形/長方形 36">
+            <a:extLst>
+              <a:ext uri="{FF2B5EF4-FFF2-40B4-BE49-F238E27FC236}">
+                <a16:creationId xmlns:a16="http://schemas.microsoft.com/office/drawing/2014/main" id="{86A3B795-4897-594A-9383-0D06BF5EE148}"/>
+              </a:ext>
+            </a:extLst>
+          </p:cNvPr>
+          <p:cNvSpPr/>
+          <p:nvPr/>
+        </p:nvSpPr>
+        <p:spPr>
+          <a:xfrm>
+            <a:off x="3423920" y="2560320"/>
+            <a:ext cx="1066800" cy="386080"/>
+          </a:xfrm>
+          <a:prstGeom prst="rect">
+            <a:avLst/>
+          </a:prstGeom>
+          <a:solidFill>
+            <a:schemeClr val="accent1">
+              <a:lumMod val="20000"/>
+              <a:lumOff val="80000"/>
+            </a:schemeClr>
+          </a:solidFill>
+          <a:ln>
+            <a:solidFill>
+              <a:schemeClr val="tx1"/>
+            </a:solidFill>
+          </a:ln>
+        </p:spPr>
+        <p:style>
+          <a:lnRef idx="2">
+            <a:schemeClr val="accent1">
+              <a:shade val="50000"/>
+            </a:schemeClr>
+          </a:lnRef>
+          <a:fillRef idx="1">
+            <a:schemeClr val="accent1"/>
+          </a:fillRef>
+          <a:effectRef idx="0">
+            <a:schemeClr val="accent1"/>
+          </a:effectRef>
+          <a:fontRef idx="minor">
+            <a:schemeClr val="lt1"/>
+          </a:fontRef>
+        </p:style>
+        <p:txBody>
+          <a:bodyPr rtlCol="0" anchor="ctr"/>
+          <a:lstStyle/>
+          <a:p>
+            <a:pPr algn="ctr"/>
+            <a:r>
+              <a:rPr kumimoji="1" lang="ja-JP" altLang="en-US" sz="1200">
+                <a:solidFill>
+                  <a:schemeClr val="tx1"/>
+                </a:solidFill>
+              </a:rPr>
+              <a:t>プロセス</a:t>
+            </a:r>
+            <a:r>
+              <a:rPr kumimoji="1" lang="en-US" altLang="ja-JP" sz="1200">
+                <a:solidFill>
+                  <a:schemeClr val="tx1"/>
+                </a:solidFill>
+              </a:rPr>
+              <a:t>2</a:t>
+            </a:r>
+            <a:endParaRPr kumimoji="1" lang="ja-JP" altLang="en-US" sz="1200">
+              <a:solidFill>
+                <a:schemeClr val="tx1"/>
+              </a:solidFill>
+            </a:endParaRPr>
+          </a:p>
+        </p:txBody>
+      </p:sp>
+      <p:sp>
+        <p:nvSpPr>
+          <p:cNvPr id="38" name="正方形/長方形 37">
+            <a:extLst>
+              <a:ext uri="{FF2B5EF4-FFF2-40B4-BE49-F238E27FC236}">
+                <a16:creationId xmlns:a16="http://schemas.microsoft.com/office/drawing/2014/main" id="{EAF3676E-7981-1947-8A3F-AD39D1483136}"/>
+              </a:ext>
+            </a:extLst>
+          </p:cNvPr>
+          <p:cNvSpPr/>
+          <p:nvPr/>
+        </p:nvSpPr>
+        <p:spPr>
+          <a:xfrm>
+            <a:off x="3423920" y="3129280"/>
+            <a:ext cx="1066800" cy="386080"/>
+          </a:xfrm>
+          <a:prstGeom prst="rect">
+            <a:avLst/>
+          </a:prstGeom>
+          <a:solidFill>
+            <a:schemeClr val="accent1">
+              <a:lumMod val="20000"/>
+              <a:lumOff val="80000"/>
+            </a:schemeClr>
+          </a:solidFill>
+          <a:ln>
+            <a:solidFill>
+              <a:schemeClr val="tx1"/>
+            </a:solidFill>
+          </a:ln>
+        </p:spPr>
+        <p:style>
+          <a:lnRef idx="2">
+            <a:schemeClr val="accent1">
+              <a:shade val="50000"/>
+            </a:schemeClr>
+          </a:lnRef>
+          <a:fillRef idx="1">
+            <a:schemeClr val="accent1"/>
+          </a:fillRef>
+          <a:effectRef idx="0">
+            <a:schemeClr val="accent1"/>
+          </a:effectRef>
+          <a:fontRef idx="minor">
+            <a:schemeClr val="lt1"/>
+          </a:fontRef>
+        </p:style>
+        <p:txBody>
+          <a:bodyPr rtlCol="0" anchor="ctr"/>
+          <a:lstStyle/>
+          <a:p>
+            <a:pPr algn="ctr"/>
+            <a:r>
+              <a:rPr kumimoji="1" lang="ja-JP" altLang="en-US" sz="1200">
+                <a:solidFill>
+                  <a:schemeClr val="tx1"/>
+                </a:solidFill>
+              </a:rPr>
+              <a:t>プロセス</a:t>
+            </a:r>
+            <a:r>
+              <a:rPr kumimoji="1" lang="en-US" altLang="ja-JP" sz="1200">
+                <a:solidFill>
+                  <a:schemeClr val="tx1"/>
+                </a:solidFill>
+              </a:rPr>
+              <a:t>3</a:t>
+            </a:r>
+            <a:endParaRPr kumimoji="1" lang="ja-JP" altLang="en-US" sz="1200">
+              <a:solidFill>
+                <a:schemeClr val="tx1"/>
+              </a:solidFill>
+            </a:endParaRPr>
+          </a:p>
+        </p:txBody>
+      </p:sp>
+      <p:sp>
+        <p:nvSpPr>
+          <p:cNvPr id="39" name="正方形/長方形 38">
+            <a:extLst>
+              <a:ext uri="{FF2B5EF4-FFF2-40B4-BE49-F238E27FC236}">
+                <a16:creationId xmlns:a16="http://schemas.microsoft.com/office/drawing/2014/main" id="{9DAB8A7D-7857-6F40-9FE5-BD26AAA84648}"/>
+              </a:ext>
+            </a:extLst>
+          </p:cNvPr>
+          <p:cNvSpPr/>
+          <p:nvPr/>
+        </p:nvSpPr>
+        <p:spPr>
+          <a:xfrm>
+            <a:off x="3423920" y="3738880"/>
+            <a:ext cx="1066800" cy="386080"/>
+          </a:xfrm>
+          <a:prstGeom prst="rect">
+            <a:avLst/>
+          </a:prstGeom>
+          <a:solidFill>
+            <a:schemeClr val="accent1">
+              <a:lumMod val="20000"/>
+              <a:lumOff val="80000"/>
+            </a:schemeClr>
+          </a:solidFill>
+          <a:ln>
+            <a:solidFill>
+              <a:schemeClr val="tx1"/>
+            </a:solidFill>
+          </a:ln>
+        </p:spPr>
+        <p:style>
+          <a:lnRef idx="2">
+            <a:schemeClr val="accent1">
+              <a:shade val="50000"/>
+            </a:schemeClr>
+          </a:lnRef>
+          <a:fillRef idx="1">
+            <a:schemeClr val="accent1"/>
+          </a:fillRef>
+          <a:effectRef idx="0">
+            <a:schemeClr val="accent1"/>
+          </a:effectRef>
+          <a:fontRef idx="minor">
+            <a:schemeClr val="lt1"/>
+          </a:fontRef>
+        </p:style>
+        <p:txBody>
+          <a:bodyPr rtlCol="0" anchor="ctr"/>
+          <a:lstStyle/>
+          <a:p>
+            <a:pPr algn="ctr"/>
+            <a:r>
+              <a:rPr kumimoji="1" lang="ja-JP" altLang="en-US" sz="1200">
+                <a:solidFill>
+                  <a:schemeClr val="tx1"/>
+                </a:solidFill>
+              </a:rPr>
+              <a:t>プロセス</a:t>
+            </a:r>
+            <a:r>
+              <a:rPr kumimoji="1" lang="en-US" altLang="ja-JP" sz="1200">
+                <a:solidFill>
+                  <a:schemeClr val="tx1"/>
+                </a:solidFill>
+              </a:rPr>
+              <a:t>4</a:t>
+            </a:r>
+            <a:endParaRPr kumimoji="1" lang="ja-JP" altLang="en-US" sz="1200">
+              <a:solidFill>
+                <a:schemeClr val="tx1"/>
+              </a:solidFill>
+            </a:endParaRPr>
+          </a:p>
+        </p:txBody>
+      </p:sp>
+      <p:sp>
+        <p:nvSpPr>
+          <p:cNvPr id="40" name="右矢印 39">
+            <a:extLst>
+              <a:ext uri="{FF2B5EF4-FFF2-40B4-BE49-F238E27FC236}">
+                <a16:creationId xmlns:a16="http://schemas.microsoft.com/office/drawing/2014/main" id="{00E03DCA-B5E5-2142-B79F-F2B2427F5B60}"/>
+              </a:ext>
+            </a:extLst>
+          </p:cNvPr>
+          <p:cNvSpPr/>
+          <p:nvPr/>
+        </p:nvSpPr>
+        <p:spPr>
+          <a:xfrm rot="900000">
+            <a:off x="4673600" y="2722880"/>
+            <a:ext cx="325120" cy="233680"/>
+          </a:xfrm>
+          <a:prstGeom prst="rightArrow">
+            <a:avLst/>
+          </a:prstGeom>
+          <a:solidFill>
+            <a:srgbClr val="FF0000"/>
+          </a:solidFill>
+          <a:ln>
+            <a:solidFill>
+              <a:schemeClr val="tx1"/>
+            </a:solidFill>
+          </a:ln>
+        </p:spPr>
+        <p:style>
+          <a:lnRef idx="2">
+            <a:schemeClr val="accent1">
+              <a:shade val="50000"/>
+            </a:schemeClr>
+          </a:lnRef>
+          <a:fillRef idx="1">
+            <a:schemeClr val="accent1"/>
+          </a:fillRef>
+          <a:effectRef idx="0">
+            <a:schemeClr val="accent1"/>
+          </a:effectRef>
+          <a:fontRef idx="minor">
+            <a:schemeClr val="lt1"/>
+          </a:fontRef>
+        </p:style>
+        <p:txBody>
+          <a:bodyPr rtlCol="0" anchor="ctr"/>
+          <a:lstStyle/>
+          <a:p>
+            <a:pPr algn="ctr"/>
+            <a:endParaRPr kumimoji="1" lang="ja-JP" altLang="en-US"/>
+          </a:p>
+        </p:txBody>
+      </p:sp>
+      <p:sp>
+        <p:nvSpPr>
+          <p:cNvPr id="42" name="右矢印 41">
+            <a:extLst>
+              <a:ext uri="{FF2B5EF4-FFF2-40B4-BE49-F238E27FC236}">
+                <a16:creationId xmlns:a16="http://schemas.microsoft.com/office/drawing/2014/main" id="{E4039A80-BF69-6F4C-B307-548D12AC974B}"/>
+              </a:ext>
+            </a:extLst>
+          </p:cNvPr>
+          <p:cNvSpPr/>
+          <p:nvPr/>
+        </p:nvSpPr>
+        <p:spPr>
+          <a:xfrm rot="19800000">
+            <a:off x="4693921" y="3180080"/>
+            <a:ext cx="325120" cy="233680"/>
+          </a:xfrm>
+          <a:prstGeom prst="rightArrow">
+            <a:avLst/>
+          </a:prstGeom>
+          <a:solidFill>
+            <a:srgbClr val="FF0000"/>
+          </a:solidFill>
+          <a:ln>
+            <a:solidFill>
+              <a:schemeClr val="tx1"/>
+            </a:solidFill>
+          </a:ln>
+        </p:spPr>
+        <p:style>
+          <a:lnRef idx="2">
+            <a:schemeClr val="accent1">
+              <a:shade val="50000"/>
+            </a:schemeClr>
+          </a:lnRef>
+          <a:fillRef idx="1">
+            <a:schemeClr val="accent1"/>
+          </a:fillRef>
+          <a:effectRef idx="0">
+            <a:schemeClr val="accent1"/>
+          </a:effectRef>
+          <a:fontRef idx="minor">
+            <a:schemeClr val="lt1"/>
+          </a:fontRef>
+        </p:style>
+        <p:txBody>
+          <a:bodyPr rtlCol="0" anchor="ctr"/>
+          <a:lstStyle/>
+          <a:p>
+            <a:pPr algn="ctr"/>
+            <a:endParaRPr kumimoji="1" lang="ja-JP" altLang="en-US"/>
+          </a:p>
+        </p:txBody>
+      </p:sp>
+      <p:sp>
+        <p:nvSpPr>
+          <p:cNvPr id="43" name="右矢印 42">
+            <a:extLst>
+              <a:ext uri="{FF2B5EF4-FFF2-40B4-BE49-F238E27FC236}">
+                <a16:creationId xmlns:a16="http://schemas.microsoft.com/office/drawing/2014/main" id="{28F9531E-EE1E-334B-AE62-90B6BADFD0D0}"/>
+              </a:ext>
+            </a:extLst>
+          </p:cNvPr>
+          <p:cNvSpPr/>
+          <p:nvPr/>
+        </p:nvSpPr>
+        <p:spPr>
+          <a:xfrm rot="18000000">
+            <a:off x="4724401" y="3637280"/>
+            <a:ext cx="325120" cy="233680"/>
+          </a:xfrm>
+          <a:prstGeom prst="rightArrow">
+            <a:avLst/>
+          </a:prstGeom>
+          <a:solidFill>
+            <a:srgbClr val="FF0000"/>
+          </a:solidFill>
+          <a:ln>
+            <a:solidFill>
+              <a:schemeClr val="tx1"/>
+            </a:solidFill>
+          </a:ln>
+        </p:spPr>
+        <p:style>
+          <a:lnRef idx="2">
+            <a:schemeClr val="accent1">
+              <a:shade val="50000"/>
+            </a:schemeClr>
+          </a:lnRef>
+          <a:fillRef idx="1">
+            <a:schemeClr val="accent1"/>
+          </a:fillRef>
+          <a:effectRef idx="0">
+            <a:schemeClr val="accent1"/>
+          </a:effectRef>
+          <a:fontRef idx="minor">
+            <a:schemeClr val="lt1"/>
+          </a:fontRef>
+        </p:style>
+        <p:txBody>
+          <a:bodyPr rtlCol="0" anchor="ctr"/>
+          <a:lstStyle/>
+          <a:p>
+            <a:pPr algn="ctr"/>
+            <a:endParaRPr kumimoji="1" lang="ja-JP" altLang="en-US"/>
+          </a:p>
+        </p:txBody>
+      </p:sp>
+      <p:pic>
+        <p:nvPicPr>
+          <p:cNvPr id="44" name="図 43">
+            <a:extLst>
+              <a:ext uri="{FF2B5EF4-FFF2-40B4-BE49-F238E27FC236}">
+                <a16:creationId xmlns:a16="http://schemas.microsoft.com/office/drawing/2014/main" id="{F5138F21-CA08-C649-8CE3-6B6B0A73B525}"/>
+              </a:ext>
+            </a:extLst>
+          </p:cNvPr>
+          <p:cNvPicPr>
+            <a:picLocks noChangeAspect="1"/>
+          </p:cNvPicPr>
+          <p:nvPr/>
+        </p:nvPicPr>
+        <p:blipFill>
+          <a:blip r:embed="rId2"/>
+          <a:stretch>
+            <a:fillRect/>
+          </a:stretch>
+        </p:blipFill>
+        <p:spPr>
+          <a:xfrm>
+            <a:off x="3388360" y="4858384"/>
+            <a:ext cx="584200" cy="569595"/>
+          </a:xfrm>
+          <a:prstGeom prst="rect">
+            <a:avLst/>
+          </a:prstGeom>
+        </p:spPr>
+      </p:pic>
+      <p:sp>
+        <p:nvSpPr>
+          <p:cNvPr id="45" name="テキスト ボックス 44">
+            <a:extLst>
+              <a:ext uri="{FF2B5EF4-FFF2-40B4-BE49-F238E27FC236}">
+                <a16:creationId xmlns:a16="http://schemas.microsoft.com/office/drawing/2014/main" id="{ADADA0AC-59DB-8C40-8015-EF9F9554F8C3}"/>
+              </a:ext>
+            </a:extLst>
+          </p:cNvPr>
+          <p:cNvSpPr txBox="1"/>
+          <p:nvPr/>
+        </p:nvSpPr>
+        <p:spPr>
+          <a:xfrm>
+            <a:off x="4033520" y="5019040"/>
+            <a:ext cx="1620957" cy="307777"/>
+          </a:xfrm>
+          <a:prstGeom prst="rect">
+            <a:avLst/>
+          </a:prstGeom>
+          <a:noFill/>
+        </p:spPr>
+        <p:txBody>
+          <a:bodyPr wrap="none" rtlCol="0">
+            <a:spAutoFit/>
+          </a:bodyPr>
+          <a:lstStyle/>
+          <a:p>
+            <a:r>
+              <a:rPr kumimoji="1" lang="ja-JP" altLang="en-US" sz="1400"/>
+              <a:t>ファイル数が減る</a:t>
+            </a:r>
+          </a:p>
+        </p:txBody>
+      </p:sp>
+      <p:pic>
+        <p:nvPicPr>
+          <p:cNvPr id="46" name="図 45">
+            <a:extLst>
+              <a:ext uri="{FF2B5EF4-FFF2-40B4-BE49-F238E27FC236}">
+                <a16:creationId xmlns:a16="http://schemas.microsoft.com/office/drawing/2014/main" id="{0FF766B1-5397-634A-A196-44D9F42D8225}"/>
+              </a:ext>
+            </a:extLst>
+          </p:cNvPr>
+          <p:cNvPicPr>
+            <a:picLocks noChangeAspect="1"/>
+          </p:cNvPicPr>
+          <p:nvPr/>
+        </p:nvPicPr>
+        <p:blipFill>
+          <a:blip r:embed="rId3"/>
+          <a:stretch>
+            <a:fillRect/>
+          </a:stretch>
+        </p:blipFill>
+        <p:spPr>
+          <a:xfrm>
+            <a:off x="3418840" y="5669280"/>
+            <a:ext cx="554892" cy="541020"/>
+          </a:xfrm>
+          <a:prstGeom prst="rect">
+            <a:avLst/>
+          </a:prstGeom>
+        </p:spPr>
+      </p:pic>
+      <p:sp>
+        <p:nvSpPr>
+          <p:cNvPr id="47" name="テキスト ボックス 46">
+            <a:extLst>
+              <a:ext uri="{FF2B5EF4-FFF2-40B4-BE49-F238E27FC236}">
+                <a16:creationId xmlns:a16="http://schemas.microsoft.com/office/drawing/2014/main" id="{CF1CBCB8-8339-D54B-96D4-C03BA7252644}"/>
+              </a:ext>
+            </a:extLst>
+          </p:cNvPr>
+          <p:cNvSpPr txBox="1"/>
+          <p:nvPr/>
+        </p:nvSpPr>
+        <p:spPr>
+          <a:xfrm>
+            <a:off x="4003040" y="5791200"/>
+            <a:ext cx="2159566" cy="307777"/>
+          </a:xfrm>
+          <a:prstGeom prst="rect">
+            <a:avLst/>
+          </a:prstGeom>
+          <a:noFill/>
+        </p:spPr>
+        <p:txBody>
+          <a:bodyPr wrap="none" rtlCol="0">
+            <a:spAutoFit/>
+          </a:bodyPr>
+          <a:lstStyle/>
+          <a:p>
+            <a:r>
+              <a:rPr lang="ja-JP" altLang="en-US" sz="1400"/>
+              <a:t>プロセス数が多いと遅い</a:t>
+            </a:r>
+            <a:endParaRPr lang="en-US" altLang="ja-JP" sz="1400"/>
+          </a:p>
+        </p:txBody>
+      </p:sp>
+      <p:sp>
+        <p:nvSpPr>
+          <p:cNvPr id="48" name="テキスト ボックス 47">
+            <a:extLst>
+              <a:ext uri="{FF2B5EF4-FFF2-40B4-BE49-F238E27FC236}">
+                <a16:creationId xmlns:a16="http://schemas.microsoft.com/office/drawing/2014/main" id="{599928BA-85E2-4F43-B236-D3F7A86E9FA3}"/>
+              </a:ext>
+            </a:extLst>
+          </p:cNvPr>
+          <p:cNvSpPr txBox="1"/>
+          <p:nvPr/>
+        </p:nvSpPr>
+        <p:spPr>
+          <a:xfrm>
+            <a:off x="6583680" y="1137920"/>
+            <a:ext cx="2773516" cy="369332"/>
+          </a:xfrm>
+          <a:prstGeom prst="rect">
+            <a:avLst/>
+          </a:prstGeom>
+          <a:noFill/>
+        </p:spPr>
+        <p:txBody>
+          <a:bodyPr wrap="none" rtlCol="0">
+            <a:spAutoFit/>
+          </a:bodyPr>
+          <a:lstStyle/>
+          <a:p>
+            <a:r>
+              <a:rPr kumimoji="1" lang="en-US" altLang="ja-JP"/>
+              <a:t>3.  </a:t>
+            </a:r>
+            <a:r>
+              <a:rPr kumimoji="1" lang="ja-JP" altLang="en-US"/>
+              <a:t>一度まとめてから吐く</a:t>
+            </a:r>
+            <a:endParaRPr kumimoji="1" lang="en-US" altLang="ja-JP"/>
+          </a:p>
+        </p:txBody>
+      </p:sp>
+      <p:sp>
+        <p:nvSpPr>
+          <p:cNvPr id="49" name="正方形/長方形 48">
+            <a:extLst>
+              <a:ext uri="{FF2B5EF4-FFF2-40B4-BE49-F238E27FC236}">
+                <a16:creationId xmlns:a16="http://schemas.microsoft.com/office/drawing/2014/main" id="{7124ECCC-BE8F-A24A-A14B-C18479E3F57D}"/>
+              </a:ext>
+            </a:extLst>
+          </p:cNvPr>
+          <p:cNvSpPr/>
+          <p:nvPr/>
+        </p:nvSpPr>
+        <p:spPr>
+          <a:xfrm>
+            <a:off x="8514080" y="2550160"/>
+            <a:ext cx="1066800" cy="386080"/>
+          </a:xfrm>
+          <a:prstGeom prst="rect">
+            <a:avLst/>
+          </a:prstGeom>
+          <a:solidFill>
+            <a:schemeClr val="accent1">
+              <a:lumMod val="20000"/>
+              <a:lumOff val="80000"/>
+            </a:schemeClr>
+          </a:solidFill>
+          <a:ln>
+            <a:solidFill>
+              <a:schemeClr val="tx1"/>
+            </a:solidFill>
+          </a:ln>
+        </p:spPr>
+        <p:style>
+          <a:lnRef idx="2">
+            <a:schemeClr val="accent1">
+              <a:shade val="50000"/>
+            </a:schemeClr>
+          </a:lnRef>
+          <a:fillRef idx="1">
+            <a:schemeClr val="accent1"/>
+          </a:fillRef>
+          <a:effectRef idx="0">
+            <a:schemeClr val="accent1"/>
+          </a:effectRef>
+          <a:fontRef idx="minor">
+            <a:schemeClr val="lt1"/>
+          </a:fontRef>
+        </p:style>
+        <p:txBody>
+          <a:bodyPr rtlCol="0" anchor="ctr"/>
+          <a:lstStyle/>
+          <a:p>
+            <a:pPr algn="ctr"/>
+            <a:r>
+              <a:rPr kumimoji="1" lang="ja-JP" altLang="en-US" sz="1200">
+                <a:solidFill>
+                  <a:schemeClr val="tx1"/>
+                </a:solidFill>
+              </a:rPr>
+              <a:t>プロセス</a:t>
+            </a:r>
+            <a:r>
+              <a:rPr kumimoji="1" lang="en-US" altLang="ja-JP" sz="1200">
+                <a:solidFill>
+                  <a:schemeClr val="tx1"/>
+                </a:solidFill>
+              </a:rPr>
+              <a:t>1</a:t>
+            </a:r>
+            <a:endParaRPr kumimoji="1" lang="ja-JP" altLang="en-US" sz="1200">
+              <a:solidFill>
+                <a:schemeClr val="tx1"/>
+              </a:solidFill>
+            </a:endParaRPr>
+          </a:p>
+        </p:txBody>
+      </p:sp>
+      <p:sp>
+        <p:nvSpPr>
+          <p:cNvPr id="51" name="円柱 50">
+            <a:extLst>
+              <a:ext uri="{FF2B5EF4-FFF2-40B4-BE49-F238E27FC236}">
+                <a16:creationId xmlns:a16="http://schemas.microsoft.com/office/drawing/2014/main" id="{C29BFBE2-8D31-6C47-9779-D20365816222}"/>
+              </a:ext>
+            </a:extLst>
+          </p:cNvPr>
+          <p:cNvSpPr/>
+          <p:nvPr/>
+        </p:nvSpPr>
+        <p:spPr>
+          <a:xfrm>
+            <a:off x="8646160" y="3495040"/>
+            <a:ext cx="762000" cy="741680"/>
+          </a:xfrm>
+          <a:prstGeom prst="can">
+            <a:avLst/>
+          </a:prstGeom>
+        </p:spPr>
+        <p:style>
+          <a:lnRef idx="2">
+            <a:schemeClr val="accent1">
+              <a:shade val="50000"/>
+            </a:schemeClr>
+          </a:lnRef>
+          <a:fillRef idx="1">
+            <a:schemeClr val="accent1"/>
+          </a:fillRef>
+          <a:effectRef idx="0">
+            <a:schemeClr val="accent1"/>
+          </a:effectRef>
+          <a:fontRef idx="minor">
+            <a:schemeClr val="lt1"/>
+          </a:fontRef>
+        </p:style>
+        <p:txBody>
+          <a:bodyPr rtlCol="0" anchor="ctr"/>
+          <a:lstStyle/>
+          <a:p>
+            <a:pPr algn="ctr"/>
+            <a:endParaRPr kumimoji="1" lang="ja-JP" altLang="en-US"/>
+          </a:p>
+        </p:txBody>
+      </p:sp>
+      <p:sp>
+        <p:nvSpPr>
+          <p:cNvPr id="52" name="正方形/長方形 51">
+            <a:extLst>
+              <a:ext uri="{FF2B5EF4-FFF2-40B4-BE49-F238E27FC236}">
+                <a16:creationId xmlns:a16="http://schemas.microsoft.com/office/drawing/2014/main" id="{4BABEA00-B469-234C-A1D4-3A2E96CB5FF2}"/>
+              </a:ext>
+            </a:extLst>
+          </p:cNvPr>
+          <p:cNvSpPr/>
+          <p:nvPr/>
+        </p:nvSpPr>
+        <p:spPr>
+          <a:xfrm>
+            <a:off x="6797040" y="1991360"/>
+            <a:ext cx="1066800" cy="386080"/>
+          </a:xfrm>
+          <a:prstGeom prst="rect">
+            <a:avLst/>
+          </a:prstGeom>
+          <a:solidFill>
+            <a:schemeClr val="accent1">
+              <a:lumMod val="20000"/>
+              <a:lumOff val="80000"/>
+            </a:schemeClr>
+          </a:solidFill>
+          <a:ln>
+            <a:solidFill>
+              <a:schemeClr val="tx1"/>
+            </a:solidFill>
+          </a:ln>
+        </p:spPr>
+        <p:style>
+          <a:lnRef idx="2">
+            <a:schemeClr val="accent1">
+              <a:shade val="50000"/>
+            </a:schemeClr>
+          </a:lnRef>
+          <a:fillRef idx="1">
+            <a:schemeClr val="accent1"/>
+          </a:fillRef>
+          <a:effectRef idx="0">
+            <a:schemeClr val="accent1"/>
+          </a:effectRef>
+          <a:fontRef idx="minor">
+            <a:schemeClr val="lt1"/>
+          </a:fontRef>
+        </p:style>
+        <p:txBody>
+          <a:bodyPr rtlCol="0" anchor="ctr"/>
+          <a:lstStyle/>
+          <a:p>
+            <a:pPr algn="ctr"/>
+            <a:r>
+              <a:rPr kumimoji="1" lang="ja-JP" altLang="en-US" sz="1200">
+                <a:solidFill>
+                  <a:schemeClr val="tx1"/>
+                </a:solidFill>
+              </a:rPr>
+              <a:t>プロセス</a:t>
+            </a:r>
+            <a:r>
+              <a:rPr kumimoji="1" lang="en-US" altLang="ja-JP" sz="1200">
+                <a:solidFill>
+                  <a:schemeClr val="tx1"/>
+                </a:solidFill>
+              </a:rPr>
+              <a:t>2</a:t>
+            </a:r>
+            <a:endParaRPr kumimoji="1" lang="ja-JP" altLang="en-US" sz="1200">
+              <a:solidFill>
+                <a:schemeClr val="tx1"/>
+              </a:solidFill>
+            </a:endParaRPr>
+          </a:p>
+        </p:txBody>
+      </p:sp>
+      <p:sp>
+        <p:nvSpPr>
+          <p:cNvPr id="53" name="正方形/長方形 52">
+            <a:extLst>
+              <a:ext uri="{FF2B5EF4-FFF2-40B4-BE49-F238E27FC236}">
+                <a16:creationId xmlns:a16="http://schemas.microsoft.com/office/drawing/2014/main" id="{726F9A94-9B10-D444-8D03-6DD6EB386183}"/>
+              </a:ext>
+            </a:extLst>
+          </p:cNvPr>
+          <p:cNvSpPr/>
+          <p:nvPr/>
+        </p:nvSpPr>
+        <p:spPr>
+          <a:xfrm>
+            <a:off x="6797040" y="2560320"/>
+            <a:ext cx="1066800" cy="386080"/>
+          </a:xfrm>
+          <a:prstGeom prst="rect">
+            <a:avLst/>
+          </a:prstGeom>
+          <a:solidFill>
+            <a:schemeClr val="accent1">
+              <a:lumMod val="20000"/>
+              <a:lumOff val="80000"/>
+            </a:schemeClr>
+          </a:solidFill>
+          <a:ln>
+            <a:solidFill>
+              <a:schemeClr val="tx1"/>
+            </a:solidFill>
+          </a:ln>
+        </p:spPr>
+        <p:style>
+          <a:lnRef idx="2">
+            <a:schemeClr val="accent1">
+              <a:shade val="50000"/>
+            </a:schemeClr>
+          </a:lnRef>
+          <a:fillRef idx="1">
+            <a:schemeClr val="accent1"/>
+          </a:fillRef>
+          <a:effectRef idx="0">
+            <a:schemeClr val="accent1"/>
+          </a:effectRef>
+          <a:fontRef idx="minor">
+            <a:schemeClr val="lt1"/>
+          </a:fontRef>
+        </p:style>
+        <p:txBody>
+          <a:bodyPr rtlCol="0" anchor="ctr"/>
+          <a:lstStyle/>
+          <a:p>
+            <a:pPr algn="ctr"/>
+            <a:r>
+              <a:rPr kumimoji="1" lang="ja-JP" altLang="en-US" sz="1200">
+                <a:solidFill>
+                  <a:schemeClr val="tx1"/>
+                </a:solidFill>
+              </a:rPr>
+              <a:t>プロセス</a:t>
+            </a:r>
+            <a:r>
+              <a:rPr kumimoji="1" lang="en-US" altLang="ja-JP" sz="1200">
+                <a:solidFill>
+                  <a:schemeClr val="tx1"/>
+                </a:solidFill>
+              </a:rPr>
+              <a:t>3</a:t>
+            </a:r>
+            <a:endParaRPr kumimoji="1" lang="ja-JP" altLang="en-US" sz="1200">
+              <a:solidFill>
+                <a:schemeClr val="tx1"/>
+              </a:solidFill>
+            </a:endParaRPr>
+          </a:p>
+        </p:txBody>
+      </p:sp>
+      <p:sp>
+        <p:nvSpPr>
+          <p:cNvPr id="54" name="正方形/長方形 53">
+            <a:extLst>
+              <a:ext uri="{FF2B5EF4-FFF2-40B4-BE49-F238E27FC236}">
+                <a16:creationId xmlns:a16="http://schemas.microsoft.com/office/drawing/2014/main" id="{A5933B46-ADF9-9D4F-AB10-5FC27B8110CB}"/>
+              </a:ext>
+            </a:extLst>
+          </p:cNvPr>
+          <p:cNvSpPr/>
+          <p:nvPr/>
+        </p:nvSpPr>
+        <p:spPr>
+          <a:xfrm>
+            <a:off x="6797040" y="3169920"/>
+            <a:ext cx="1066800" cy="386080"/>
+          </a:xfrm>
+          <a:prstGeom prst="rect">
+            <a:avLst/>
+          </a:prstGeom>
+          <a:solidFill>
+            <a:schemeClr val="accent1">
+              <a:lumMod val="20000"/>
+              <a:lumOff val="80000"/>
+            </a:schemeClr>
+          </a:solidFill>
+          <a:ln>
+            <a:solidFill>
+              <a:schemeClr val="tx1"/>
+            </a:solidFill>
+          </a:ln>
+        </p:spPr>
+        <p:style>
+          <a:lnRef idx="2">
+            <a:schemeClr val="accent1">
+              <a:shade val="50000"/>
+            </a:schemeClr>
+          </a:lnRef>
+          <a:fillRef idx="1">
+            <a:schemeClr val="accent1"/>
+          </a:fillRef>
+          <a:effectRef idx="0">
+            <a:schemeClr val="accent1"/>
+          </a:effectRef>
+          <a:fontRef idx="minor">
+            <a:schemeClr val="lt1"/>
+          </a:fontRef>
+        </p:style>
+        <p:txBody>
+          <a:bodyPr rtlCol="0" anchor="ctr"/>
+          <a:lstStyle/>
+          <a:p>
+            <a:pPr algn="ctr"/>
+            <a:r>
+              <a:rPr kumimoji="1" lang="ja-JP" altLang="en-US" sz="1200">
+                <a:solidFill>
+                  <a:schemeClr val="tx1"/>
+                </a:solidFill>
+              </a:rPr>
+              <a:t>プロセス</a:t>
+            </a:r>
+            <a:r>
+              <a:rPr kumimoji="1" lang="en-US" altLang="ja-JP" sz="1200">
+                <a:solidFill>
+                  <a:schemeClr val="tx1"/>
+                </a:solidFill>
+              </a:rPr>
+              <a:t>4</a:t>
+            </a:r>
+            <a:endParaRPr kumimoji="1" lang="ja-JP" altLang="en-US" sz="1200">
+              <a:solidFill>
+                <a:schemeClr val="tx1"/>
+              </a:solidFill>
+            </a:endParaRPr>
+          </a:p>
+        </p:txBody>
+      </p:sp>
+      <p:sp>
+        <p:nvSpPr>
+          <p:cNvPr id="55" name="右矢印 54">
+            <a:extLst>
+              <a:ext uri="{FF2B5EF4-FFF2-40B4-BE49-F238E27FC236}">
+                <a16:creationId xmlns:a16="http://schemas.microsoft.com/office/drawing/2014/main" id="{0B9BDE25-FADF-A642-9899-FC298B92B131}"/>
+              </a:ext>
+            </a:extLst>
+          </p:cNvPr>
+          <p:cNvSpPr/>
+          <p:nvPr/>
+        </p:nvSpPr>
+        <p:spPr>
+          <a:xfrm rot="1800000">
+            <a:off x="8026400" y="2143760"/>
+            <a:ext cx="325120" cy="233680"/>
+          </a:xfrm>
+          <a:prstGeom prst="rightArrow">
+            <a:avLst/>
+          </a:prstGeom>
+          <a:solidFill>
+            <a:srgbClr val="FF0000"/>
+          </a:solidFill>
+          <a:ln>
+            <a:solidFill>
+              <a:schemeClr val="tx1"/>
+            </a:solidFill>
+          </a:ln>
+        </p:spPr>
+        <p:style>
+          <a:lnRef idx="2">
+            <a:schemeClr val="accent1">
+              <a:shade val="50000"/>
+            </a:schemeClr>
+          </a:lnRef>
+          <a:fillRef idx="1">
+            <a:schemeClr val="accent1"/>
+          </a:fillRef>
+          <a:effectRef idx="0">
+            <a:schemeClr val="accent1"/>
+          </a:effectRef>
+          <a:fontRef idx="minor">
+            <a:schemeClr val="lt1"/>
+          </a:fontRef>
+        </p:style>
+        <p:txBody>
+          <a:bodyPr rtlCol="0" anchor="ctr"/>
+          <a:lstStyle/>
+          <a:p>
+            <a:pPr algn="ctr"/>
+            <a:endParaRPr kumimoji="1" lang="ja-JP" altLang="en-US"/>
+          </a:p>
+        </p:txBody>
+      </p:sp>
+      <p:sp>
+        <p:nvSpPr>
+          <p:cNvPr id="56" name="右矢印 55">
+            <a:extLst>
+              <a:ext uri="{FF2B5EF4-FFF2-40B4-BE49-F238E27FC236}">
+                <a16:creationId xmlns:a16="http://schemas.microsoft.com/office/drawing/2014/main" id="{5D9F20AE-0BF7-CF4C-8A6F-8900251881AE}"/>
+              </a:ext>
+            </a:extLst>
+          </p:cNvPr>
+          <p:cNvSpPr/>
+          <p:nvPr/>
+        </p:nvSpPr>
+        <p:spPr>
+          <a:xfrm>
+            <a:off x="8067041" y="2611120"/>
+            <a:ext cx="325120" cy="233680"/>
+          </a:xfrm>
+          <a:prstGeom prst="rightArrow">
+            <a:avLst/>
+          </a:prstGeom>
+          <a:solidFill>
+            <a:srgbClr val="FF0000"/>
+          </a:solidFill>
+          <a:ln>
+            <a:solidFill>
+              <a:schemeClr val="tx1"/>
+            </a:solidFill>
+          </a:ln>
+        </p:spPr>
+        <p:style>
+          <a:lnRef idx="2">
+            <a:schemeClr val="accent1">
+              <a:shade val="50000"/>
+            </a:schemeClr>
+          </a:lnRef>
+          <a:fillRef idx="1">
+            <a:schemeClr val="accent1"/>
+          </a:fillRef>
+          <a:effectRef idx="0">
+            <a:schemeClr val="accent1"/>
+          </a:effectRef>
+          <a:fontRef idx="minor">
+            <a:schemeClr val="lt1"/>
+          </a:fontRef>
+        </p:style>
+        <p:txBody>
+          <a:bodyPr rtlCol="0" anchor="ctr"/>
+          <a:lstStyle/>
+          <a:p>
+            <a:pPr algn="ctr"/>
+            <a:endParaRPr kumimoji="1" lang="ja-JP" altLang="en-US"/>
+          </a:p>
+        </p:txBody>
+      </p:sp>
+      <p:sp>
+        <p:nvSpPr>
+          <p:cNvPr id="57" name="右矢印 56">
+            <a:extLst>
+              <a:ext uri="{FF2B5EF4-FFF2-40B4-BE49-F238E27FC236}">
+                <a16:creationId xmlns:a16="http://schemas.microsoft.com/office/drawing/2014/main" id="{2B63950E-CFBA-714A-9218-99EBC403B8AC}"/>
+              </a:ext>
+            </a:extLst>
+          </p:cNvPr>
+          <p:cNvSpPr/>
+          <p:nvPr/>
+        </p:nvSpPr>
+        <p:spPr>
+          <a:xfrm rot="18900000">
+            <a:off x="8026402" y="3129280"/>
+            <a:ext cx="325120" cy="233680"/>
+          </a:xfrm>
+          <a:prstGeom prst="rightArrow">
+            <a:avLst/>
+          </a:prstGeom>
+          <a:solidFill>
+            <a:srgbClr val="FF0000"/>
+          </a:solidFill>
+          <a:ln>
+            <a:solidFill>
+              <a:schemeClr val="tx1"/>
+            </a:solidFill>
+          </a:ln>
+        </p:spPr>
+        <p:style>
+          <a:lnRef idx="2">
+            <a:schemeClr val="accent1">
+              <a:shade val="50000"/>
+            </a:schemeClr>
+          </a:lnRef>
+          <a:fillRef idx="1">
+            <a:schemeClr val="accent1"/>
+          </a:fillRef>
+          <a:effectRef idx="0">
+            <a:schemeClr val="accent1"/>
+          </a:effectRef>
+          <a:fontRef idx="minor">
+            <a:schemeClr val="lt1"/>
+          </a:fontRef>
+        </p:style>
+        <p:txBody>
+          <a:bodyPr rtlCol="0" anchor="ctr"/>
+          <a:lstStyle/>
+          <a:p>
+            <a:pPr algn="ctr"/>
+            <a:endParaRPr kumimoji="1" lang="ja-JP" altLang="en-US"/>
+          </a:p>
+        </p:txBody>
+      </p:sp>
+      <p:sp>
+        <p:nvSpPr>
+          <p:cNvPr id="58" name="右矢印 57">
+            <a:extLst>
+              <a:ext uri="{FF2B5EF4-FFF2-40B4-BE49-F238E27FC236}">
+                <a16:creationId xmlns:a16="http://schemas.microsoft.com/office/drawing/2014/main" id="{7A2D33E7-3C39-2249-8E98-CB0AAB5A9C64}"/>
+              </a:ext>
+            </a:extLst>
+          </p:cNvPr>
+          <p:cNvSpPr/>
+          <p:nvPr/>
+        </p:nvSpPr>
+        <p:spPr>
+          <a:xfrm rot="5400000">
+            <a:off x="8829040" y="3058160"/>
+            <a:ext cx="325120" cy="233680"/>
+          </a:xfrm>
+          <a:prstGeom prst="rightArrow">
+            <a:avLst/>
+          </a:prstGeom>
+          <a:solidFill>
+            <a:srgbClr val="FF0000"/>
+          </a:solidFill>
+          <a:ln>
+            <a:solidFill>
+              <a:schemeClr val="tx1"/>
+            </a:solidFill>
+          </a:ln>
+        </p:spPr>
+        <p:style>
+          <a:lnRef idx="2">
+            <a:schemeClr val="accent1">
+              <a:shade val="50000"/>
+            </a:schemeClr>
+          </a:lnRef>
+          <a:fillRef idx="1">
+            <a:schemeClr val="accent1"/>
+          </a:fillRef>
+          <a:effectRef idx="0">
+            <a:schemeClr val="accent1"/>
+          </a:effectRef>
+          <a:fontRef idx="minor">
+            <a:schemeClr val="lt1"/>
+          </a:fontRef>
+        </p:style>
+        <p:txBody>
+          <a:bodyPr rtlCol="0" anchor="ctr"/>
+          <a:lstStyle/>
+          <a:p>
+            <a:pPr algn="ctr"/>
+            <a:endParaRPr kumimoji="1" lang="ja-JP" altLang="en-US"/>
+          </a:p>
+        </p:txBody>
+      </p:sp>
+      <p:pic>
+        <p:nvPicPr>
+          <p:cNvPr id="59" name="図 58">
+            <a:extLst>
+              <a:ext uri="{FF2B5EF4-FFF2-40B4-BE49-F238E27FC236}">
+                <a16:creationId xmlns:a16="http://schemas.microsoft.com/office/drawing/2014/main" id="{71C86C21-15A4-9146-BC35-65ACE64B7329}"/>
+              </a:ext>
+            </a:extLst>
+          </p:cNvPr>
+          <p:cNvPicPr>
+            <a:picLocks noChangeAspect="1"/>
+          </p:cNvPicPr>
+          <p:nvPr/>
+        </p:nvPicPr>
+        <p:blipFill>
+          <a:blip r:embed="rId2"/>
+          <a:stretch>
+            <a:fillRect/>
+          </a:stretch>
+        </p:blipFill>
+        <p:spPr>
+          <a:xfrm>
+            <a:off x="6649720" y="4838064"/>
+            <a:ext cx="584200" cy="569595"/>
+          </a:xfrm>
+          <a:prstGeom prst="rect">
+            <a:avLst/>
+          </a:prstGeom>
+        </p:spPr>
+      </p:pic>
+      <p:sp>
+        <p:nvSpPr>
+          <p:cNvPr id="60" name="テキスト ボックス 59">
+            <a:extLst>
+              <a:ext uri="{FF2B5EF4-FFF2-40B4-BE49-F238E27FC236}">
+                <a16:creationId xmlns:a16="http://schemas.microsoft.com/office/drawing/2014/main" id="{1CA11D8F-C2E5-A04A-BEB7-51298B052C70}"/>
+              </a:ext>
+            </a:extLst>
+          </p:cNvPr>
+          <p:cNvSpPr txBox="1"/>
+          <p:nvPr/>
+        </p:nvSpPr>
+        <p:spPr>
+          <a:xfrm>
+            <a:off x="7294880" y="4876800"/>
+            <a:ext cx="2159566" cy="523220"/>
+          </a:xfrm>
+          <a:prstGeom prst="rect">
+            <a:avLst/>
+          </a:prstGeom>
+          <a:noFill/>
+        </p:spPr>
+        <p:txBody>
+          <a:bodyPr wrap="none" rtlCol="0">
+            <a:spAutoFit/>
+          </a:bodyPr>
+          <a:lstStyle/>
+          <a:p>
+            <a:r>
+              <a:rPr kumimoji="1" lang="ja-JP" altLang="en-US" sz="1400"/>
+              <a:t>ファイル出力がまとめて</a:t>
+            </a:r>
+            <a:endParaRPr kumimoji="1" lang="en-US" altLang="ja-JP" sz="1400"/>
+          </a:p>
+          <a:p>
+            <a:r>
+              <a:rPr kumimoji="1" lang="ja-JP" altLang="en-US" sz="1400"/>
+              <a:t>一回なので</a:t>
+            </a:r>
+            <a:r>
+              <a:rPr lang="ja-JP" altLang="en-US" sz="1400"/>
+              <a:t>早い</a:t>
+            </a:r>
+            <a:endParaRPr kumimoji="1" lang="ja-JP" altLang="en-US" sz="1400"/>
+          </a:p>
+        </p:txBody>
+      </p:sp>
+      <p:pic>
+        <p:nvPicPr>
+          <p:cNvPr id="61" name="図 60">
+            <a:extLst>
+              <a:ext uri="{FF2B5EF4-FFF2-40B4-BE49-F238E27FC236}">
+                <a16:creationId xmlns:a16="http://schemas.microsoft.com/office/drawing/2014/main" id="{7B7301D5-C770-FC45-BC08-C0E227A32B07}"/>
+              </a:ext>
+            </a:extLst>
+          </p:cNvPr>
+          <p:cNvPicPr>
+            <a:picLocks noChangeAspect="1"/>
+          </p:cNvPicPr>
+          <p:nvPr/>
+        </p:nvPicPr>
+        <p:blipFill>
+          <a:blip r:embed="rId3"/>
+          <a:stretch>
+            <a:fillRect/>
+          </a:stretch>
+        </p:blipFill>
+        <p:spPr>
+          <a:xfrm>
+            <a:off x="6670040" y="5618480"/>
+            <a:ext cx="554892" cy="541020"/>
+          </a:xfrm>
+          <a:prstGeom prst="rect">
+            <a:avLst/>
+          </a:prstGeom>
+        </p:spPr>
+      </p:pic>
+      <p:sp>
+        <p:nvSpPr>
+          <p:cNvPr id="62" name="テキスト ボックス 61">
+            <a:extLst>
+              <a:ext uri="{FF2B5EF4-FFF2-40B4-BE49-F238E27FC236}">
+                <a16:creationId xmlns:a16="http://schemas.microsoft.com/office/drawing/2014/main" id="{16268B59-B959-274A-B8F5-430973C3AD22}"/>
+              </a:ext>
+            </a:extLst>
+          </p:cNvPr>
+          <p:cNvSpPr txBox="1"/>
+          <p:nvPr/>
+        </p:nvSpPr>
+        <p:spPr>
+          <a:xfrm>
+            <a:off x="7355840" y="5720080"/>
+            <a:ext cx="1620957" cy="307777"/>
+          </a:xfrm>
+          <a:prstGeom prst="rect">
+            <a:avLst/>
+          </a:prstGeom>
+          <a:noFill/>
+        </p:spPr>
+        <p:txBody>
+          <a:bodyPr wrap="none" rtlCol="0">
+            <a:spAutoFit/>
+          </a:bodyPr>
+          <a:lstStyle/>
+          <a:p>
+            <a:r>
+              <a:rPr kumimoji="1" lang="ja-JP" altLang="en-US" sz="1400"/>
+              <a:t>メモリを消費する</a:t>
+            </a:r>
+          </a:p>
+        </p:txBody>
+      </p:sp>
+    </p:spTree>
+    <p:extLst>
+      <p:ext uri="{BB962C8B-B14F-4D97-AF65-F5344CB8AC3E}">
+        <p14:creationId xmlns:p14="http://schemas.microsoft.com/office/powerpoint/2010/main" val="1439874707"/>
       </p:ext>
     </p:extLst>
   </p:cSld>

--- a/day4/fig/fig.pptx
+++ b/day4/fig/fig.pptx
@@ -5,13 +5,14 @@
     <p:sldMasterId id="2147483660" r:id="rId1"/>
   </p:sldMasterIdLst>
   <p:notesMasterIdLst>
-    <p:notesMasterId r:id="rId6"/>
+    <p:notesMasterId r:id="rId7"/>
   </p:notesMasterIdLst>
   <p:sldIdLst>
     <p:sldId id="256" r:id="rId2"/>
     <p:sldId id="257" r:id="rId3"/>
     <p:sldId id="258" r:id="rId4"/>
-    <p:sldId id="259" r:id="rId5"/>
+    <p:sldId id="260" r:id="rId5"/>
+    <p:sldId id="259" r:id="rId6"/>
   </p:sldIdLst>
   <p:sldSz cx="9906000" cy="6858000" type="A4"/>
   <p:notesSz cx="6858000" cy="9144000"/>
@@ -202,7 +203,7 @@
           </a:lstStyle>
           <a:p>
             <a:fld id="{234B1B89-6D29-7849-8E65-921CEBC6CA4C}" type="datetimeFigureOut">
-              <a:t>2018/10/10</a:t>
+              <a:t>2018/10/29</a:t>
             </a:fld>
             <a:endParaRPr kumimoji="1" lang="ja-JP" altLang="en-US"/>
           </a:p>
@@ -5653,6 +5654,3773 @@
 </file>
 
 <file path=ppt/slides/slide4.xml><?xml version="1.0" encoding="utf-8"?>
+<p:sld xmlns:a="http://schemas.openxmlformats.org/drawingml/2006/main" xmlns:r="http://schemas.openxmlformats.org/officeDocument/2006/relationships" xmlns:p="http://schemas.openxmlformats.org/presentationml/2006/main">
+  <p:cSld>
+    <p:spTree>
+      <p:nvGrpSpPr>
+        <p:cNvPr id="1" name=""/>
+        <p:cNvGrpSpPr/>
+        <p:nvPr/>
+      </p:nvGrpSpPr>
+      <p:grpSpPr>
+        <a:xfrm>
+          <a:off x="0" y="0"/>
+          <a:ext cx="0" cy="0"/>
+          <a:chOff x="0" y="0"/>
+          <a:chExt cx="0" cy="0"/>
+        </a:xfrm>
+      </p:grpSpPr>
+      <p:sp>
+        <p:nvSpPr>
+          <p:cNvPr id="2" name="正方形/長方形 1">
+            <a:extLst>
+              <a:ext uri="{FF2B5EF4-FFF2-40B4-BE49-F238E27FC236}">
+                <a16:creationId xmlns:a16="http://schemas.microsoft.com/office/drawing/2014/main" id="{0FA90FEC-3311-544E-A788-3F2D29D80BD7}"/>
+              </a:ext>
+            </a:extLst>
+          </p:cNvPr>
+          <p:cNvSpPr/>
+          <p:nvPr/>
+        </p:nvSpPr>
+        <p:spPr>
+          <a:xfrm>
+            <a:off x="1280592" y="548680"/>
+            <a:ext cx="360040" cy="360040"/>
+          </a:xfrm>
+          <a:prstGeom prst="rect">
+            <a:avLst/>
+          </a:prstGeom>
+        </p:spPr>
+        <p:style>
+          <a:lnRef idx="2">
+            <a:schemeClr val="accent1">
+              <a:shade val="50000"/>
+            </a:schemeClr>
+          </a:lnRef>
+          <a:fillRef idx="1">
+            <a:schemeClr val="accent1"/>
+          </a:fillRef>
+          <a:effectRef idx="0">
+            <a:schemeClr val="accent1"/>
+          </a:effectRef>
+          <a:fontRef idx="minor">
+            <a:schemeClr val="lt1"/>
+          </a:fontRef>
+        </p:style>
+        <p:txBody>
+          <a:bodyPr rtlCol="0" anchor="ctr"/>
+          <a:lstStyle/>
+          <a:p>
+            <a:pPr algn="ctr"/>
+            <a:endParaRPr kumimoji="1" lang="ja-JP" altLang="en-US"/>
+          </a:p>
+        </p:txBody>
+      </p:sp>
+      <p:sp>
+        <p:nvSpPr>
+          <p:cNvPr id="3" name="正方形/長方形 2">
+            <a:extLst>
+              <a:ext uri="{FF2B5EF4-FFF2-40B4-BE49-F238E27FC236}">
+                <a16:creationId xmlns:a16="http://schemas.microsoft.com/office/drawing/2014/main" id="{DD50D792-C427-F949-A4DD-B581AED48F68}"/>
+              </a:ext>
+            </a:extLst>
+          </p:cNvPr>
+          <p:cNvSpPr/>
+          <p:nvPr/>
+        </p:nvSpPr>
+        <p:spPr>
+          <a:xfrm>
+            <a:off x="1640632" y="548680"/>
+            <a:ext cx="360040" cy="360040"/>
+          </a:xfrm>
+          <a:prstGeom prst="rect">
+            <a:avLst/>
+          </a:prstGeom>
+        </p:spPr>
+        <p:style>
+          <a:lnRef idx="2">
+            <a:schemeClr val="accent1">
+              <a:shade val="50000"/>
+            </a:schemeClr>
+          </a:lnRef>
+          <a:fillRef idx="1">
+            <a:schemeClr val="accent1"/>
+          </a:fillRef>
+          <a:effectRef idx="0">
+            <a:schemeClr val="accent1"/>
+          </a:effectRef>
+          <a:fontRef idx="minor">
+            <a:schemeClr val="lt1"/>
+          </a:fontRef>
+        </p:style>
+        <p:txBody>
+          <a:bodyPr rtlCol="0" anchor="ctr"/>
+          <a:lstStyle/>
+          <a:p>
+            <a:pPr algn="ctr"/>
+            <a:endParaRPr kumimoji="1" lang="ja-JP" altLang="en-US"/>
+          </a:p>
+        </p:txBody>
+      </p:sp>
+      <p:sp>
+        <p:nvSpPr>
+          <p:cNvPr id="4" name="正方形/長方形 3">
+            <a:extLst>
+              <a:ext uri="{FF2B5EF4-FFF2-40B4-BE49-F238E27FC236}">
+                <a16:creationId xmlns:a16="http://schemas.microsoft.com/office/drawing/2014/main" id="{B389DAFA-7128-854C-8E99-5E28ABAD6FBF}"/>
+              </a:ext>
+            </a:extLst>
+          </p:cNvPr>
+          <p:cNvSpPr/>
+          <p:nvPr/>
+        </p:nvSpPr>
+        <p:spPr>
+          <a:xfrm>
+            <a:off x="2000672" y="548680"/>
+            <a:ext cx="360040" cy="360040"/>
+          </a:xfrm>
+          <a:prstGeom prst="rect">
+            <a:avLst/>
+          </a:prstGeom>
+        </p:spPr>
+        <p:style>
+          <a:lnRef idx="2">
+            <a:schemeClr val="accent1">
+              <a:shade val="50000"/>
+            </a:schemeClr>
+          </a:lnRef>
+          <a:fillRef idx="1">
+            <a:schemeClr val="accent1"/>
+          </a:fillRef>
+          <a:effectRef idx="0">
+            <a:schemeClr val="accent1"/>
+          </a:effectRef>
+          <a:fontRef idx="minor">
+            <a:schemeClr val="lt1"/>
+          </a:fontRef>
+        </p:style>
+        <p:txBody>
+          <a:bodyPr rtlCol="0" anchor="ctr"/>
+          <a:lstStyle/>
+          <a:p>
+            <a:pPr algn="ctr"/>
+            <a:endParaRPr kumimoji="1" lang="ja-JP" altLang="en-US"/>
+          </a:p>
+        </p:txBody>
+      </p:sp>
+      <p:sp>
+        <p:nvSpPr>
+          <p:cNvPr id="5" name="正方形/長方形 4">
+            <a:extLst>
+              <a:ext uri="{FF2B5EF4-FFF2-40B4-BE49-F238E27FC236}">
+                <a16:creationId xmlns:a16="http://schemas.microsoft.com/office/drawing/2014/main" id="{48E088B8-4F52-9643-A65F-576DA3DE7EB2}"/>
+              </a:ext>
+            </a:extLst>
+          </p:cNvPr>
+          <p:cNvSpPr/>
+          <p:nvPr/>
+        </p:nvSpPr>
+        <p:spPr>
+          <a:xfrm>
+            <a:off x="2360712" y="548680"/>
+            <a:ext cx="360040" cy="360040"/>
+          </a:xfrm>
+          <a:prstGeom prst="rect">
+            <a:avLst/>
+          </a:prstGeom>
+          <a:solidFill>
+            <a:schemeClr val="bg1"/>
+          </a:solidFill>
+        </p:spPr>
+        <p:style>
+          <a:lnRef idx="2">
+            <a:schemeClr val="accent1">
+              <a:shade val="50000"/>
+            </a:schemeClr>
+          </a:lnRef>
+          <a:fillRef idx="1">
+            <a:schemeClr val="accent1"/>
+          </a:fillRef>
+          <a:effectRef idx="0">
+            <a:schemeClr val="accent1"/>
+          </a:effectRef>
+          <a:fontRef idx="minor">
+            <a:schemeClr val="lt1"/>
+          </a:fontRef>
+        </p:style>
+        <p:txBody>
+          <a:bodyPr rtlCol="0" anchor="ctr"/>
+          <a:lstStyle/>
+          <a:p>
+            <a:pPr algn="ctr"/>
+            <a:endParaRPr kumimoji="1" lang="ja-JP" altLang="en-US"/>
+          </a:p>
+        </p:txBody>
+      </p:sp>
+      <p:sp>
+        <p:nvSpPr>
+          <p:cNvPr id="6" name="正方形/長方形 5">
+            <a:extLst>
+              <a:ext uri="{FF2B5EF4-FFF2-40B4-BE49-F238E27FC236}">
+                <a16:creationId xmlns:a16="http://schemas.microsoft.com/office/drawing/2014/main" id="{372E0406-6775-5C4C-A097-E96D0E3446C2}"/>
+              </a:ext>
+            </a:extLst>
+          </p:cNvPr>
+          <p:cNvSpPr/>
+          <p:nvPr/>
+        </p:nvSpPr>
+        <p:spPr>
+          <a:xfrm>
+            <a:off x="920552" y="548680"/>
+            <a:ext cx="360040" cy="360040"/>
+          </a:xfrm>
+          <a:prstGeom prst="rect">
+            <a:avLst/>
+          </a:prstGeom>
+          <a:solidFill>
+            <a:schemeClr val="bg1"/>
+          </a:solidFill>
+        </p:spPr>
+        <p:style>
+          <a:lnRef idx="2">
+            <a:schemeClr val="accent1">
+              <a:shade val="50000"/>
+            </a:schemeClr>
+          </a:lnRef>
+          <a:fillRef idx="1">
+            <a:schemeClr val="accent1"/>
+          </a:fillRef>
+          <a:effectRef idx="0">
+            <a:schemeClr val="accent1"/>
+          </a:effectRef>
+          <a:fontRef idx="minor">
+            <a:schemeClr val="lt1"/>
+          </a:fontRef>
+        </p:style>
+        <p:txBody>
+          <a:bodyPr rtlCol="0" anchor="ctr"/>
+          <a:lstStyle/>
+          <a:p>
+            <a:pPr algn="ctr"/>
+            <a:endParaRPr kumimoji="1" lang="ja-JP" altLang="en-US"/>
+          </a:p>
+        </p:txBody>
+      </p:sp>
+      <p:sp>
+        <p:nvSpPr>
+          <p:cNvPr id="7" name="正方形/長方形 6">
+            <a:extLst>
+              <a:ext uri="{FF2B5EF4-FFF2-40B4-BE49-F238E27FC236}">
+                <a16:creationId xmlns:a16="http://schemas.microsoft.com/office/drawing/2014/main" id="{C71E3141-595E-5544-9C6E-62BEF0B17F94}"/>
+              </a:ext>
+            </a:extLst>
+          </p:cNvPr>
+          <p:cNvSpPr/>
+          <p:nvPr/>
+        </p:nvSpPr>
+        <p:spPr>
+          <a:xfrm>
+            <a:off x="1280592" y="1340768"/>
+            <a:ext cx="360040" cy="360040"/>
+          </a:xfrm>
+          <a:prstGeom prst="rect">
+            <a:avLst/>
+          </a:prstGeom>
+          <a:solidFill>
+            <a:schemeClr val="bg1"/>
+          </a:solidFill>
+        </p:spPr>
+        <p:style>
+          <a:lnRef idx="2">
+            <a:schemeClr val="accent1">
+              <a:shade val="50000"/>
+            </a:schemeClr>
+          </a:lnRef>
+          <a:fillRef idx="1">
+            <a:schemeClr val="accent1"/>
+          </a:fillRef>
+          <a:effectRef idx="0">
+            <a:schemeClr val="accent1"/>
+          </a:effectRef>
+          <a:fontRef idx="minor">
+            <a:schemeClr val="lt1"/>
+          </a:fontRef>
+        </p:style>
+        <p:txBody>
+          <a:bodyPr rtlCol="0" anchor="ctr"/>
+          <a:lstStyle/>
+          <a:p>
+            <a:pPr algn="ctr"/>
+            <a:endParaRPr kumimoji="1" lang="ja-JP" altLang="en-US"/>
+          </a:p>
+        </p:txBody>
+      </p:sp>
+      <p:sp>
+        <p:nvSpPr>
+          <p:cNvPr id="8" name="正方形/長方形 7">
+            <a:extLst>
+              <a:ext uri="{FF2B5EF4-FFF2-40B4-BE49-F238E27FC236}">
+                <a16:creationId xmlns:a16="http://schemas.microsoft.com/office/drawing/2014/main" id="{371657D1-094C-A34B-9C7F-60EBEE15AF15}"/>
+              </a:ext>
+            </a:extLst>
+          </p:cNvPr>
+          <p:cNvSpPr/>
+          <p:nvPr/>
+        </p:nvSpPr>
+        <p:spPr>
+          <a:xfrm>
+            <a:off x="1640632" y="1340768"/>
+            <a:ext cx="360040" cy="360040"/>
+          </a:xfrm>
+          <a:prstGeom prst="rect">
+            <a:avLst/>
+          </a:prstGeom>
+          <a:solidFill>
+            <a:srgbClr val="FF0000"/>
+          </a:solidFill>
+        </p:spPr>
+        <p:style>
+          <a:lnRef idx="2">
+            <a:schemeClr val="accent1">
+              <a:shade val="50000"/>
+            </a:schemeClr>
+          </a:lnRef>
+          <a:fillRef idx="1">
+            <a:schemeClr val="accent1"/>
+          </a:fillRef>
+          <a:effectRef idx="0">
+            <a:schemeClr val="accent1"/>
+          </a:effectRef>
+          <a:fontRef idx="minor">
+            <a:schemeClr val="lt1"/>
+          </a:fontRef>
+        </p:style>
+        <p:txBody>
+          <a:bodyPr rtlCol="0" anchor="ctr"/>
+          <a:lstStyle/>
+          <a:p>
+            <a:pPr algn="ctr"/>
+            <a:endParaRPr kumimoji="1" lang="ja-JP" altLang="en-US"/>
+          </a:p>
+        </p:txBody>
+      </p:sp>
+      <p:sp>
+        <p:nvSpPr>
+          <p:cNvPr id="9" name="正方形/長方形 8">
+            <a:extLst>
+              <a:ext uri="{FF2B5EF4-FFF2-40B4-BE49-F238E27FC236}">
+                <a16:creationId xmlns:a16="http://schemas.microsoft.com/office/drawing/2014/main" id="{FC785987-4A61-A249-B5B5-A6F09F0F0403}"/>
+              </a:ext>
+            </a:extLst>
+          </p:cNvPr>
+          <p:cNvSpPr/>
+          <p:nvPr/>
+        </p:nvSpPr>
+        <p:spPr>
+          <a:xfrm>
+            <a:off x="2000672" y="1340768"/>
+            <a:ext cx="360040" cy="360040"/>
+          </a:xfrm>
+          <a:prstGeom prst="rect">
+            <a:avLst/>
+          </a:prstGeom>
+          <a:solidFill>
+            <a:schemeClr val="bg1"/>
+          </a:solidFill>
+        </p:spPr>
+        <p:style>
+          <a:lnRef idx="2">
+            <a:schemeClr val="accent1">
+              <a:shade val="50000"/>
+            </a:schemeClr>
+          </a:lnRef>
+          <a:fillRef idx="1">
+            <a:schemeClr val="accent1"/>
+          </a:fillRef>
+          <a:effectRef idx="0">
+            <a:schemeClr val="accent1"/>
+          </a:effectRef>
+          <a:fontRef idx="minor">
+            <a:schemeClr val="lt1"/>
+          </a:fontRef>
+        </p:style>
+        <p:txBody>
+          <a:bodyPr rtlCol="0" anchor="ctr"/>
+          <a:lstStyle/>
+          <a:p>
+            <a:pPr algn="ctr"/>
+            <a:endParaRPr kumimoji="1" lang="ja-JP" altLang="en-US"/>
+          </a:p>
+        </p:txBody>
+      </p:sp>
+      <p:sp>
+        <p:nvSpPr>
+          <p:cNvPr id="10" name="正方形/長方形 9">
+            <a:extLst>
+              <a:ext uri="{FF2B5EF4-FFF2-40B4-BE49-F238E27FC236}">
+                <a16:creationId xmlns:a16="http://schemas.microsoft.com/office/drawing/2014/main" id="{3964DE1C-BAF8-0C4B-9B54-30F8E8494D7D}"/>
+              </a:ext>
+            </a:extLst>
+          </p:cNvPr>
+          <p:cNvSpPr/>
+          <p:nvPr/>
+        </p:nvSpPr>
+        <p:spPr>
+          <a:xfrm>
+            <a:off x="2360712" y="1340768"/>
+            <a:ext cx="360040" cy="360040"/>
+          </a:xfrm>
+          <a:prstGeom prst="rect">
+            <a:avLst/>
+          </a:prstGeom>
+          <a:solidFill>
+            <a:schemeClr val="bg1"/>
+          </a:solidFill>
+        </p:spPr>
+        <p:style>
+          <a:lnRef idx="2">
+            <a:schemeClr val="accent1">
+              <a:shade val="50000"/>
+            </a:schemeClr>
+          </a:lnRef>
+          <a:fillRef idx="1">
+            <a:schemeClr val="accent1"/>
+          </a:fillRef>
+          <a:effectRef idx="0">
+            <a:schemeClr val="accent1"/>
+          </a:effectRef>
+          <a:fontRef idx="minor">
+            <a:schemeClr val="lt1"/>
+          </a:fontRef>
+        </p:style>
+        <p:txBody>
+          <a:bodyPr rtlCol="0" anchor="ctr"/>
+          <a:lstStyle/>
+          <a:p>
+            <a:pPr algn="ctr"/>
+            <a:endParaRPr kumimoji="1" lang="ja-JP" altLang="en-US"/>
+          </a:p>
+        </p:txBody>
+      </p:sp>
+      <p:sp>
+        <p:nvSpPr>
+          <p:cNvPr id="11" name="正方形/長方形 10">
+            <a:extLst>
+              <a:ext uri="{FF2B5EF4-FFF2-40B4-BE49-F238E27FC236}">
+                <a16:creationId xmlns:a16="http://schemas.microsoft.com/office/drawing/2014/main" id="{99A9724A-4597-4F47-A346-F20840344877}"/>
+              </a:ext>
+            </a:extLst>
+          </p:cNvPr>
+          <p:cNvSpPr/>
+          <p:nvPr/>
+        </p:nvSpPr>
+        <p:spPr>
+          <a:xfrm>
+            <a:off x="920552" y="1340768"/>
+            <a:ext cx="360040" cy="360040"/>
+          </a:xfrm>
+          <a:prstGeom prst="rect">
+            <a:avLst/>
+          </a:prstGeom>
+          <a:solidFill>
+            <a:schemeClr val="bg1"/>
+          </a:solidFill>
+        </p:spPr>
+        <p:style>
+          <a:lnRef idx="2">
+            <a:schemeClr val="accent1">
+              <a:shade val="50000"/>
+            </a:schemeClr>
+          </a:lnRef>
+          <a:fillRef idx="1">
+            <a:schemeClr val="accent1"/>
+          </a:fillRef>
+          <a:effectRef idx="0">
+            <a:schemeClr val="accent1"/>
+          </a:effectRef>
+          <a:fontRef idx="minor">
+            <a:schemeClr val="lt1"/>
+          </a:fontRef>
+        </p:style>
+        <p:txBody>
+          <a:bodyPr rtlCol="0" anchor="ctr"/>
+          <a:lstStyle/>
+          <a:p>
+            <a:pPr algn="ctr"/>
+            <a:endParaRPr kumimoji="1" lang="ja-JP" altLang="en-US"/>
+          </a:p>
+        </p:txBody>
+      </p:sp>
+      <p:sp>
+        <p:nvSpPr>
+          <p:cNvPr id="12" name="テキスト ボックス 11">
+            <a:extLst>
+              <a:ext uri="{FF2B5EF4-FFF2-40B4-BE49-F238E27FC236}">
+                <a16:creationId xmlns:a16="http://schemas.microsoft.com/office/drawing/2014/main" id="{5A77E2A9-0EB8-6044-B6A9-AF264EED02D4}"/>
+              </a:ext>
+            </a:extLst>
+          </p:cNvPr>
+          <p:cNvSpPr txBox="1"/>
+          <p:nvPr/>
+        </p:nvSpPr>
+        <p:spPr>
+          <a:xfrm>
+            <a:off x="442918" y="548680"/>
+            <a:ext cx="261610" cy="369332"/>
+          </a:xfrm>
+          <a:prstGeom prst="rect">
+            <a:avLst/>
+          </a:prstGeom>
+          <a:noFill/>
+        </p:spPr>
+        <p:txBody>
+          <a:bodyPr wrap="none" rtlCol="0">
+            <a:spAutoFit/>
+          </a:bodyPr>
+          <a:lstStyle/>
+          <a:p>
+            <a:r>
+              <a:rPr kumimoji="1" lang="en-US" altLang="ja-JP"/>
+              <a:t>t</a:t>
+            </a:r>
+            <a:endParaRPr kumimoji="1" lang="ja-JP" altLang="en-US"/>
+          </a:p>
+        </p:txBody>
+      </p:sp>
+      <p:sp>
+        <p:nvSpPr>
+          <p:cNvPr id="13" name="テキスト ボックス 12">
+            <a:extLst>
+              <a:ext uri="{FF2B5EF4-FFF2-40B4-BE49-F238E27FC236}">
+                <a16:creationId xmlns:a16="http://schemas.microsoft.com/office/drawing/2014/main" id="{2E6B5527-D3E5-644A-8B15-D5204B3DB2EB}"/>
+              </a:ext>
+            </a:extLst>
+          </p:cNvPr>
+          <p:cNvSpPr txBox="1"/>
+          <p:nvPr/>
+        </p:nvSpPr>
+        <p:spPr>
+          <a:xfrm>
+            <a:off x="344488" y="1340768"/>
+            <a:ext cx="494046" cy="369332"/>
+          </a:xfrm>
+          <a:prstGeom prst="rect">
+            <a:avLst/>
+          </a:prstGeom>
+          <a:noFill/>
+        </p:spPr>
+        <p:txBody>
+          <a:bodyPr wrap="none" rtlCol="0">
+            <a:spAutoFit/>
+          </a:bodyPr>
+          <a:lstStyle/>
+          <a:p>
+            <a:r>
+              <a:rPr kumimoji="1" lang="en-US" altLang="ja-JP"/>
+              <a:t>t+1</a:t>
+            </a:r>
+            <a:endParaRPr kumimoji="1" lang="ja-JP" altLang="en-US"/>
+          </a:p>
+        </p:txBody>
+      </p:sp>
+      <p:cxnSp>
+        <p:nvCxnSpPr>
+          <p:cNvPr id="16" name="直線矢印コネクタ 15">
+            <a:extLst>
+              <a:ext uri="{FF2B5EF4-FFF2-40B4-BE49-F238E27FC236}">
+                <a16:creationId xmlns:a16="http://schemas.microsoft.com/office/drawing/2014/main" id="{B8BEE15E-EE65-7D43-8D3C-E27FAF213DBA}"/>
+              </a:ext>
+            </a:extLst>
+          </p:cNvPr>
+          <p:cNvCxnSpPr>
+            <a:stCxn id="3" idx="2"/>
+            <a:endCxn id="8" idx="0"/>
+          </p:cNvCxnSpPr>
+          <p:nvPr/>
+        </p:nvCxnSpPr>
+        <p:spPr>
+          <a:xfrm>
+            <a:off x="1820652" y="908720"/>
+            <a:ext cx="0" cy="432048"/>
+          </a:xfrm>
+          <a:prstGeom prst="straightConnector1">
+            <a:avLst/>
+          </a:prstGeom>
+          <a:ln>
+            <a:solidFill>
+              <a:schemeClr val="tx1"/>
+            </a:solidFill>
+            <a:tailEnd type="triangle"/>
+          </a:ln>
+        </p:spPr>
+        <p:style>
+          <a:lnRef idx="1">
+            <a:schemeClr val="accent1"/>
+          </a:lnRef>
+          <a:fillRef idx="0">
+            <a:schemeClr val="accent1"/>
+          </a:fillRef>
+          <a:effectRef idx="0">
+            <a:schemeClr val="accent1"/>
+          </a:effectRef>
+          <a:fontRef idx="minor">
+            <a:schemeClr val="tx1"/>
+          </a:fontRef>
+        </p:style>
+      </p:cxnSp>
+      <p:cxnSp>
+        <p:nvCxnSpPr>
+          <p:cNvPr id="17" name="直線矢印コネクタ 16">
+            <a:extLst>
+              <a:ext uri="{FF2B5EF4-FFF2-40B4-BE49-F238E27FC236}">
+                <a16:creationId xmlns:a16="http://schemas.microsoft.com/office/drawing/2014/main" id="{BCD72001-B89B-7E46-BC5A-95F56BA2BC40}"/>
+              </a:ext>
+            </a:extLst>
+          </p:cNvPr>
+          <p:cNvCxnSpPr>
+            <a:cxnSpLocks/>
+            <a:stCxn id="4" idx="2"/>
+          </p:cNvCxnSpPr>
+          <p:nvPr/>
+        </p:nvCxnSpPr>
+        <p:spPr>
+          <a:xfrm flipH="1">
+            <a:off x="1928664" y="908720"/>
+            <a:ext cx="252028" cy="432048"/>
+          </a:xfrm>
+          <a:prstGeom prst="straightConnector1">
+            <a:avLst/>
+          </a:prstGeom>
+          <a:ln>
+            <a:solidFill>
+              <a:schemeClr val="tx1"/>
+            </a:solidFill>
+            <a:tailEnd type="triangle"/>
+          </a:ln>
+        </p:spPr>
+        <p:style>
+          <a:lnRef idx="1">
+            <a:schemeClr val="accent1"/>
+          </a:lnRef>
+          <a:fillRef idx="0">
+            <a:schemeClr val="accent1"/>
+          </a:fillRef>
+          <a:effectRef idx="0">
+            <a:schemeClr val="accent1"/>
+          </a:effectRef>
+          <a:fontRef idx="minor">
+            <a:schemeClr val="tx1"/>
+          </a:fontRef>
+        </p:style>
+      </p:cxnSp>
+      <p:cxnSp>
+        <p:nvCxnSpPr>
+          <p:cNvPr id="20" name="直線矢印コネクタ 19">
+            <a:extLst>
+              <a:ext uri="{FF2B5EF4-FFF2-40B4-BE49-F238E27FC236}">
+                <a16:creationId xmlns:a16="http://schemas.microsoft.com/office/drawing/2014/main" id="{EBCA4A69-B782-DA42-9648-06DB4C759B5C}"/>
+              </a:ext>
+            </a:extLst>
+          </p:cNvPr>
+          <p:cNvCxnSpPr>
+            <a:cxnSpLocks/>
+            <a:stCxn id="2" idx="2"/>
+          </p:cNvCxnSpPr>
+          <p:nvPr/>
+        </p:nvCxnSpPr>
+        <p:spPr>
+          <a:xfrm>
+            <a:off x="1460612" y="908720"/>
+            <a:ext cx="252028" cy="432048"/>
+          </a:xfrm>
+          <a:prstGeom prst="straightConnector1">
+            <a:avLst/>
+          </a:prstGeom>
+          <a:ln>
+            <a:solidFill>
+              <a:schemeClr val="tx1"/>
+            </a:solidFill>
+            <a:tailEnd type="triangle"/>
+          </a:ln>
+        </p:spPr>
+        <p:style>
+          <a:lnRef idx="1">
+            <a:schemeClr val="accent1"/>
+          </a:lnRef>
+          <a:fillRef idx="0">
+            <a:schemeClr val="accent1"/>
+          </a:fillRef>
+          <a:effectRef idx="0">
+            <a:schemeClr val="accent1"/>
+          </a:effectRef>
+          <a:fontRef idx="minor">
+            <a:schemeClr val="tx1"/>
+          </a:fontRef>
+        </p:style>
+      </p:cxnSp>
+      <p:sp>
+        <p:nvSpPr>
+          <p:cNvPr id="24" name="テキスト ボックス 23">
+            <a:extLst>
+              <a:ext uri="{FF2B5EF4-FFF2-40B4-BE49-F238E27FC236}">
+                <a16:creationId xmlns:a16="http://schemas.microsoft.com/office/drawing/2014/main" id="{21DAD823-1FAD-674F-866C-064A287EE53C}"/>
+              </a:ext>
+            </a:extLst>
+          </p:cNvPr>
+          <p:cNvSpPr txBox="1"/>
+          <p:nvPr/>
+        </p:nvSpPr>
+        <p:spPr>
+          <a:xfrm>
+            <a:off x="3152800" y="764704"/>
+            <a:ext cx="4801314" cy="646331"/>
+          </a:xfrm>
+          <a:prstGeom prst="rect">
+            <a:avLst/>
+          </a:prstGeom>
+          <a:noFill/>
+        </p:spPr>
+        <p:txBody>
+          <a:bodyPr wrap="none" rtlCol="0">
+            <a:spAutoFit/>
+          </a:bodyPr>
+          <a:lstStyle/>
+          <a:p>
+            <a:r>
+              <a:rPr kumimoji="1" lang="ja-JP" altLang="en-US"/>
+              <a:t>ある点の、次の時刻の状態を計算するには、</a:t>
+            </a:r>
+            <a:endParaRPr kumimoji="1" lang="en-US" altLang="ja-JP"/>
+          </a:p>
+          <a:p>
+            <a:r>
+              <a:rPr lang="ja-JP" altLang="en-US"/>
+              <a:t>両脇の点の情報が必要になる</a:t>
+            </a:r>
+            <a:endParaRPr kumimoji="1" lang="ja-JP" altLang="en-US"/>
+          </a:p>
+        </p:txBody>
+      </p:sp>
+      <p:sp>
+        <p:nvSpPr>
+          <p:cNvPr id="25" name="正方形/長方形 24">
+            <a:extLst>
+              <a:ext uri="{FF2B5EF4-FFF2-40B4-BE49-F238E27FC236}">
+                <a16:creationId xmlns:a16="http://schemas.microsoft.com/office/drawing/2014/main" id="{1C25455B-0D28-0C45-9761-51071C0B1A29}"/>
+              </a:ext>
+            </a:extLst>
+          </p:cNvPr>
+          <p:cNvSpPr/>
+          <p:nvPr/>
+        </p:nvSpPr>
+        <p:spPr>
+          <a:xfrm>
+            <a:off x="2792760" y="2708920"/>
+            <a:ext cx="360040" cy="360040"/>
+          </a:xfrm>
+          <a:prstGeom prst="rect">
+            <a:avLst/>
+          </a:prstGeom>
+          <a:solidFill>
+            <a:schemeClr val="accent1"/>
+          </a:solidFill>
+          <a:ln>
+            <a:solidFill>
+              <a:schemeClr val="tx1"/>
+            </a:solidFill>
+          </a:ln>
+        </p:spPr>
+        <p:style>
+          <a:lnRef idx="2">
+            <a:schemeClr val="accent1">
+              <a:shade val="50000"/>
+            </a:schemeClr>
+          </a:lnRef>
+          <a:fillRef idx="1">
+            <a:schemeClr val="accent1"/>
+          </a:fillRef>
+          <a:effectRef idx="0">
+            <a:schemeClr val="accent1"/>
+          </a:effectRef>
+          <a:fontRef idx="minor">
+            <a:schemeClr val="lt1"/>
+          </a:fontRef>
+        </p:style>
+        <p:txBody>
+          <a:bodyPr rtlCol="0" anchor="ctr"/>
+          <a:lstStyle/>
+          <a:p>
+            <a:pPr algn="ctr"/>
+            <a:endParaRPr kumimoji="1" lang="ja-JP" altLang="en-US"/>
+          </a:p>
+        </p:txBody>
+      </p:sp>
+      <p:sp>
+        <p:nvSpPr>
+          <p:cNvPr id="26" name="正方形/長方形 25">
+            <a:extLst>
+              <a:ext uri="{FF2B5EF4-FFF2-40B4-BE49-F238E27FC236}">
+                <a16:creationId xmlns:a16="http://schemas.microsoft.com/office/drawing/2014/main" id="{9F242A2C-1498-ED44-8369-5AF8838E2A0C}"/>
+              </a:ext>
+            </a:extLst>
+          </p:cNvPr>
+          <p:cNvSpPr/>
+          <p:nvPr/>
+        </p:nvSpPr>
+        <p:spPr>
+          <a:xfrm>
+            <a:off x="3224808" y="2708920"/>
+            <a:ext cx="360040" cy="360040"/>
+          </a:xfrm>
+          <a:prstGeom prst="rect">
+            <a:avLst/>
+          </a:prstGeom>
+          <a:solidFill>
+            <a:schemeClr val="accent1"/>
+          </a:solidFill>
+          <a:ln>
+            <a:solidFill>
+              <a:schemeClr val="tx1"/>
+            </a:solidFill>
+          </a:ln>
+        </p:spPr>
+        <p:style>
+          <a:lnRef idx="2">
+            <a:schemeClr val="accent1">
+              <a:shade val="50000"/>
+            </a:schemeClr>
+          </a:lnRef>
+          <a:fillRef idx="1">
+            <a:schemeClr val="accent1"/>
+          </a:fillRef>
+          <a:effectRef idx="0">
+            <a:schemeClr val="accent1"/>
+          </a:effectRef>
+          <a:fontRef idx="minor">
+            <a:schemeClr val="lt1"/>
+          </a:fontRef>
+        </p:style>
+        <p:txBody>
+          <a:bodyPr rtlCol="0" anchor="ctr"/>
+          <a:lstStyle/>
+          <a:p>
+            <a:pPr algn="ctr"/>
+            <a:endParaRPr kumimoji="1" lang="ja-JP" altLang="en-US"/>
+          </a:p>
+        </p:txBody>
+      </p:sp>
+      <p:sp>
+        <p:nvSpPr>
+          <p:cNvPr id="33" name="正方形/長方形 32">
+            <a:extLst>
+              <a:ext uri="{FF2B5EF4-FFF2-40B4-BE49-F238E27FC236}">
+                <a16:creationId xmlns:a16="http://schemas.microsoft.com/office/drawing/2014/main" id="{6F2B89A4-5851-1547-B36C-D0F0F2A321EA}"/>
+              </a:ext>
+            </a:extLst>
+          </p:cNvPr>
+          <p:cNvSpPr/>
+          <p:nvPr/>
+        </p:nvSpPr>
+        <p:spPr>
+          <a:xfrm>
+            <a:off x="3656856" y="2708920"/>
+            <a:ext cx="360040" cy="360040"/>
+          </a:xfrm>
+          <a:prstGeom prst="rect">
+            <a:avLst/>
+          </a:prstGeom>
+          <a:solidFill>
+            <a:schemeClr val="accent1"/>
+          </a:solidFill>
+          <a:ln>
+            <a:solidFill>
+              <a:schemeClr val="tx1"/>
+            </a:solidFill>
+          </a:ln>
+        </p:spPr>
+        <p:style>
+          <a:lnRef idx="2">
+            <a:schemeClr val="accent1">
+              <a:shade val="50000"/>
+            </a:schemeClr>
+          </a:lnRef>
+          <a:fillRef idx="1">
+            <a:schemeClr val="accent1"/>
+          </a:fillRef>
+          <a:effectRef idx="0">
+            <a:schemeClr val="accent1"/>
+          </a:effectRef>
+          <a:fontRef idx="minor">
+            <a:schemeClr val="lt1"/>
+          </a:fontRef>
+        </p:style>
+        <p:txBody>
+          <a:bodyPr rtlCol="0" anchor="ctr"/>
+          <a:lstStyle/>
+          <a:p>
+            <a:pPr algn="ctr"/>
+            <a:endParaRPr kumimoji="1" lang="ja-JP" altLang="en-US"/>
+          </a:p>
+        </p:txBody>
+      </p:sp>
+      <p:sp>
+        <p:nvSpPr>
+          <p:cNvPr id="34" name="正方形/長方形 33">
+            <a:extLst>
+              <a:ext uri="{FF2B5EF4-FFF2-40B4-BE49-F238E27FC236}">
+                <a16:creationId xmlns:a16="http://schemas.microsoft.com/office/drawing/2014/main" id="{D3D5C961-90B9-7E45-8F92-E59379B98D31}"/>
+              </a:ext>
+            </a:extLst>
+          </p:cNvPr>
+          <p:cNvSpPr/>
+          <p:nvPr/>
+        </p:nvSpPr>
+        <p:spPr>
+          <a:xfrm>
+            <a:off x="4088904" y="2708920"/>
+            <a:ext cx="360040" cy="360040"/>
+          </a:xfrm>
+          <a:prstGeom prst="rect">
+            <a:avLst/>
+          </a:prstGeom>
+          <a:solidFill>
+            <a:schemeClr val="accent1"/>
+          </a:solidFill>
+          <a:ln>
+            <a:solidFill>
+              <a:schemeClr val="tx1"/>
+            </a:solidFill>
+          </a:ln>
+        </p:spPr>
+        <p:style>
+          <a:lnRef idx="2">
+            <a:schemeClr val="accent1">
+              <a:shade val="50000"/>
+            </a:schemeClr>
+          </a:lnRef>
+          <a:fillRef idx="1">
+            <a:schemeClr val="accent1"/>
+          </a:fillRef>
+          <a:effectRef idx="0">
+            <a:schemeClr val="accent1"/>
+          </a:effectRef>
+          <a:fontRef idx="minor">
+            <a:schemeClr val="lt1"/>
+          </a:fontRef>
+        </p:style>
+        <p:txBody>
+          <a:bodyPr rtlCol="0" anchor="ctr"/>
+          <a:lstStyle/>
+          <a:p>
+            <a:pPr algn="ctr"/>
+            <a:endParaRPr kumimoji="1" lang="ja-JP" altLang="en-US"/>
+          </a:p>
+        </p:txBody>
+      </p:sp>
+      <p:sp>
+        <p:nvSpPr>
+          <p:cNvPr id="35" name="正方形/長方形 34">
+            <a:extLst>
+              <a:ext uri="{FF2B5EF4-FFF2-40B4-BE49-F238E27FC236}">
+                <a16:creationId xmlns:a16="http://schemas.microsoft.com/office/drawing/2014/main" id="{66679E91-354F-844B-B5EE-94FD0E6A8668}"/>
+              </a:ext>
+            </a:extLst>
+          </p:cNvPr>
+          <p:cNvSpPr/>
+          <p:nvPr/>
+        </p:nvSpPr>
+        <p:spPr>
+          <a:xfrm>
+            <a:off x="4520952" y="2708920"/>
+            <a:ext cx="360040" cy="360040"/>
+          </a:xfrm>
+          <a:prstGeom prst="rect">
+            <a:avLst/>
+          </a:prstGeom>
+          <a:solidFill>
+            <a:schemeClr val="accent1"/>
+          </a:solidFill>
+          <a:ln>
+            <a:solidFill>
+              <a:schemeClr val="tx1"/>
+            </a:solidFill>
+          </a:ln>
+        </p:spPr>
+        <p:style>
+          <a:lnRef idx="2">
+            <a:schemeClr val="accent1">
+              <a:shade val="50000"/>
+            </a:schemeClr>
+          </a:lnRef>
+          <a:fillRef idx="1">
+            <a:schemeClr val="accent1"/>
+          </a:fillRef>
+          <a:effectRef idx="0">
+            <a:schemeClr val="accent1"/>
+          </a:effectRef>
+          <a:fontRef idx="minor">
+            <a:schemeClr val="lt1"/>
+          </a:fontRef>
+        </p:style>
+        <p:txBody>
+          <a:bodyPr rtlCol="0" anchor="ctr"/>
+          <a:lstStyle/>
+          <a:p>
+            <a:pPr algn="ctr"/>
+            <a:endParaRPr kumimoji="1" lang="ja-JP" altLang="en-US"/>
+          </a:p>
+        </p:txBody>
+      </p:sp>
+      <p:sp>
+        <p:nvSpPr>
+          <p:cNvPr id="36" name="正方形/長方形 35">
+            <a:extLst>
+              <a:ext uri="{FF2B5EF4-FFF2-40B4-BE49-F238E27FC236}">
+                <a16:creationId xmlns:a16="http://schemas.microsoft.com/office/drawing/2014/main" id="{CAD0387D-F3B3-064F-A65B-7A74569BCAE7}"/>
+              </a:ext>
+            </a:extLst>
+          </p:cNvPr>
+          <p:cNvSpPr/>
+          <p:nvPr/>
+        </p:nvSpPr>
+        <p:spPr>
+          <a:xfrm>
+            <a:off x="4953000" y="2708920"/>
+            <a:ext cx="360040" cy="360040"/>
+          </a:xfrm>
+          <a:prstGeom prst="rect">
+            <a:avLst/>
+          </a:prstGeom>
+          <a:solidFill>
+            <a:schemeClr val="accent1"/>
+          </a:solidFill>
+          <a:ln>
+            <a:solidFill>
+              <a:schemeClr val="tx1"/>
+            </a:solidFill>
+          </a:ln>
+        </p:spPr>
+        <p:style>
+          <a:lnRef idx="2">
+            <a:schemeClr val="accent1">
+              <a:shade val="50000"/>
+            </a:schemeClr>
+          </a:lnRef>
+          <a:fillRef idx="1">
+            <a:schemeClr val="accent1"/>
+          </a:fillRef>
+          <a:effectRef idx="0">
+            <a:schemeClr val="accent1"/>
+          </a:effectRef>
+          <a:fontRef idx="minor">
+            <a:schemeClr val="lt1"/>
+          </a:fontRef>
+        </p:style>
+        <p:txBody>
+          <a:bodyPr rtlCol="0" anchor="ctr"/>
+          <a:lstStyle/>
+          <a:p>
+            <a:pPr algn="ctr"/>
+            <a:endParaRPr kumimoji="1" lang="ja-JP" altLang="en-US"/>
+          </a:p>
+        </p:txBody>
+      </p:sp>
+      <p:sp>
+        <p:nvSpPr>
+          <p:cNvPr id="37" name="正方形/長方形 36">
+            <a:extLst>
+              <a:ext uri="{FF2B5EF4-FFF2-40B4-BE49-F238E27FC236}">
+                <a16:creationId xmlns:a16="http://schemas.microsoft.com/office/drawing/2014/main" id="{1F8850D5-95EF-CC44-B214-2B86A54F78C1}"/>
+              </a:ext>
+            </a:extLst>
+          </p:cNvPr>
+          <p:cNvSpPr/>
+          <p:nvPr/>
+        </p:nvSpPr>
+        <p:spPr>
+          <a:xfrm>
+            <a:off x="5385048" y="2708920"/>
+            <a:ext cx="360040" cy="360040"/>
+          </a:xfrm>
+          <a:prstGeom prst="rect">
+            <a:avLst/>
+          </a:prstGeom>
+          <a:solidFill>
+            <a:schemeClr val="accent1"/>
+          </a:solidFill>
+          <a:ln>
+            <a:solidFill>
+              <a:schemeClr val="tx1"/>
+            </a:solidFill>
+          </a:ln>
+        </p:spPr>
+        <p:style>
+          <a:lnRef idx="2">
+            <a:schemeClr val="accent1">
+              <a:shade val="50000"/>
+            </a:schemeClr>
+          </a:lnRef>
+          <a:fillRef idx="1">
+            <a:schemeClr val="accent1"/>
+          </a:fillRef>
+          <a:effectRef idx="0">
+            <a:schemeClr val="accent1"/>
+          </a:effectRef>
+          <a:fontRef idx="minor">
+            <a:schemeClr val="lt1"/>
+          </a:fontRef>
+        </p:style>
+        <p:txBody>
+          <a:bodyPr rtlCol="0" anchor="ctr"/>
+          <a:lstStyle/>
+          <a:p>
+            <a:pPr algn="ctr"/>
+            <a:endParaRPr kumimoji="1" lang="ja-JP" altLang="en-US"/>
+          </a:p>
+        </p:txBody>
+      </p:sp>
+      <p:sp>
+        <p:nvSpPr>
+          <p:cNvPr id="38" name="正方形/長方形 37">
+            <a:extLst>
+              <a:ext uri="{FF2B5EF4-FFF2-40B4-BE49-F238E27FC236}">
+                <a16:creationId xmlns:a16="http://schemas.microsoft.com/office/drawing/2014/main" id="{8A6A84B1-9178-BE4A-9CEF-B8D595E59E34}"/>
+              </a:ext>
+            </a:extLst>
+          </p:cNvPr>
+          <p:cNvSpPr/>
+          <p:nvPr/>
+        </p:nvSpPr>
+        <p:spPr>
+          <a:xfrm>
+            <a:off x="5817096" y="2708920"/>
+            <a:ext cx="360040" cy="360040"/>
+          </a:xfrm>
+          <a:prstGeom prst="rect">
+            <a:avLst/>
+          </a:prstGeom>
+          <a:solidFill>
+            <a:schemeClr val="accent1"/>
+          </a:solidFill>
+          <a:ln>
+            <a:solidFill>
+              <a:schemeClr val="tx1"/>
+            </a:solidFill>
+          </a:ln>
+        </p:spPr>
+        <p:style>
+          <a:lnRef idx="2">
+            <a:schemeClr val="accent1">
+              <a:shade val="50000"/>
+            </a:schemeClr>
+          </a:lnRef>
+          <a:fillRef idx="1">
+            <a:schemeClr val="accent1"/>
+          </a:fillRef>
+          <a:effectRef idx="0">
+            <a:schemeClr val="accent1"/>
+          </a:effectRef>
+          <a:fontRef idx="minor">
+            <a:schemeClr val="lt1"/>
+          </a:fontRef>
+        </p:style>
+        <p:txBody>
+          <a:bodyPr rtlCol="0" anchor="ctr"/>
+          <a:lstStyle/>
+          <a:p>
+            <a:pPr algn="ctr"/>
+            <a:endParaRPr kumimoji="1" lang="ja-JP" altLang="en-US"/>
+          </a:p>
+        </p:txBody>
+      </p:sp>
+      <p:sp>
+        <p:nvSpPr>
+          <p:cNvPr id="39" name="テキスト ボックス 38">
+            <a:extLst>
+              <a:ext uri="{FF2B5EF4-FFF2-40B4-BE49-F238E27FC236}">
+                <a16:creationId xmlns:a16="http://schemas.microsoft.com/office/drawing/2014/main" id="{A1DAC848-982C-5B43-8675-B7BD13011DF1}"/>
+              </a:ext>
+            </a:extLst>
+          </p:cNvPr>
+          <p:cNvSpPr txBox="1"/>
+          <p:nvPr/>
+        </p:nvSpPr>
+        <p:spPr>
+          <a:xfrm>
+            <a:off x="3368824" y="1988840"/>
+            <a:ext cx="2172390" cy="646331"/>
+          </a:xfrm>
+          <a:prstGeom prst="rect">
+            <a:avLst/>
+          </a:prstGeom>
+          <a:noFill/>
+        </p:spPr>
+        <p:txBody>
+          <a:bodyPr wrap="none" rtlCol="0">
+            <a:spAutoFit/>
+          </a:bodyPr>
+          <a:lstStyle/>
+          <a:p>
+            <a:pPr algn="ctr"/>
+            <a:r>
+              <a:rPr kumimoji="1" lang="ja-JP" altLang="en-US"/>
+              <a:t>元の世界</a:t>
+            </a:r>
+            <a:endParaRPr kumimoji="1" lang="en-US" altLang="ja-JP"/>
+          </a:p>
+          <a:p>
+            <a:pPr algn="ctr"/>
+            <a:r>
+              <a:rPr kumimoji="1" lang="en-US" altLang="ja-JP"/>
+              <a:t>(</a:t>
+            </a:r>
+            <a:r>
+              <a:rPr kumimoji="1" lang="ja-JP" altLang="en-US"/>
+              <a:t>グローバルデータ</a:t>
+            </a:r>
+            <a:r>
+              <a:rPr kumimoji="1" lang="en-US" altLang="ja-JP"/>
+              <a:t>)</a:t>
+            </a:r>
+            <a:endParaRPr kumimoji="1" lang="ja-JP" altLang="en-US"/>
+          </a:p>
+        </p:txBody>
+      </p:sp>
+      <p:sp>
+        <p:nvSpPr>
+          <p:cNvPr id="40" name="正方形/長方形 39">
+            <a:extLst>
+              <a:ext uri="{FF2B5EF4-FFF2-40B4-BE49-F238E27FC236}">
+                <a16:creationId xmlns:a16="http://schemas.microsoft.com/office/drawing/2014/main" id="{91ED7E59-2632-FB46-86CC-1A393509454C}"/>
+              </a:ext>
+            </a:extLst>
+          </p:cNvPr>
+          <p:cNvSpPr/>
+          <p:nvPr/>
+        </p:nvSpPr>
+        <p:spPr>
+          <a:xfrm>
+            <a:off x="1640632" y="3645024"/>
+            <a:ext cx="360040" cy="360040"/>
+          </a:xfrm>
+          <a:prstGeom prst="rect">
+            <a:avLst/>
+          </a:prstGeom>
+          <a:solidFill>
+            <a:srgbClr val="FF0000"/>
+          </a:solidFill>
+          <a:ln>
+            <a:solidFill>
+              <a:schemeClr val="tx1"/>
+            </a:solidFill>
+          </a:ln>
+        </p:spPr>
+        <p:style>
+          <a:lnRef idx="2">
+            <a:schemeClr val="accent1">
+              <a:shade val="50000"/>
+            </a:schemeClr>
+          </a:lnRef>
+          <a:fillRef idx="1">
+            <a:schemeClr val="accent1"/>
+          </a:fillRef>
+          <a:effectRef idx="0">
+            <a:schemeClr val="accent1"/>
+          </a:effectRef>
+          <a:fontRef idx="minor">
+            <a:schemeClr val="lt1"/>
+          </a:fontRef>
+        </p:style>
+        <p:txBody>
+          <a:bodyPr rtlCol="0" anchor="ctr"/>
+          <a:lstStyle/>
+          <a:p>
+            <a:pPr algn="ctr"/>
+            <a:endParaRPr kumimoji="1" lang="ja-JP" altLang="en-US"/>
+          </a:p>
+        </p:txBody>
+      </p:sp>
+      <p:sp>
+        <p:nvSpPr>
+          <p:cNvPr id="41" name="正方形/長方形 40">
+            <a:extLst>
+              <a:ext uri="{FF2B5EF4-FFF2-40B4-BE49-F238E27FC236}">
+                <a16:creationId xmlns:a16="http://schemas.microsoft.com/office/drawing/2014/main" id="{B1151093-4A26-034F-B2E5-4F70C2AA8763}"/>
+              </a:ext>
+            </a:extLst>
+          </p:cNvPr>
+          <p:cNvSpPr/>
+          <p:nvPr/>
+        </p:nvSpPr>
+        <p:spPr>
+          <a:xfrm>
+            <a:off x="2072680" y="3645024"/>
+            <a:ext cx="360040" cy="360040"/>
+          </a:xfrm>
+          <a:prstGeom prst="rect">
+            <a:avLst/>
+          </a:prstGeom>
+          <a:solidFill>
+            <a:srgbClr val="FF0000"/>
+          </a:solidFill>
+          <a:ln>
+            <a:solidFill>
+              <a:schemeClr val="tx1"/>
+            </a:solidFill>
+          </a:ln>
+        </p:spPr>
+        <p:style>
+          <a:lnRef idx="2">
+            <a:schemeClr val="accent1">
+              <a:shade val="50000"/>
+            </a:schemeClr>
+          </a:lnRef>
+          <a:fillRef idx="1">
+            <a:schemeClr val="accent1"/>
+          </a:fillRef>
+          <a:effectRef idx="0">
+            <a:schemeClr val="accent1"/>
+          </a:effectRef>
+          <a:fontRef idx="minor">
+            <a:schemeClr val="lt1"/>
+          </a:fontRef>
+        </p:style>
+        <p:txBody>
+          <a:bodyPr rtlCol="0" anchor="ctr"/>
+          <a:lstStyle/>
+          <a:p>
+            <a:pPr algn="ctr"/>
+            <a:endParaRPr kumimoji="1" lang="ja-JP" altLang="en-US"/>
+          </a:p>
+        </p:txBody>
+      </p:sp>
+      <p:sp>
+        <p:nvSpPr>
+          <p:cNvPr id="42" name="正方形/長方形 41">
+            <a:extLst>
+              <a:ext uri="{FF2B5EF4-FFF2-40B4-BE49-F238E27FC236}">
+                <a16:creationId xmlns:a16="http://schemas.microsoft.com/office/drawing/2014/main" id="{928B45CA-9CCA-BF4D-A738-7543DE4314B2}"/>
+              </a:ext>
+            </a:extLst>
+          </p:cNvPr>
+          <p:cNvSpPr/>
+          <p:nvPr/>
+        </p:nvSpPr>
+        <p:spPr>
+          <a:xfrm>
+            <a:off x="2504728" y="3645024"/>
+            <a:ext cx="360040" cy="360040"/>
+          </a:xfrm>
+          <a:prstGeom prst="rect">
+            <a:avLst/>
+          </a:prstGeom>
+          <a:solidFill>
+            <a:srgbClr val="FF0000"/>
+          </a:solidFill>
+          <a:ln>
+            <a:solidFill>
+              <a:schemeClr val="tx1"/>
+            </a:solidFill>
+          </a:ln>
+        </p:spPr>
+        <p:style>
+          <a:lnRef idx="2">
+            <a:schemeClr val="accent1">
+              <a:shade val="50000"/>
+            </a:schemeClr>
+          </a:lnRef>
+          <a:fillRef idx="1">
+            <a:schemeClr val="accent1"/>
+          </a:fillRef>
+          <a:effectRef idx="0">
+            <a:schemeClr val="accent1"/>
+          </a:effectRef>
+          <a:fontRef idx="minor">
+            <a:schemeClr val="lt1"/>
+          </a:fontRef>
+        </p:style>
+        <p:txBody>
+          <a:bodyPr rtlCol="0" anchor="ctr"/>
+          <a:lstStyle/>
+          <a:p>
+            <a:pPr algn="ctr"/>
+            <a:endParaRPr kumimoji="1" lang="ja-JP" altLang="en-US"/>
+          </a:p>
+        </p:txBody>
+      </p:sp>
+      <p:sp>
+        <p:nvSpPr>
+          <p:cNvPr id="43" name="正方形/長方形 42">
+            <a:extLst>
+              <a:ext uri="{FF2B5EF4-FFF2-40B4-BE49-F238E27FC236}">
+                <a16:creationId xmlns:a16="http://schemas.microsoft.com/office/drawing/2014/main" id="{30C99AC6-B020-E348-A562-7555DC41FDF0}"/>
+              </a:ext>
+            </a:extLst>
+          </p:cNvPr>
+          <p:cNvSpPr/>
+          <p:nvPr/>
+        </p:nvSpPr>
+        <p:spPr>
+          <a:xfrm>
+            <a:off x="2936776" y="3645024"/>
+            <a:ext cx="360040" cy="360040"/>
+          </a:xfrm>
+          <a:prstGeom prst="rect">
+            <a:avLst/>
+          </a:prstGeom>
+          <a:solidFill>
+            <a:srgbClr val="FF0000"/>
+          </a:solidFill>
+          <a:ln>
+            <a:solidFill>
+              <a:schemeClr val="tx1"/>
+            </a:solidFill>
+          </a:ln>
+        </p:spPr>
+        <p:style>
+          <a:lnRef idx="2">
+            <a:schemeClr val="accent1">
+              <a:shade val="50000"/>
+            </a:schemeClr>
+          </a:lnRef>
+          <a:fillRef idx="1">
+            <a:schemeClr val="accent1"/>
+          </a:fillRef>
+          <a:effectRef idx="0">
+            <a:schemeClr val="accent1"/>
+          </a:effectRef>
+          <a:fontRef idx="minor">
+            <a:schemeClr val="lt1"/>
+          </a:fontRef>
+        </p:style>
+        <p:txBody>
+          <a:bodyPr rtlCol="0" anchor="ctr"/>
+          <a:lstStyle/>
+          <a:p>
+            <a:pPr algn="ctr"/>
+            <a:endParaRPr kumimoji="1" lang="ja-JP" altLang="en-US"/>
+          </a:p>
+        </p:txBody>
+      </p:sp>
+      <p:sp>
+        <p:nvSpPr>
+          <p:cNvPr id="44" name="正方形/長方形 43">
+            <a:extLst>
+              <a:ext uri="{FF2B5EF4-FFF2-40B4-BE49-F238E27FC236}">
+                <a16:creationId xmlns:a16="http://schemas.microsoft.com/office/drawing/2014/main" id="{D099698C-76FE-4144-9A9E-45CEAD461780}"/>
+              </a:ext>
+            </a:extLst>
+          </p:cNvPr>
+          <p:cNvSpPr/>
+          <p:nvPr/>
+        </p:nvSpPr>
+        <p:spPr>
+          <a:xfrm>
+            <a:off x="3368824" y="3645024"/>
+            <a:ext cx="360040" cy="360040"/>
+          </a:xfrm>
+          <a:prstGeom prst="rect">
+            <a:avLst/>
+          </a:prstGeom>
+          <a:solidFill>
+            <a:schemeClr val="bg1"/>
+          </a:solidFill>
+        </p:spPr>
+        <p:style>
+          <a:lnRef idx="2">
+            <a:schemeClr val="accent1">
+              <a:shade val="50000"/>
+            </a:schemeClr>
+          </a:lnRef>
+          <a:fillRef idx="1">
+            <a:schemeClr val="accent1"/>
+          </a:fillRef>
+          <a:effectRef idx="0">
+            <a:schemeClr val="accent1"/>
+          </a:effectRef>
+          <a:fontRef idx="minor">
+            <a:schemeClr val="lt1"/>
+          </a:fontRef>
+        </p:style>
+        <p:txBody>
+          <a:bodyPr rtlCol="0" anchor="ctr"/>
+          <a:lstStyle/>
+          <a:p>
+            <a:pPr algn="ctr"/>
+            <a:endParaRPr kumimoji="1" lang="ja-JP" altLang="en-US"/>
+          </a:p>
+        </p:txBody>
+      </p:sp>
+      <p:sp>
+        <p:nvSpPr>
+          <p:cNvPr id="45" name="正方形/長方形 44">
+            <a:extLst>
+              <a:ext uri="{FF2B5EF4-FFF2-40B4-BE49-F238E27FC236}">
+                <a16:creationId xmlns:a16="http://schemas.microsoft.com/office/drawing/2014/main" id="{4310F876-07AF-B84D-806B-E06DE95212FA}"/>
+              </a:ext>
+            </a:extLst>
+          </p:cNvPr>
+          <p:cNvSpPr/>
+          <p:nvPr/>
+        </p:nvSpPr>
+        <p:spPr>
+          <a:xfrm>
+            <a:off x="1208584" y="3645024"/>
+            <a:ext cx="360040" cy="360040"/>
+          </a:xfrm>
+          <a:prstGeom prst="rect">
+            <a:avLst/>
+          </a:prstGeom>
+          <a:solidFill>
+            <a:schemeClr val="bg1"/>
+          </a:solidFill>
+        </p:spPr>
+        <p:style>
+          <a:lnRef idx="2">
+            <a:schemeClr val="accent1">
+              <a:shade val="50000"/>
+            </a:schemeClr>
+          </a:lnRef>
+          <a:fillRef idx="1">
+            <a:schemeClr val="accent1"/>
+          </a:fillRef>
+          <a:effectRef idx="0">
+            <a:schemeClr val="accent1"/>
+          </a:effectRef>
+          <a:fontRef idx="minor">
+            <a:schemeClr val="lt1"/>
+          </a:fontRef>
+        </p:style>
+        <p:txBody>
+          <a:bodyPr rtlCol="0" anchor="ctr"/>
+          <a:lstStyle/>
+          <a:p>
+            <a:pPr algn="ctr"/>
+            <a:endParaRPr kumimoji="1" lang="ja-JP" altLang="en-US"/>
+          </a:p>
+        </p:txBody>
+      </p:sp>
+      <p:sp>
+        <p:nvSpPr>
+          <p:cNvPr id="46" name="正方形/長方形 45">
+            <a:extLst>
+              <a:ext uri="{FF2B5EF4-FFF2-40B4-BE49-F238E27FC236}">
+                <a16:creationId xmlns:a16="http://schemas.microsoft.com/office/drawing/2014/main" id="{4A2EF17A-3267-8047-9FAE-90A2917407E6}"/>
+              </a:ext>
+            </a:extLst>
+          </p:cNvPr>
+          <p:cNvSpPr/>
+          <p:nvPr/>
+        </p:nvSpPr>
+        <p:spPr>
+          <a:xfrm>
+            <a:off x="5673080" y="3645024"/>
+            <a:ext cx="360040" cy="360040"/>
+          </a:xfrm>
+          <a:prstGeom prst="rect">
+            <a:avLst/>
+          </a:prstGeom>
+          <a:solidFill>
+            <a:srgbClr val="00B050"/>
+          </a:solidFill>
+          <a:ln>
+            <a:solidFill>
+              <a:schemeClr val="tx1"/>
+            </a:solidFill>
+          </a:ln>
+        </p:spPr>
+        <p:style>
+          <a:lnRef idx="2">
+            <a:schemeClr val="accent1">
+              <a:shade val="50000"/>
+            </a:schemeClr>
+          </a:lnRef>
+          <a:fillRef idx="1">
+            <a:schemeClr val="accent1"/>
+          </a:fillRef>
+          <a:effectRef idx="0">
+            <a:schemeClr val="accent1"/>
+          </a:effectRef>
+          <a:fontRef idx="minor">
+            <a:schemeClr val="lt1"/>
+          </a:fontRef>
+        </p:style>
+        <p:txBody>
+          <a:bodyPr rtlCol="0" anchor="ctr"/>
+          <a:lstStyle/>
+          <a:p>
+            <a:pPr algn="ctr"/>
+            <a:endParaRPr kumimoji="1" lang="ja-JP" altLang="en-US"/>
+          </a:p>
+        </p:txBody>
+      </p:sp>
+      <p:sp>
+        <p:nvSpPr>
+          <p:cNvPr id="47" name="正方形/長方形 46">
+            <a:extLst>
+              <a:ext uri="{FF2B5EF4-FFF2-40B4-BE49-F238E27FC236}">
+                <a16:creationId xmlns:a16="http://schemas.microsoft.com/office/drawing/2014/main" id="{0AFF6B31-296B-774D-8591-5303F5A0A8B3}"/>
+              </a:ext>
+            </a:extLst>
+          </p:cNvPr>
+          <p:cNvSpPr/>
+          <p:nvPr/>
+        </p:nvSpPr>
+        <p:spPr>
+          <a:xfrm>
+            <a:off x="6105128" y="3645024"/>
+            <a:ext cx="360040" cy="360040"/>
+          </a:xfrm>
+          <a:prstGeom prst="rect">
+            <a:avLst/>
+          </a:prstGeom>
+          <a:solidFill>
+            <a:srgbClr val="00B050"/>
+          </a:solidFill>
+          <a:ln>
+            <a:solidFill>
+              <a:schemeClr val="tx1"/>
+            </a:solidFill>
+          </a:ln>
+        </p:spPr>
+        <p:style>
+          <a:lnRef idx="2">
+            <a:schemeClr val="accent1">
+              <a:shade val="50000"/>
+            </a:schemeClr>
+          </a:lnRef>
+          <a:fillRef idx="1">
+            <a:schemeClr val="accent1"/>
+          </a:fillRef>
+          <a:effectRef idx="0">
+            <a:schemeClr val="accent1"/>
+          </a:effectRef>
+          <a:fontRef idx="minor">
+            <a:schemeClr val="lt1"/>
+          </a:fontRef>
+        </p:style>
+        <p:txBody>
+          <a:bodyPr rtlCol="0" anchor="ctr"/>
+          <a:lstStyle/>
+          <a:p>
+            <a:pPr algn="ctr"/>
+            <a:endParaRPr kumimoji="1" lang="ja-JP" altLang="en-US"/>
+          </a:p>
+        </p:txBody>
+      </p:sp>
+      <p:sp>
+        <p:nvSpPr>
+          <p:cNvPr id="48" name="正方形/長方形 47">
+            <a:extLst>
+              <a:ext uri="{FF2B5EF4-FFF2-40B4-BE49-F238E27FC236}">
+                <a16:creationId xmlns:a16="http://schemas.microsoft.com/office/drawing/2014/main" id="{191F6B36-7B24-5E4C-A7B1-B7714F7083B9}"/>
+              </a:ext>
+            </a:extLst>
+          </p:cNvPr>
+          <p:cNvSpPr/>
+          <p:nvPr/>
+        </p:nvSpPr>
+        <p:spPr>
+          <a:xfrm>
+            <a:off x="6537176" y="3645024"/>
+            <a:ext cx="360040" cy="360040"/>
+          </a:xfrm>
+          <a:prstGeom prst="rect">
+            <a:avLst/>
+          </a:prstGeom>
+          <a:solidFill>
+            <a:srgbClr val="00B050"/>
+          </a:solidFill>
+          <a:ln>
+            <a:solidFill>
+              <a:schemeClr val="tx1"/>
+            </a:solidFill>
+          </a:ln>
+        </p:spPr>
+        <p:style>
+          <a:lnRef idx="2">
+            <a:schemeClr val="accent1">
+              <a:shade val="50000"/>
+            </a:schemeClr>
+          </a:lnRef>
+          <a:fillRef idx="1">
+            <a:schemeClr val="accent1"/>
+          </a:fillRef>
+          <a:effectRef idx="0">
+            <a:schemeClr val="accent1"/>
+          </a:effectRef>
+          <a:fontRef idx="minor">
+            <a:schemeClr val="lt1"/>
+          </a:fontRef>
+        </p:style>
+        <p:txBody>
+          <a:bodyPr rtlCol="0" anchor="ctr"/>
+          <a:lstStyle/>
+          <a:p>
+            <a:pPr algn="ctr"/>
+            <a:endParaRPr kumimoji="1" lang="ja-JP" altLang="en-US"/>
+          </a:p>
+        </p:txBody>
+      </p:sp>
+      <p:sp>
+        <p:nvSpPr>
+          <p:cNvPr id="49" name="正方形/長方形 48">
+            <a:extLst>
+              <a:ext uri="{FF2B5EF4-FFF2-40B4-BE49-F238E27FC236}">
+                <a16:creationId xmlns:a16="http://schemas.microsoft.com/office/drawing/2014/main" id="{01F85F7C-4628-E342-A381-EF0E5408E40D}"/>
+              </a:ext>
+            </a:extLst>
+          </p:cNvPr>
+          <p:cNvSpPr/>
+          <p:nvPr/>
+        </p:nvSpPr>
+        <p:spPr>
+          <a:xfrm>
+            <a:off x="6969224" y="3645024"/>
+            <a:ext cx="360040" cy="360040"/>
+          </a:xfrm>
+          <a:prstGeom prst="rect">
+            <a:avLst/>
+          </a:prstGeom>
+          <a:solidFill>
+            <a:srgbClr val="00B050"/>
+          </a:solidFill>
+          <a:ln>
+            <a:solidFill>
+              <a:schemeClr val="tx1"/>
+            </a:solidFill>
+          </a:ln>
+        </p:spPr>
+        <p:style>
+          <a:lnRef idx="2">
+            <a:schemeClr val="accent1">
+              <a:shade val="50000"/>
+            </a:schemeClr>
+          </a:lnRef>
+          <a:fillRef idx="1">
+            <a:schemeClr val="accent1"/>
+          </a:fillRef>
+          <a:effectRef idx="0">
+            <a:schemeClr val="accent1"/>
+          </a:effectRef>
+          <a:fontRef idx="minor">
+            <a:schemeClr val="lt1"/>
+          </a:fontRef>
+        </p:style>
+        <p:txBody>
+          <a:bodyPr rtlCol="0" anchor="ctr"/>
+          <a:lstStyle/>
+          <a:p>
+            <a:pPr algn="ctr"/>
+            <a:endParaRPr kumimoji="1" lang="ja-JP" altLang="en-US"/>
+          </a:p>
+        </p:txBody>
+      </p:sp>
+      <p:sp>
+        <p:nvSpPr>
+          <p:cNvPr id="50" name="正方形/長方形 49">
+            <a:extLst>
+              <a:ext uri="{FF2B5EF4-FFF2-40B4-BE49-F238E27FC236}">
+                <a16:creationId xmlns:a16="http://schemas.microsoft.com/office/drawing/2014/main" id="{05D6E1AD-987F-7747-8932-CA81C557C006}"/>
+              </a:ext>
+            </a:extLst>
+          </p:cNvPr>
+          <p:cNvSpPr/>
+          <p:nvPr/>
+        </p:nvSpPr>
+        <p:spPr>
+          <a:xfrm>
+            <a:off x="7401272" y="3645024"/>
+            <a:ext cx="360040" cy="360040"/>
+          </a:xfrm>
+          <a:prstGeom prst="rect">
+            <a:avLst/>
+          </a:prstGeom>
+          <a:solidFill>
+            <a:schemeClr val="bg1"/>
+          </a:solidFill>
+        </p:spPr>
+        <p:style>
+          <a:lnRef idx="2">
+            <a:schemeClr val="accent1">
+              <a:shade val="50000"/>
+            </a:schemeClr>
+          </a:lnRef>
+          <a:fillRef idx="1">
+            <a:schemeClr val="accent1"/>
+          </a:fillRef>
+          <a:effectRef idx="0">
+            <a:schemeClr val="accent1"/>
+          </a:effectRef>
+          <a:fontRef idx="minor">
+            <a:schemeClr val="lt1"/>
+          </a:fontRef>
+        </p:style>
+        <p:txBody>
+          <a:bodyPr rtlCol="0" anchor="ctr"/>
+          <a:lstStyle/>
+          <a:p>
+            <a:pPr algn="ctr"/>
+            <a:endParaRPr kumimoji="1" lang="ja-JP" altLang="en-US"/>
+          </a:p>
+        </p:txBody>
+      </p:sp>
+      <p:sp>
+        <p:nvSpPr>
+          <p:cNvPr id="51" name="正方形/長方形 50">
+            <a:extLst>
+              <a:ext uri="{FF2B5EF4-FFF2-40B4-BE49-F238E27FC236}">
+                <a16:creationId xmlns:a16="http://schemas.microsoft.com/office/drawing/2014/main" id="{9127B5CB-33C6-6445-87B5-AFF0DB7E0536}"/>
+              </a:ext>
+            </a:extLst>
+          </p:cNvPr>
+          <p:cNvSpPr/>
+          <p:nvPr/>
+        </p:nvSpPr>
+        <p:spPr>
+          <a:xfrm>
+            <a:off x="5241032" y="3645024"/>
+            <a:ext cx="360040" cy="360040"/>
+          </a:xfrm>
+          <a:prstGeom prst="rect">
+            <a:avLst/>
+          </a:prstGeom>
+          <a:solidFill>
+            <a:schemeClr val="bg1"/>
+          </a:solidFill>
+        </p:spPr>
+        <p:style>
+          <a:lnRef idx="2">
+            <a:schemeClr val="accent1">
+              <a:shade val="50000"/>
+            </a:schemeClr>
+          </a:lnRef>
+          <a:fillRef idx="1">
+            <a:schemeClr val="accent1"/>
+          </a:fillRef>
+          <a:effectRef idx="0">
+            <a:schemeClr val="accent1"/>
+          </a:effectRef>
+          <a:fontRef idx="minor">
+            <a:schemeClr val="lt1"/>
+          </a:fontRef>
+        </p:style>
+        <p:txBody>
+          <a:bodyPr rtlCol="0" anchor="ctr"/>
+          <a:lstStyle/>
+          <a:p>
+            <a:pPr algn="ctr"/>
+            <a:endParaRPr kumimoji="1" lang="ja-JP" altLang="en-US"/>
+          </a:p>
+        </p:txBody>
+      </p:sp>
+      <p:cxnSp>
+        <p:nvCxnSpPr>
+          <p:cNvPr id="53" name="直線矢印コネクタ 52">
+            <a:extLst>
+              <a:ext uri="{FF2B5EF4-FFF2-40B4-BE49-F238E27FC236}">
+                <a16:creationId xmlns:a16="http://schemas.microsoft.com/office/drawing/2014/main" id="{F56DDA63-D90A-D743-BBEF-A0DB8E8ED1DB}"/>
+              </a:ext>
+            </a:extLst>
+          </p:cNvPr>
+          <p:cNvCxnSpPr>
+            <a:cxnSpLocks/>
+          </p:cNvCxnSpPr>
+          <p:nvPr/>
+        </p:nvCxnSpPr>
+        <p:spPr>
+          <a:xfrm flipH="1">
+            <a:off x="2936776" y="3139440"/>
+            <a:ext cx="680184" cy="361568"/>
+          </a:xfrm>
+          <a:prstGeom prst="straightConnector1">
+            <a:avLst/>
+          </a:prstGeom>
+          <a:ln>
+            <a:solidFill>
+              <a:schemeClr val="tx1"/>
+            </a:solidFill>
+            <a:tailEnd type="triangle"/>
+          </a:ln>
+        </p:spPr>
+        <p:style>
+          <a:lnRef idx="1">
+            <a:schemeClr val="accent1"/>
+          </a:lnRef>
+          <a:fillRef idx="0">
+            <a:schemeClr val="accent1"/>
+          </a:fillRef>
+          <a:effectRef idx="0">
+            <a:schemeClr val="accent1"/>
+          </a:effectRef>
+          <a:fontRef idx="minor">
+            <a:schemeClr val="tx1"/>
+          </a:fontRef>
+        </p:style>
+      </p:cxnSp>
+      <p:cxnSp>
+        <p:nvCxnSpPr>
+          <p:cNvPr id="55" name="直線矢印コネクタ 54">
+            <a:extLst>
+              <a:ext uri="{FF2B5EF4-FFF2-40B4-BE49-F238E27FC236}">
+                <a16:creationId xmlns:a16="http://schemas.microsoft.com/office/drawing/2014/main" id="{031D0855-4CCD-0045-9157-EF9C52AC3A6A}"/>
+              </a:ext>
+            </a:extLst>
+          </p:cNvPr>
+          <p:cNvCxnSpPr>
+            <a:cxnSpLocks/>
+          </p:cNvCxnSpPr>
+          <p:nvPr/>
+        </p:nvCxnSpPr>
+        <p:spPr>
+          <a:xfrm>
+            <a:off x="5385048" y="3140968"/>
+            <a:ext cx="648072" cy="360040"/>
+          </a:xfrm>
+          <a:prstGeom prst="straightConnector1">
+            <a:avLst/>
+          </a:prstGeom>
+          <a:ln>
+            <a:solidFill>
+              <a:schemeClr val="tx1"/>
+            </a:solidFill>
+            <a:tailEnd type="triangle"/>
+          </a:ln>
+        </p:spPr>
+        <p:style>
+          <a:lnRef idx="1">
+            <a:schemeClr val="accent1"/>
+          </a:lnRef>
+          <a:fillRef idx="0">
+            <a:schemeClr val="accent1"/>
+          </a:fillRef>
+          <a:effectRef idx="0">
+            <a:schemeClr val="accent1"/>
+          </a:effectRef>
+          <a:fontRef idx="minor">
+            <a:schemeClr val="tx1"/>
+          </a:fontRef>
+        </p:style>
+      </p:cxnSp>
+      <p:sp>
+        <p:nvSpPr>
+          <p:cNvPr id="58" name="テキスト ボックス 57">
+            <a:extLst>
+              <a:ext uri="{FF2B5EF4-FFF2-40B4-BE49-F238E27FC236}">
+                <a16:creationId xmlns:a16="http://schemas.microsoft.com/office/drawing/2014/main" id="{49C16C4C-BA83-0C4D-83E2-02CEF66651D0}"/>
+              </a:ext>
+            </a:extLst>
+          </p:cNvPr>
+          <p:cNvSpPr txBox="1"/>
+          <p:nvPr/>
+        </p:nvSpPr>
+        <p:spPr>
+          <a:xfrm>
+            <a:off x="5673080" y="3068960"/>
+            <a:ext cx="3185487" cy="369332"/>
+          </a:xfrm>
+          <a:prstGeom prst="rect">
+            <a:avLst/>
+          </a:prstGeom>
+          <a:noFill/>
+          <a:ln>
+            <a:noFill/>
+          </a:ln>
+        </p:spPr>
+        <p:txBody>
+          <a:bodyPr wrap="none" rtlCol="0">
+            <a:spAutoFit/>
+          </a:bodyPr>
+          <a:lstStyle/>
+          <a:p>
+            <a:r>
+              <a:rPr kumimoji="1" lang="ja-JP" altLang="en-US"/>
+              <a:t>「のりしろ」付きで領域分割</a:t>
+            </a:r>
+          </a:p>
+        </p:txBody>
+      </p:sp>
+      <p:sp>
+        <p:nvSpPr>
+          <p:cNvPr id="59" name="正方形/長方形 58">
+            <a:extLst>
+              <a:ext uri="{FF2B5EF4-FFF2-40B4-BE49-F238E27FC236}">
+                <a16:creationId xmlns:a16="http://schemas.microsoft.com/office/drawing/2014/main" id="{F0ECC09C-E5C2-984B-AEF6-71EE28619D2C}"/>
+              </a:ext>
+            </a:extLst>
+          </p:cNvPr>
+          <p:cNvSpPr/>
+          <p:nvPr/>
+        </p:nvSpPr>
+        <p:spPr>
+          <a:xfrm>
+            <a:off x="1568624" y="4941168"/>
+            <a:ext cx="360040" cy="360040"/>
+          </a:xfrm>
+          <a:prstGeom prst="rect">
+            <a:avLst/>
+          </a:prstGeom>
+          <a:solidFill>
+            <a:srgbClr val="FF0000"/>
+          </a:solidFill>
+          <a:ln>
+            <a:solidFill>
+              <a:schemeClr val="tx1"/>
+            </a:solidFill>
+          </a:ln>
+        </p:spPr>
+        <p:style>
+          <a:lnRef idx="2">
+            <a:schemeClr val="accent1">
+              <a:shade val="50000"/>
+            </a:schemeClr>
+          </a:lnRef>
+          <a:fillRef idx="1">
+            <a:schemeClr val="accent1"/>
+          </a:fillRef>
+          <a:effectRef idx="0">
+            <a:schemeClr val="accent1"/>
+          </a:effectRef>
+          <a:fontRef idx="minor">
+            <a:schemeClr val="lt1"/>
+          </a:fontRef>
+        </p:style>
+        <p:txBody>
+          <a:bodyPr rtlCol="0" anchor="ctr"/>
+          <a:lstStyle/>
+          <a:p>
+            <a:pPr algn="ctr"/>
+            <a:endParaRPr kumimoji="1" lang="ja-JP" altLang="en-US"/>
+          </a:p>
+        </p:txBody>
+      </p:sp>
+      <p:sp>
+        <p:nvSpPr>
+          <p:cNvPr id="60" name="正方形/長方形 59">
+            <a:extLst>
+              <a:ext uri="{FF2B5EF4-FFF2-40B4-BE49-F238E27FC236}">
+                <a16:creationId xmlns:a16="http://schemas.microsoft.com/office/drawing/2014/main" id="{0DA0E982-0DC1-1449-A13D-A6D83D274F90}"/>
+              </a:ext>
+            </a:extLst>
+          </p:cNvPr>
+          <p:cNvSpPr/>
+          <p:nvPr/>
+        </p:nvSpPr>
+        <p:spPr>
+          <a:xfrm>
+            <a:off x="2000672" y="4941168"/>
+            <a:ext cx="360040" cy="360040"/>
+          </a:xfrm>
+          <a:prstGeom prst="rect">
+            <a:avLst/>
+          </a:prstGeom>
+          <a:solidFill>
+            <a:srgbClr val="FF0000"/>
+          </a:solidFill>
+          <a:ln>
+            <a:solidFill>
+              <a:schemeClr val="tx1"/>
+            </a:solidFill>
+          </a:ln>
+        </p:spPr>
+        <p:style>
+          <a:lnRef idx="2">
+            <a:schemeClr val="accent1">
+              <a:shade val="50000"/>
+            </a:schemeClr>
+          </a:lnRef>
+          <a:fillRef idx="1">
+            <a:schemeClr val="accent1"/>
+          </a:fillRef>
+          <a:effectRef idx="0">
+            <a:schemeClr val="accent1"/>
+          </a:effectRef>
+          <a:fontRef idx="minor">
+            <a:schemeClr val="lt1"/>
+          </a:fontRef>
+        </p:style>
+        <p:txBody>
+          <a:bodyPr rtlCol="0" anchor="ctr"/>
+          <a:lstStyle/>
+          <a:p>
+            <a:pPr algn="ctr"/>
+            <a:endParaRPr kumimoji="1" lang="ja-JP" altLang="en-US"/>
+          </a:p>
+        </p:txBody>
+      </p:sp>
+      <p:sp>
+        <p:nvSpPr>
+          <p:cNvPr id="61" name="正方形/長方形 60">
+            <a:extLst>
+              <a:ext uri="{FF2B5EF4-FFF2-40B4-BE49-F238E27FC236}">
+                <a16:creationId xmlns:a16="http://schemas.microsoft.com/office/drawing/2014/main" id="{F74062DB-05F2-1349-ABF2-6B6CF393CF9F}"/>
+              </a:ext>
+            </a:extLst>
+          </p:cNvPr>
+          <p:cNvSpPr/>
+          <p:nvPr/>
+        </p:nvSpPr>
+        <p:spPr>
+          <a:xfrm>
+            <a:off x="2432720" y="4941168"/>
+            <a:ext cx="360040" cy="360040"/>
+          </a:xfrm>
+          <a:prstGeom prst="rect">
+            <a:avLst/>
+          </a:prstGeom>
+          <a:solidFill>
+            <a:srgbClr val="FF0000"/>
+          </a:solidFill>
+          <a:ln>
+            <a:solidFill>
+              <a:schemeClr val="tx1"/>
+            </a:solidFill>
+          </a:ln>
+        </p:spPr>
+        <p:style>
+          <a:lnRef idx="2">
+            <a:schemeClr val="accent1">
+              <a:shade val="50000"/>
+            </a:schemeClr>
+          </a:lnRef>
+          <a:fillRef idx="1">
+            <a:schemeClr val="accent1"/>
+          </a:fillRef>
+          <a:effectRef idx="0">
+            <a:schemeClr val="accent1"/>
+          </a:effectRef>
+          <a:fontRef idx="minor">
+            <a:schemeClr val="lt1"/>
+          </a:fontRef>
+        </p:style>
+        <p:txBody>
+          <a:bodyPr rtlCol="0" anchor="ctr"/>
+          <a:lstStyle/>
+          <a:p>
+            <a:pPr algn="ctr"/>
+            <a:endParaRPr kumimoji="1" lang="ja-JP" altLang="en-US"/>
+          </a:p>
+        </p:txBody>
+      </p:sp>
+      <p:sp>
+        <p:nvSpPr>
+          <p:cNvPr id="62" name="正方形/長方形 61">
+            <a:extLst>
+              <a:ext uri="{FF2B5EF4-FFF2-40B4-BE49-F238E27FC236}">
+                <a16:creationId xmlns:a16="http://schemas.microsoft.com/office/drawing/2014/main" id="{B247E025-6EB6-3A43-9914-A92A8389A2C0}"/>
+              </a:ext>
+            </a:extLst>
+          </p:cNvPr>
+          <p:cNvSpPr/>
+          <p:nvPr/>
+        </p:nvSpPr>
+        <p:spPr>
+          <a:xfrm>
+            <a:off x="2864768" y="4941168"/>
+            <a:ext cx="360040" cy="360040"/>
+          </a:xfrm>
+          <a:prstGeom prst="rect">
+            <a:avLst/>
+          </a:prstGeom>
+          <a:solidFill>
+            <a:srgbClr val="FF0000"/>
+          </a:solidFill>
+          <a:ln>
+            <a:solidFill>
+              <a:schemeClr val="tx1"/>
+            </a:solidFill>
+          </a:ln>
+        </p:spPr>
+        <p:style>
+          <a:lnRef idx="2">
+            <a:schemeClr val="accent1">
+              <a:shade val="50000"/>
+            </a:schemeClr>
+          </a:lnRef>
+          <a:fillRef idx="1">
+            <a:schemeClr val="accent1"/>
+          </a:fillRef>
+          <a:effectRef idx="0">
+            <a:schemeClr val="accent1"/>
+          </a:effectRef>
+          <a:fontRef idx="minor">
+            <a:schemeClr val="lt1"/>
+          </a:fontRef>
+        </p:style>
+        <p:txBody>
+          <a:bodyPr rtlCol="0" anchor="ctr"/>
+          <a:lstStyle/>
+          <a:p>
+            <a:pPr algn="ctr"/>
+            <a:endParaRPr kumimoji="1" lang="ja-JP" altLang="en-US"/>
+          </a:p>
+        </p:txBody>
+      </p:sp>
+      <p:sp>
+        <p:nvSpPr>
+          <p:cNvPr id="63" name="正方形/長方形 62">
+            <a:extLst>
+              <a:ext uri="{FF2B5EF4-FFF2-40B4-BE49-F238E27FC236}">
+                <a16:creationId xmlns:a16="http://schemas.microsoft.com/office/drawing/2014/main" id="{24BA4915-04A0-EC4C-95BB-B04F69559B1E}"/>
+              </a:ext>
+            </a:extLst>
+          </p:cNvPr>
+          <p:cNvSpPr/>
+          <p:nvPr/>
+        </p:nvSpPr>
+        <p:spPr>
+          <a:xfrm>
+            <a:off x="3296816" y="4941168"/>
+            <a:ext cx="360040" cy="360040"/>
+          </a:xfrm>
+          <a:prstGeom prst="rect">
+            <a:avLst/>
+          </a:prstGeom>
+          <a:solidFill>
+            <a:srgbClr val="00B050"/>
+          </a:solidFill>
+          <a:ln w="19050">
+            <a:solidFill>
+              <a:schemeClr val="tx1"/>
+            </a:solidFill>
+            <a:prstDash val="dash"/>
+          </a:ln>
+        </p:spPr>
+        <p:style>
+          <a:lnRef idx="2">
+            <a:schemeClr val="accent1">
+              <a:shade val="50000"/>
+            </a:schemeClr>
+          </a:lnRef>
+          <a:fillRef idx="1">
+            <a:schemeClr val="accent1"/>
+          </a:fillRef>
+          <a:effectRef idx="0">
+            <a:schemeClr val="accent1"/>
+          </a:effectRef>
+          <a:fontRef idx="minor">
+            <a:schemeClr val="lt1"/>
+          </a:fontRef>
+        </p:style>
+        <p:txBody>
+          <a:bodyPr rtlCol="0" anchor="ctr"/>
+          <a:lstStyle/>
+          <a:p>
+            <a:pPr algn="ctr"/>
+            <a:endParaRPr kumimoji="1" lang="ja-JP" altLang="en-US"/>
+          </a:p>
+        </p:txBody>
+      </p:sp>
+      <p:sp>
+        <p:nvSpPr>
+          <p:cNvPr id="64" name="正方形/長方形 63">
+            <a:extLst>
+              <a:ext uri="{FF2B5EF4-FFF2-40B4-BE49-F238E27FC236}">
+                <a16:creationId xmlns:a16="http://schemas.microsoft.com/office/drawing/2014/main" id="{601F66FC-2F7B-2843-9DDB-28ABD2CB2D54}"/>
+              </a:ext>
+            </a:extLst>
+          </p:cNvPr>
+          <p:cNvSpPr/>
+          <p:nvPr/>
+        </p:nvSpPr>
+        <p:spPr>
+          <a:xfrm>
+            <a:off x="1136576" y="4941168"/>
+            <a:ext cx="360040" cy="360040"/>
+          </a:xfrm>
+          <a:prstGeom prst="rect">
+            <a:avLst/>
+          </a:prstGeom>
+          <a:solidFill>
+            <a:schemeClr val="bg1"/>
+          </a:solidFill>
+        </p:spPr>
+        <p:style>
+          <a:lnRef idx="2">
+            <a:schemeClr val="accent1">
+              <a:shade val="50000"/>
+            </a:schemeClr>
+          </a:lnRef>
+          <a:fillRef idx="1">
+            <a:schemeClr val="accent1"/>
+          </a:fillRef>
+          <a:effectRef idx="0">
+            <a:schemeClr val="accent1"/>
+          </a:effectRef>
+          <a:fontRef idx="minor">
+            <a:schemeClr val="lt1"/>
+          </a:fontRef>
+        </p:style>
+        <p:txBody>
+          <a:bodyPr rtlCol="0" anchor="ctr"/>
+          <a:lstStyle/>
+          <a:p>
+            <a:pPr algn="ctr"/>
+            <a:endParaRPr kumimoji="1" lang="ja-JP" altLang="en-US"/>
+          </a:p>
+        </p:txBody>
+      </p:sp>
+      <p:sp>
+        <p:nvSpPr>
+          <p:cNvPr id="65" name="正方形/長方形 64">
+            <a:extLst>
+              <a:ext uri="{FF2B5EF4-FFF2-40B4-BE49-F238E27FC236}">
+                <a16:creationId xmlns:a16="http://schemas.microsoft.com/office/drawing/2014/main" id="{241F6608-6CC9-7943-9A7C-5568EDD5C07B}"/>
+              </a:ext>
+            </a:extLst>
+          </p:cNvPr>
+          <p:cNvSpPr/>
+          <p:nvPr/>
+        </p:nvSpPr>
+        <p:spPr>
+          <a:xfrm>
+            <a:off x="5673080" y="4941168"/>
+            <a:ext cx="360040" cy="360040"/>
+          </a:xfrm>
+          <a:prstGeom prst="rect">
+            <a:avLst/>
+          </a:prstGeom>
+          <a:solidFill>
+            <a:srgbClr val="00B050"/>
+          </a:solidFill>
+          <a:ln>
+            <a:solidFill>
+              <a:schemeClr val="tx1"/>
+            </a:solidFill>
+          </a:ln>
+        </p:spPr>
+        <p:style>
+          <a:lnRef idx="2">
+            <a:schemeClr val="accent1">
+              <a:shade val="50000"/>
+            </a:schemeClr>
+          </a:lnRef>
+          <a:fillRef idx="1">
+            <a:schemeClr val="accent1"/>
+          </a:fillRef>
+          <a:effectRef idx="0">
+            <a:schemeClr val="accent1"/>
+          </a:effectRef>
+          <a:fontRef idx="minor">
+            <a:schemeClr val="lt1"/>
+          </a:fontRef>
+        </p:style>
+        <p:txBody>
+          <a:bodyPr rtlCol="0" anchor="ctr"/>
+          <a:lstStyle/>
+          <a:p>
+            <a:pPr algn="ctr"/>
+            <a:endParaRPr kumimoji="1" lang="ja-JP" altLang="en-US"/>
+          </a:p>
+        </p:txBody>
+      </p:sp>
+      <p:sp>
+        <p:nvSpPr>
+          <p:cNvPr id="66" name="正方形/長方形 65">
+            <a:extLst>
+              <a:ext uri="{FF2B5EF4-FFF2-40B4-BE49-F238E27FC236}">
+                <a16:creationId xmlns:a16="http://schemas.microsoft.com/office/drawing/2014/main" id="{296F2FA8-F63E-074C-B220-926EEBC5EDB1}"/>
+              </a:ext>
+            </a:extLst>
+          </p:cNvPr>
+          <p:cNvSpPr/>
+          <p:nvPr/>
+        </p:nvSpPr>
+        <p:spPr>
+          <a:xfrm>
+            <a:off x="6105128" y="4941168"/>
+            <a:ext cx="360040" cy="360040"/>
+          </a:xfrm>
+          <a:prstGeom prst="rect">
+            <a:avLst/>
+          </a:prstGeom>
+          <a:solidFill>
+            <a:srgbClr val="00B050"/>
+          </a:solidFill>
+          <a:ln>
+            <a:solidFill>
+              <a:schemeClr val="tx1"/>
+            </a:solidFill>
+          </a:ln>
+        </p:spPr>
+        <p:style>
+          <a:lnRef idx="2">
+            <a:schemeClr val="accent1">
+              <a:shade val="50000"/>
+            </a:schemeClr>
+          </a:lnRef>
+          <a:fillRef idx="1">
+            <a:schemeClr val="accent1"/>
+          </a:fillRef>
+          <a:effectRef idx="0">
+            <a:schemeClr val="accent1"/>
+          </a:effectRef>
+          <a:fontRef idx="minor">
+            <a:schemeClr val="lt1"/>
+          </a:fontRef>
+        </p:style>
+        <p:txBody>
+          <a:bodyPr rtlCol="0" anchor="ctr"/>
+          <a:lstStyle/>
+          <a:p>
+            <a:pPr algn="ctr"/>
+            <a:endParaRPr kumimoji="1" lang="ja-JP" altLang="en-US"/>
+          </a:p>
+        </p:txBody>
+      </p:sp>
+      <p:sp>
+        <p:nvSpPr>
+          <p:cNvPr id="67" name="正方形/長方形 66">
+            <a:extLst>
+              <a:ext uri="{FF2B5EF4-FFF2-40B4-BE49-F238E27FC236}">
+                <a16:creationId xmlns:a16="http://schemas.microsoft.com/office/drawing/2014/main" id="{0305915E-0155-D241-8D56-A319CEC1CC4F}"/>
+              </a:ext>
+            </a:extLst>
+          </p:cNvPr>
+          <p:cNvSpPr/>
+          <p:nvPr/>
+        </p:nvSpPr>
+        <p:spPr>
+          <a:xfrm>
+            <a:off x="6537176" y="4941168"/>
+            <a:ext cx="360040" cy="360040"/>
+          </a:xfrm>
+          <a:prstGeom prst="rect">
+            <a:avLst/>
+          </a:prstGeom>
+          <a:solidFill>
+            <a:srgbClr val="00B050"/>
+          </a:solidFill>
+          <a:ln>
+            <a:solidFill>
+              <a:schemeClr val="tx1"/>
+            </a:solidFill>
+          </a:ln>
+        </p:spPr>
+        <p:style>
+          <a:lnRef idx="2">
+            <a:schemeClr val="accent1">
+              <a:shade val="50000"/>
+            </a:schemeClr>
+          </a:lnRef>
+          <a:fillRef idx="1">
+            <a:schemeClr val="accent1"/>
+          </a:fillRef>
+          <a:effectRef idx="0">
+            <a:schemeClr val="accent1"/>
+          </a:effectRef>
+          <a:fontRef idx="minor">
+            <a:schemeClr val="lt1"/>
+          </a:fontRef>
+        </p:style>
+        <p:txBody>
+          <a:bodyPr rtlCol="0" anchor="ctr"/>
+          <a:lstStyle/>
+          <a:p>
+            <a:pPr algn="ctr"/>
+            <a:endParaRPr kumimoji="1" lang="ja-JP" altLang="en-US"/>
+          </a:p>
+        </p:txBody>
+      </p:sp>
+      <p:sp>
+        <p:nvSpPr>
+          <p:cNvPr id="68" name="正方形/長方形 67">
+            <a:extLst>
+              <a:ext uri="{FF2B5EF4-FFF2-40B4-BE49-F238E27FC236}">
+                <a16:creationId xmlns:a16="http://schemas.microsoft.com/office/drawing/2014/main" id="{D521ECBC-4032-734D-A51F-47A3F2D6BE76}"/>
+              </a:ext>
+            </a:extLst>
+          </p:cNvPr>
+          <p:cNvSpPr/>
+          <p:nvPr/>
+        </p:nvSpPr>
+        <p:spPr>
+          <a:xfrm>
+            <a:off x="6969224" y="4941168"/>
+            <a:ext cx="360040" cy="360040"/>
+          </a:xfrm>
+          <a:prstGeom prst="rect">
+            <a:avLst/>
+          </a:prstGeom>
+          <a:solidFill>
+            <a:srgbClr val="00B050"/>
+          </a:solidFill>
+          <a:ln>
+            <a:solidFill>
+              <a:schemeClr val="tx1"/>
+            </a:solidFill>
+          </a:ln>
+        </p:spPr>
+        <p:style>
+          <a:lnRef idx="2">
+            <a:schemeClr val="accent1">
+              <a:shade val="50000"/>
+            </a:schemeClr>
+          </a:lnRef>
+          <a:fillRef idx="1">
+            <a:schemeClr val="accent1"/>
+          </a:fillRef>
+          <a:effectRef idx="0">
+            <a:schemeClr val="accent1"/>
+          </a:effectRef>
+          <a:fontRef idx="minor">
+            <a:schemeClr val="lt1"/>
+          </a:fontRef>
+        </p:style>
+        <p:txBody>
+          <a:bodyPr rtlCol="0" anchor="ctr"/>
+          <a:lstStyle/>
+          <a:p>
+            <a:pPr algn="ctr"/>
+            <a:endParaRPr kumimoji="1" lang="ja-JP" altLang="en-US"/>
+          </a:p>
+        </p:txBody>
+      </p:sp>
+      <p:sp>
+        <p:nvSpPr>
+          <p:cNvPr id="69" name="正方形/長方形 68">
+            <a:extLst>
+              <a:ext uri="{FF2B5EF4-FFF2-40B4-BE49-F238E27FC236}">
+                <a16:creationId xmlns:a16="http://schemas.microsoft.com/office/drawing/2014/main" id="{70551D40-BB50-E740-B57B-5C13D1C4FC27}"/>
+              </a:ext>
+            </a:extLst>
+          </p:cNvPr>
+          <p:cNvSpPr/>
+          <p:nvPr/>
+        </p:nvSpPr>
+        <p:spPr>
+          <a:xfrm>
+            <a:off x="7401272" y="4941168"/>
+            <a:ext cx="360040" cy="360040"/>
+          </a:xfrm>
+          <a:prstGeom prst="rect">
+            <a:avLst/>
+          </a:prstGeom>
+          <a:solidFill>
+            <a:schemeClr val="bg1"/>
+          </a:solidFill>
+        </p:spPr>
+        <p:style>
+          <a:lnRef idx="2">
+            <a:schemeClr val="accent1">
+              <a:shade val="50000"/>
+            </a:schemeClr>
+          </a:lnRef>
+          <a:fillRef idx="1">
+            <a:schemeClr val="accent1"/>
+          </a:fillRef>
+          <a:effectRef idx="0">
+            <a:schemeClr val="accent1"/>
+          </a:effectRef>
+          <a:fontRef idx="minor">
+            <a:schemeClr val="lt1"/>
+          </a:fontRef>
+        </p:style>
+        <p:txBody>
+          <a:bodyPr rtlCol="0" anchor="ctr"/>
+          <a:lstStyle/>
+          <a:p>
+            <a:pPr algn="ctr"/>
+            <a:endParaRPr kumimoji="1" lang="ja-JP" altLang="en-US"/>
+          </a:p>
+        </p:txBody>
+      </p:sp>
+      <p:sp>
+        <p:nvSpPr>
+          <p:cNvPr id="70" name="正方形/長方形 69">
+            <a:extLst>
+              <a:ext uri="{FF2B5EF4-FFF2-40B4-BE49-F238E27FC236}">
+                <a16:creationId xmlns:a16="http://schemas.microsoft.com/office/drawing/2014/main" id="{4A9902BD-0DB7-AB4D-B402-6C45EC6E19A5}"/>
+              </a:ext>
+            </a:extLst>
+          </p:cNvPr>
+          <p:cNvSpPr/>
+          <p:nvPr/>
+        </p:nvSpPr>
+        <p:spPr>
+          <a:xfrm>
+            <a:off x="5241032" y="4941168"/>
+            <a:ext cx="360040" cy="360040"/>
+          </a:xfrm>
+          <a:prstGeom prst="rect">
+            <a:avLst/>
+          </a:prstGeom>
+          <a:solidFill>
+            <a:srgbClr val="FF0000"/>
+          </a:solidFill>
+          <a:ln w="19050">
+            <a:solidFill>
+              <a:schemeClr val="tx1"/>
+            </a:solidFill>
+            <a:prstDash val="dash"/>
+          </a:ln>
+        </p:spPr>
+        <p:style>
+          <a:lnRef idx="2">
+            <a:schemeClr val="accent1">
+              <a:shade val="50000"/>
+            </a:schemeClr>
+          </a:lnRef>
+          <a:fillRef idx="1">
+            <a:schemeClr val="accent1"/>
+          </a:fillRef>
+          <a:effectRef idx="0">
+            <a:schemeClr val="accent1"/>
+          </a:effectRef>
+          <a:fontRef idx="minor">
+            <a:schemeClr val="lt1"/>
+          </a:fontRef>
+        </p:style>
+        <p:txBody>
+          <a:bodyPr rtlCol="0" anchor="ctr"/>
+          <a:lstStyle/>
+          <a:p>
+            <a:pPr algn="ctr"/>
+            <a:endParaRPr kumimoji="1" lang="ja-JP" altLang="en-US"/>
+          </a:p>
+        </p:txBody>
+      </p:sp>
+      <p:cxnSp>
+        <p:nvCxnSpPr>
+          <p:cNvPr id="73" name="カギ線コネクタ 72">
+            <a:extLst>
+              <a:ext uri="{FF2B5EF4-FFF2-40B4-BE49-F238E27FC236}">
+                <a16:creationId xmlns:a16="http://schemas.microsoft.com/office/drawing/2014/main" id="{C8AF2208-B94B-B942-9E33-72651C8CFB1B}"/>
+              </a:ext>
+            </a:extLst>
+          </p:cNvPr>
+          <p:cNvCxnSpPr>
+            <a:cxnSpLocks/>
+            <a:stCxn id="65" idx="0"/>
+            <a:endCxn id="63" idx="0"/>
+          </p:cNvCxnSpPr>
+          <p:nvPr/>
+        </p:nvCxnSpPr>
+        <p:spPr>
+          <a:xfrm rot="16200000" flipV="1">
+            <a:off x="4664968" y="3753036"/>
+            <a:ext cx="12700" cy="2376264"/>
+          </a:xfrm>
+          <a:prstGeom prst="bentConnector3">
+            <a:avLst>
+              <a:gd name="adj1" fmla="val 1800000"/>
+            </a:avLst>
+          </a:prstGeom>
+          <a:ln>
+            <a:solidFill>
+              <a:schemeClr val="tx1"/>
+            </a:solidFill>
+            <a:tailEnd type="triangle"/>
+          </a:ln>
+        </p:spPr>
+        <p:style>
+          <a:lnRef idx="1">
+            <a:schemeClr val="accent1"/>
+          </a:lnRef>
+          <a:fillRef idx="0">
+            <a:schemeClr val="accent1"/>
+          </a:fillRef>
+          <a:effectRef idx="0">
+            <a:schemeClr val="accent1"/>
+          </a:effectRef>
+          <a:fontRef idx="minor">
+            <a:schemeClr val="tx1"/>
+          </a:fontRef>
+        </p:style>
+      </p:cxnSp>
+      <p:cxnSp>
+        <p:nvCxnSpPr>
+          <p:cNvPr id="77" name="カギ線コネクタ 76">
+            <a:extLst>
+              <a:ext uri="{FF2B5EF4-FFF2-40B4-BE49-F238E27FC236}">
+                <a16:creationId xmlns:a16="http://schemas.microsoft.com/office/drawing/2014/main" id="{1A19567B-8278-9A4B-A2FA-A3A27AF68124}"/>
+              </a:ext>
+            </a:extLst>
+          </p:cNvPr>
+          <p:cNvCxnSpPr>
+            <a:cxnSpLocks/>
+            <a:stCxn id="62" idx="0"/>
+            <a:endCxn id="70" idx="0"/>
+          </p:cNvCxnSpPr>
+          <p:nvPr/>
+        </p:nvCxnSpPr>
+        <p:spPr>
+          <a:xfrm rot="5400000" flipH="1" flipV="1">
+            <a:off x="4232920" y="3753036"/>
+            <a:ext cx="12700" cy="2376264"/>
+          </a:xfrm>
+          <a:prstGeom prst="bentConnector3">
+            <a:avLst>
+              <a:gd name="adj1" fmla="val 3400000"/>
+            </a:avLst>
+          </a:prstGeom>
+          <a:ln>
+            <a:solidFill>
+              <a:schemeClr val="tx1"/>
+            </a:solidFill>
+            <a:tailEnd type="triangle"/>
+          </a:ln>
+        </p:spPr>
+        <p:style>
+          <a:lnRef idx="1">
+            <a:schemeClr val="accent1"/>
+          </a:lnRef>
+          <a:fillRef idx="0">
+            <a:schemeClr val="accent1"/>
+          </a:fillRef>
+          <a:effectRef idx="0">
+            <a:schemeClr val="accent1"/>
+          </a:effectRef>
+          <a:fontRef idx="minor">
+            <a:schemeClr val="tx1"/>
+          </a:fontRef>
+        </p:style>
+      </p:cxnSp>
+      <p:sp>
+        <p:nvSpPr>
+          <p:cNvPr id="78" name="テキスト ボックス 77">
+            <a:extLst>
+              <a:ext uri="{FF2B5EF4-FFF2-40B4-BE49-F238E27FC236}">
+                <a16:creationId xmlns:a16="http://schemas.microsoft.com/office/drawing/2014/main" id="{DFE0AE4A-6D85-4143-AFD1-AF444A9B4277}"/>
+              </a:ext>
+            </a:extLst>
+          </p:cNvPr>
+          <p:cNvSpPr txBox="1"/>
+          <p:nvPr/>
+        </p:nvSpPr>
+        <p:spPr>
+          <a:xfrm>
+            <a:off x="3368824" y="4077072"/>
+            <a:ext cx="2262158" cy="369332"/>
+          </a:xfrm>
+          <a:prstGeom prst="rect">
+            <a:avLst/>
+          </a:prstGeom>
+          <a:noFill/>
+        </p:spPr>
+        <p:txBody>
+          <a:bodyPr wrap="none" rtlCol="0">
+            <a:spAutoFit/>
+          </a:bodyPr>
+          <a:lstStyle/>
+          <a:p>
+            <a:r>
+              <a:rPr lang="ja-JP" altLang="en-US"/>
+              <a:t>まず端の情報を交換</a:t>
+            </a:r>
+            <a:endParaRPr kumimoji="1" lang="ja-JP" altLang="en-US"/>
+          </a:p>
+        </p:txBody>
+      </p:sp>
+      <p:sp>
+        <p:nvSpPr>
+          <p:cNvPr id="79" name="テキスト ボックス 78">
+            <a:extLst>
+              <a:ext uri="{FF2B5EF4-FFF2-40B4-BE49-F238E27FC236}">
+                <a16:creationId xmlns:a16="http://schemas.microsoft.com/office/drawing/2014/main" id="{E1AE3BC0-0EEE-CE4F-A901-D0FA4D1C865C}"/>
+              </a:ext>
+            </a:extLst>
+          </p:cNvPr>
+          <p:cNvSpPr txBox="1"/>
+          <p:nvPr/>
+        </p:nvSpPr>
+        <p:spPr>
+          <a:xfrm>
+            <a:off x="658942" y="4941168"/>
+            <a:ext cx="261610" cy="369332"/>
+          </a:xfrm>
+          <a:prstGeom prst="rect">
+            <a:avLst/>
+          </a:prstGeom>
+          <a:noFill/>
+        </p:spPr>
+        <p:txBody>
+          <a:bodyPr wrap="none" rtlCol="0">
+            <a:spAutoFit/>
+          </a:bodyPr>
+          <a:lstStyle/>
+          <a:p>
+            <a:r>
+              <a:rPr kumimoji="1" lang="en-US" altLang="ja-JP"/>
+              <a:t>t</a:t>
+            </a:r>
+            <a:endParaRPr kumimoji="1" lang="ja-JP" altLang="en-US"/>
+          </a:p>
+        </p:txBody>
+      </p:sp>
+      <p:sp>
+        <p:nvSpPr>
+          <p:cNvPr id="80" name="テキスト ボックス 79">
+            <a:extLst>
+              <a:ext uri="{FF2B5EF4-FFF2-40B4-BE49-F238E27FC236}">
+                <a16:creationId xmlns:a16="http://schemas.microsoft.com/office/drawing/2014/main" id="{8356DE46-9C78-5D41-88F8-E4AE90854C3A}"/>
+              </a:ext>
+            </a:extLst>
+          </p:cNvPr>
+          <p:cNvSpPr txBox="1"/>
+          <p:nvPr/>
+        </p:nvSpPr>
+        <p:spPr>
+          <a:xfrm>
+            <a:off x="560512" y="5733256"/>
+            <a:ext cx="494046" cy="369332"/>
+          </a:xfrm>
+          <a:prstGeom prst="rect">
+            <a:avLst/>
+          </a:prstGeom>
+          <a:noFill/>
+        </p:spPr>
+        <p:txBody>
+          <a:bodyPr wrap="none" rtlCol="0">
+            <a:spAutoFit/>
+          </a:bodyPr>
+          <a:lstStyle/>
+          <a:p>
+            <a:r>
+              <a:rPr kumimoji="1" lang="en-US" altLang="ja-JP"/>
+              <a:t>t+1</a:t>
+            </a:r>
+            <a:endParaRPr kumimoji="1" lang="ja-JP" altLang="en-US"/>
+          </a:p>
+        </p:txBody>
+      </p:sp>
+      <p:sp>
+        <p:nvSpPr>
+          <p:cNvPr id="81" name="正方形/長方形 80">
+            <a:extLst>
+              <a:ext uri="{FF2B5EF4-FFF2-40B4-BE49-F238E27FC236}">
+                <a16:creationId xmlns:a16="http://schemas.microsoft.com/office/drawing/2014/main" id="{A457A18C-5641-944E-A5A4-AD66300AA43C}"/>
+              </a:ext>
+            </a:extLst>
+          </p:cNvPr>
+          <p:cNvSpPr/>
+          <p:nvPr/>
+        </p:nvSpPr>
+        <p:spPr>
+          <a:xfrm>
+            <a:off x="1568624" y="5733256"/>
+            <a:ext cx="360040" cy="360040"/>
+          </a:xfrm>
+          <a:prstGeom prst="rect">
+            <a:avLst/>
+          </a:prstGeom>
+          <a:solidFill>
+            <a:srgbClr val="FF0000"/>
+          </a:solidFill>
+          <a:ln>
+            <a:solidFill>
+              <a:schemeClr val="tx1"/>
+            </a:solidFill>
+          </a:ln>
+        </p:spPr>
+        <p:style>
+          <a:lnRef idx="2">
+            <a:schemeClr val="accent1">
+              <a:shade val="50000"/>
+            </a:schemeClr>
+          </a:lnRef>
+          <a:fillRef idx="1">
+            <a:schemeClr val="accent1"/>
+          </a:fillRef>
+          <a:effectRef idx="0">
+            <a:schemeClr val="accent1"/>
+          </a:effectRef>
+          <a:fontRef idx="minor">
+            <a:schemeClr val="lt1"/>
+          </a:fontRef>
+        </p:style>
+        <p:txBody>
+          <a:bodyPr rtlCol="0" anchor="ctr"/>
+          <a:lstStyle/>
+          <a:p>
+            <a:pPr algn="ctr"/>
+            <a:endParaRPr kumimoji="1" lang="ja-JP" altLang="en-US"/>
+          </a:p>
+        </p:txBody>
+      </p:sp>
+      <p:sp>
+        <p:nvSpPr>
+          <p:cNvPr id="82" name="正方形/長方形 81">
+            <a:extLst>
+              <a:ext uri="{FF2B5EF4-FFF2-40B4-BE49-F238E27FC236}">
+                <a16:creationId xmlns:a16="http://schemas.microsoft.com/office/drawing/2014/main" id="{9952D1B5-1036-0F44-B4C3-F6DD5A17AF43}"/>
+              </a:ext>
+            </a:extLst>
+          </p:cNvPr>
+          <p:cNvSpPr/>
+          <p:nvPr/>
+        </p:nvSpPr>
+        <p:spPr>
+          <a:xfrm>
+            <a:off x="2000672" y="5733256"/>
+            <a:ext cx="360040" cy="360040"/>
+          </a:xfrm>
+          <a:prstGeom prst="rect">
+            <a:avLst/>
+          </a:prstGeom>
+          <a:solidFill>
+            <a:srgbClr val="FF0000"/>
+          </a:solidFill>
+          <a:ln>
+            <a:solidFill>
+              <a:schemeClr val="tx1"/>
+            </a:solidFill>
+          </a:ln>
+        </p:spPr>
+        <p:style>
+          <a:lnRef idx="2">
+            <a:schemeClr val="accent1">
+              <a:shade val="50000"/>
+            </a:schemeClr>
+          </a:lnRef>
+          <a:fillRef idx="1">
+            <a:schemeClr val="accent1"/>
+          </a:fillRef>
+          <a:effectRef idx="0">
+            <a:schemeClr val="accent1"/>
+          </a:effectRef>
+          <a:fontRef idx="minor">
+            <a:schemeClr val="lt1"/>
+          </a:fontRef>
+        </p:style>
+        <p:txBody>
+          <a:bodyPr rtlCol="0" anchor="ctr"/>
+          <a:lstStyle/>
+          <a:p>
+            <a:pPr algn="ctr"/>
+            <a:endParaRPr kumimoji="1" lang="ja-JP" altLang="en-US"/>
+          </a:p>
+        </p:txBody>
+      </p:sp>
+      <p:sp>
+        <p:nvSpPr>
+          <p:cNvPr id="83" name="正方形/長方形 82">
+            <a:extLst>
+              <a:ext uri="{FF2B5EF4-FFF2-40B4-BE49-F238E27FC236}">
+                <a16:creationId xmlns:a16="http://schemas.microsoft.com/office/drawing/2014/main" id="{6D5D536A-5854-7B43-A84E-14CE7D9C4E59}"/>
+              </a:ext>
+            </a:extLst>
+          </p:cNvPr>
+          <p:cNvSpPr/>
+          <p:nvPr/>
+        </p:nvSpPr>
+        <p:spPr>
+          <a:xfrm>
+            <a:off x="2432720" y="5733256"/>
+            <a:ext cx="360040" cy="360040"/>
+          </a:xfrm>
+          <a:prstGeom prst="rect">
+            <a:avLst/>
+          </a:prstGeom>
+          <a:solidFill>
+            <a:srgbClr val="FF0000"/>
+          </a:solidFill>
+          <a:ln>
+            <a:solidFill>
+              <a:schemeClr val="tx1"/>
+            </a:solidFill>
+          </a:ln>
+        </p:spPr>
+        <p:style>
+          <a:lnRef idx="2">
+            <a:schemeClr val="accent1">
+              <a:shade val="50000"/>
+            </a:schemeClr>
+          </a:lnRef>
+          <a:fillRef idx="1">
+            <a:schemeClr val="accent1"/>
+          </a:fillRef>
+          <a:effectRef idx="0">
+            <a:schemeClr val="accent1"/>
+          </a:effectRef>
+          <a:fontRef idx="minor">
+            <a:schemeClr val="lt1"/>
+          </a:fontRef>
+        </p:style>
+        <p:txBody>
+          <a:bodyPr rtlCol="0" anchor="ctr"/>
+          <a:lstStyle/>
+          <a:p>
+            <a:pPr algn="ctr"/>
+            <a:endParaRPr kumimoji="1" lang="ja-JP" altLang="en-US"/>
+          </a:p>
+        </p:txBody>
+      </p:sp>
+      <p:sp>
+        <p:nvSpPr>
+          <p:cNvPr id="84" name="正方形/長方形 83">
+            <a:extLst>
+              <a:ext uri="{FF2B5EF4-FFF2-40B4-BE49-F238E27FC236}">
+                <a16:creationId xmlns:a16="http://schemas.microsoft.com/office/drawing/2014/main" id="{3C68AB2A-ED08-E24C-8CE1-57DB3718EF4D}"/>
+              </a:ext>
+            </a:extLst>
+          </p:cNvPr>
+          <p:cNvSpPr/>
+          <p:nvPr/>
+        </p:nvSpPr>
+        <p:spPr>
+          <a:xfrm>
+            <a:off x="2864768" y="5733256"/>
+            <a:ext cx="360040" cy="360040"/>
+          </a:xfrm>
+          <a:prstGeom prst="rect">
+            <a:avLst/>
+          </a:prstGeom>
+          <a:solidFill>
+            <a:srgbClr val="FF0000"/>
+          </a:solidFill>
+          <a:ln>
+            <a:solidFill>
+              <a:schemeClr val="tx1"/>
+            </a:solidFill>
+          </a:ln>
+        </p:spPr>
+        <p:style>
+          <a:lnRef idx="2">
+            <a:schemeClr val="accent1">
+              <a:shade val="50000"/>
+            </a:schemeClr>
+          </a:lnRef>
+          <a:fillRef idx="1">
+            <a:schemeClr val="accent1"/>
+          </a:fillRef>
+          <a:effectRef idx="0">
+            <a:schemeClr val="accent1"/>
+          </a:effectRef>
+          <a:fontRef idx="minor">
+            <a:schemeClr val="lt1"/>
+          </a:fontRef>
+        </p:style>
+        <p:txBody>
+          <a:bodyPr rtlCol="0" anchor="ctr"/>
+          <a:lstStyle/>
+          <a:p>
+            <a:pPr algn="ctr"/>
+            <a:endParaRPr kumimoji="1" lang="ja-JP" altLang="en-US"/>
+          </a:p>
+        </p:txBody>
+      </p:sp>
+      <p:sp>
+        <p:nvSpPr>
+          <p:cNvPr id="85" name="正方形/長方形 84">
+            <a:extLst>
+              <a:ext uri="{FF2B5EF4-FFF2-40B4-BE49-F238E27FC236}">
+                <a16:creationId xmlns:a16="http://schemas.microsoft.com/office/drawing/2014/main" id="{A3D48BE5-2776-EE44-A4A3-28DDA37D3BF4}"/>
+              </a:ext>
+            </a:extLst>
+          </p:cNvPr>
+          <p:cNvSpPr/>
+          <p:nvPr/>
+        </p:nvSpPr>
+        <p:spPr>
+          <a:xfrm>
+            <a:off x="3296816" y="5733256"/>
+            <a:ext cx="360040" cy="360040"/>
+          </a:xfrm>
+          <a:prstGeom prst="rect">
+            <a:avLst/>
+          </a:prstGeom>
+          <a:solidFill>
+            <a:schemeClr val="bg1"/>
+          </a:solidFill>
+        </p:spPr>
+        <p:style>
+          <a:lnRef idx="2">
+            <a:schemeClr val="accent1">
+              <a:shade val="50000"/>
+            </a:schemeClr>
+          </a:lnRef>
+          <a:fillRef idx="1">
+            <a:schemeClr val="accent1"/>
+          </a:fillRef>
+          <a:effectRef idx="0">
+            <a:schemeClr val="accent1"/>
+          </a:effectRef>
+          <a:fontRef idx="minor">
+            <a:schemeClr val="lt1"/>
+          </a:fontRef>
+        </p:style>
+        <p:txBody>
+          <a:bodyPr rtlCol="0" anchor="ctr"/>
+          <a:lstStyle/>
+          <a:p>
+            <a:pPr algn="ctr"/>
+            <a:endParaRPr kumimoji="1" lang="ja-JP" altLang="en-US"/>
+          </a:p>
+        </p:txBody>
+      </p:sp>
+      <p:sp>
+        <p:nvSpPr>
+          <p:cNvPr id="86" name="正方形/長方形 85">
+            <a:extLst>
+              <a:ext uri="{FF2B5EF4-FFF2-40B4-BE49-F238E27FC236}">
+                <a16:creationId xmlns:a16="http://schemas.microsoft.com/office/drawing/2014/main" id="{870624F0-3852-C740-9479-E5D029CEF469}"/>
+              </a:ext>
+            </a:extLst>
+          </p:cNvPr>
+          <p:cNvSpPr/>
+          <p:nvPr/>
+        </p:nvSpPr>
+        <p:spPr>
+          <a:xfrm>
+            <a:off x="1136576" y="5733256"/>
+            <a:ext cx="360040" cy="360040"/>
+          </a:xfrm>
+          <a:prstGeom prst="rect">
+            <a:avLst/>
+          </a:prstGeom>
+          <a:solidFill>
+            <a:schemeClr val="bg1"/>
+          </a:solidFill>
+        </p:spPr>
+        <p:style>
+          <a:lnRef idx="2">
+            <a:schemeClr val="accent1">
+              <a:shade val="50000"/>
+            </a:schemeClr>
+          </a:lnRef>
+          <a:fillRef idx="1">
+            <a:schemeClr val="accent1"/>
+          </a:fillRef>
+          <a:effectRef idx="0">
+            <a:schemeClr val="accent1"/>
+          </a:effectRef>
+          <a:fontRef idx="minor">
+            <a:schemeClr val="lt1"/>
+          </a:fontRef>
+        </p:style>
+        <p:txBody>
+          <a:bodyPr rtlCol="0" anchor="ctr"/>
+          <a:lstStyle/>
+          <a:p>
+            <a:pPr algn="ctr"/>
+            <a:endParaRPr kumimoji="1" lang="ja-JP" altLang="en-US"/>
+          </a:p>
+        </p:txBody>
+      </p:sp>
+      <p:sp>
+        <p:nvSpPr>
+          <p:cNvPr id="87" name="正方形/長方形 86">
+            <a:extLst>
+              <a:ext uri="{FF2B5EF4-FFF2-40B4-BE49-F238E27FC236}">
+                <a16:creationId xmlns:a16="http://schemas.microsoft.com/office/drawing/2014/main" id="{853C1588-1E78-2141-BDD4-0907F2FB050B}"/>
+              </a:ext>
+            </a:extLst>
+          </p:cNvPr>
+          <p:cNvSpPr/>
+          <p:nvPr/>
+        </p:nvSpPr>
+        <p:spPr>
+          <a:xfrm>
+            <a:off x="5673080" y="5733256"/>
+            <a:ext cx="360040" cy="360040"/>
+          </a:xfrm>
+          <a:prstGeom prst="rect">
+            <a:avLst/>
+          </a:prstGeom>
+          <a:solidFill>
+            <a:srgbClr val="00B050"/>
+          </a:solidFill>
+          <a:ln>
+            <a:solidFill>
+              <a:schemeClr val="tx1"/>
+            </a:solidFill>
+          </a:ln>
+        </p:spPr>
+        <p:style>
+          <a:lnRef idx="2">
+            <a:schemeClr val="accent1">
+              <a:shade val="50000"/>
+            </a:schemeClr>
+          </a:lnRef>
+          <a:fillRef idx="1">
+            <a:schemeClr val="accent1"/>
+          </a:fillRef>
+          <a:effectRef idx="0">
+            <a:schemeClr val="accent1"/>
+          </a:effectRef>
+          <a:fontRef idx="minor">
+            <a:schemeClr val="lt1"/>
+          </a:fontRef>
+        </p:style>
+        <p:txBody>
+          <a:bodyPr rtlCol="0" anchor="ctr"/>
+          <a:lstStyle/>
+          <a:p>
+            <a:pPr algn="ctr"/>
+            <a:endParaRPr kumimoji="1" lang="ja-JP" altLang="en-US"/>
+          </a:p>
+        </p:txBody>
+      </p:sp>
+      <p:sp>
+        <p:nvSpPr>
+          <p:cNvPr id="88" name="正方形/長方形 87">
+            <a:extLst>
+              <a:ext uri="{FF2B5EF4-FFF2-40B4-BE49-F238E27FC236}">
+                <a16:creationId xmlns:a16="http://schemas.microsoft.com/office/drawing/2014/main" id="{0E6CAE55-B323-BB40-A548-1D8AB58430A7}"/>
+              </a:ext>
+            </a:extLst>
+          </p:cNvPr>
+          <p:cNvSpPr/>
+          <p:nvPr/>
+        </p:nvSpPr>
+        <p:spPr>
+          <a:xfrm>
+            <a:off x="6105128" y="5733256"/>
+            <a:ext cx="360040" cy="360040"/>
+          </a:xfrm>
+          <a:prstGeom prst="rect">
+            <a:avLst/>
+          </a:prstGeom>
+          <a:solidFill>
+            <a:srgbClr val="00B050"/>
+          </a:solidFill>
+          <a:ln>
+            <a:solidFill>
+              <a:schemeClr val="tx1"/>
+            </a:solidFill>
+          </a:ln>
+        </p:spPr>
+        <p:style>
+          <a:lnRef idx="2">
+            <a:schemeClr val="accent1">
+              <a:shade val="50000"/>
+            </a:schemeClr>
+          </a:lnRef>
+          <a:fillRef idx="1">
+            <a:schemeClr val="accent1"/>
+          </a:fillRef>
+          <a:effectRef idx="0">
+            <a:schemeClr val="accent1"/>
+          </a:effectRef>
+          <a:fontRef idx="minor">
+            <a:schemeClr val="lt1"/>
+          </a:fontRef>
+        </p:style>
+        <p:txBody>
+          <a:bodyPr rtlCol="0" anchor="ctr"/>
+          <a:lstStyle/>
+          <a:p>
+            <a:pPr algn="ctr"/>
+            <a:endParaRPr kumimoji="1" lang="ja-JP" altLang="en-US"/>
+          </a:p>
+        </p:txBody>
+      </p:sp>
+      <p:sp>
+        <p:nvSpPr>
+          <p:cNvPr id="89" name="正方形/長方形 88">
+            <a:extLst>
+              <a:ext uri="{FF2B5EF4-FFF2-40B4-BE49-F238E27FC236}">
+                <a16:creationId xmlns:a16="http://schemas.microsoft.com/office/drawing/2014/main" id="{103AB08D-2E3E-F94B-8669-F6DF47D5712C}"/>
+              </a:ext>
+            </a:extLst>
+          </p:cNvPr>
+          <p:cNvSpPr/>
+          <p:nvPr/>
+        </p:nvSpPr>
+        <p:spPr>
+          <a:xfrm>
+            <a:off x="6537176" y="5733256"/>
+            <a:ext cx="360040" cy="360040"/>
+          </a:xfrm>
+          <a:prstGeom prst="rect">
+            <a:avLst/>
+          </a:prstGeom>
+          <a:solidFill>
+            <a:srgbClr val="00B050"/>
+          </a:solidFill>
+          <a:ln>
+            <a:solidFill>
+              <a:schemeClr val="tx1"/>
+            </a:solidFill>
+          </a:ln>
+        </p:spPr>
+        <p:style>
+          <a:lnRef idx="2">
+            <a:schemeClr val="accent1">
+              <a:shade val="50000"/>
+            </a:schemeClr>
+          </a:lnRef>
+          <a:fillRef idx="1">
+            <a:schemeClr val="accent1"/>
+          </a:fillRef>
+          <a:effectRef idx="0">
+            <a:schemeClr val="accent1"/>
+          </a:effectRef>
+          <a:fontRef idx="minor">
+            <a:schemeClr val="lt1"/>
+          </a:fontRef>
+        </p:style>
+        <p:txBody>
+          <a:bodyPr rtlCol="0" anchor="ctr"/>
+          <a:lstStyle/>
+          <a:p>
+            <a:pPr algn="ctr"/>
+            <a:endParaRPr kumimoji="1" lang="ja-JP" altLang="en-US"/>
+          </a:p>
+        </p:txBody>
+      </p:sp>
+      <p:sp>
+        <p:nvSpPr>
+          <p:cNvPr id="90" name="正方形/長方形 89">
+            <a:extLst>
+              <a:ext uri="{FF2B5EF4-FFF2-40B4-BE49-F238E27FC236}">
+                <a16:creationId xmlns:a16="http://schemas.microsoft.com/office/drawing/2014/main" id="{BC38CDB9-F0EB-5C4D-8625-5B079E22B9CB}"/>
+              </a:ext>
+            </a:extLst>
+          </p:cNvPr>
+          <p:cNvSpPr/>
+          <p:nvPr/>
+        </p:nvSpPr>
+        <p:spPr>
+          <a:xfrm>
+            <a:off x="6969224" y="5733256"/>
+            <a:ext cx="360040" cy="360040"/>
+          </a:xfrm>
+          <a:prstGeom prst="rect">
+            <a:avLst/>
+          </a:prstGeom>
+          <a:solidFill>
+            <a:srgbClr val="00B050"/>
+          </a:solidFill>
+          <a:ln>
+            <a:solidFill>
+              <a:schemeClr val="tx1"/>
+            </a:solidFill>
+          </a:ln>
+        </p:spPr>
+        <p:style>
+          <a:lnRef idx="2">
+            <a:schemeClr val="accent1">
+              <a:shade val="50000"/>
+            </a:schemeClr>
+          </a:lnRef>
+          <a:fillRef idx="1">
+            <a:schemeClr val="accent1"/>
+          </a:fillRef>
+          <a:effectRef idx="0">
+            <a:schemeClr val="accent1"/>
+          </a:effectRef>
+          <a:fontRef idx="minor">
+            <a:schemeClr val="lt1"/>
+          </a:fontRef>
+        </p:style>
+        <p:txBody>
+          <a:bodyPr rtlCol="0" anchor="ctr"/>
+          <a:lstStyle/>
+          <a:p>
+            <a:pPr algn="ctr"/>
+            <a:endParaRPr kumimoji="1" lang="ja-JP" altLang="en-US"/>
+          </a:p>
+        </p:txBody>
+      </p:sp>
+      <p:sp>
+        <p:nvSpPr>
+          <p:cNvPr id="91" name="正方形/長方形 90">
+            <a:extLst>
+              <a:ext uri="{FF2B5EF4-FFF2-40B4-BE49-F238E27FC236}">
+                <a16:creationId xmlns:a16="http://schemas.microsoft.com/office/drawing/2014/main" id="{C79E214C-9344-8F4A-BB36-E10FA5F38FA7}"/>
+              </a:ext>
+            </a:extLst>
+          </p:cNvPr>
+          <p:cNvSpPr/>
+          <p:nvPr/>
+        </p:nvSpPr>
+        <p:spPr>
+          <a:xfrm>
+            <a:off x="7401272" y="5733256"/>
+            <a:ext cx="360040" cy="360040"/>
+          </a:xfrm>
+          <a:prstGeom prst="rect">
+            <a:avLst/>
+          </a:prstGeom>
+          <a:solidFill>
+            <a:schemeClr val="bg1"/>
+          </a:solidFill>
+        </p:spPr>
+        <p:style>
+          <a:lnRef idx="2">
+            <a:schemeClr val="accent1">
+              <a:shade val="50000"/>
+            </a:schemeClr>
+          </a:lnRef>
+          <a:fillRef idx="1">
+            <a:schemeClr val="accent1"/>
+          </a:fillRef>
+          <a:effectRef idx="0">
+            <a:schemeClr val="accent1"/>
+          </a:effectRef>
+          <a:fontRef idx="minor">
+            <a:schemeClr val="lt1"/>
+          </a:fontRef>
+        </p:style>
+        <p:txBody>
+          <a:bodyPr rtlCol="0" anchor="ctr"/>
+          <a:lstStyle/>
+          <a:p>
+            <a:pPr algn="ctr"/>
+            <a:endParaRPr kumimoji="1" lang="ja-JP" altLang="en-US"/>
+          </a:p>
+        </p:txBody>
+      </p:sp>
+      <p:sp>
+        <p:nvSpPr>
+          <p:cNvPr id="92" name="正方形/長方形 91">
+            <a:extLst>
+              <a:ext uri="{FF2B5EF4-FFF2-40B4-BE49-F238E27FC236}">
+                <a16:creationId xmlns:a16="http://schemas.microsoft.com/office/drawing/2014/main" id="{037771F7-9091-CD48-B2B1-43CF45162F41}"/>
+              </a:ext>
+            </a:extLst>
+          </p:cNvPr>
+          <p:cNvSpPr/>
+          <p:nvPr/>
+        </p:nvSpPr>
+        <p:spPr>
+          <a:xfrm>
+            <a:off x="5241032" y="5733256"/>
+            <a:ext cx="360040" cy="360040"/>
+          </a:xfrm>
+          <a:prstGeom prst="rect">
+            <a:avLst/>
+          </a:prstGeom>
+          <a:solidFill>
+            <a:schemeClr val="bg1"/>
+          </a:solidFill>
+        </p:spPr>
+        <p:style>
+          <a:lnRef idx="2">
+            <a:schemeClr val="accent1">
+              <a:shade val="50000"/>
+            </a:schemeClr>
+          </a:lnRef>
+          <a:fillRef idx="1">
+            <a:schemeClr val="accent1"/>
+          </a:fillRef>
+          <a:effectRef idx="0">
+            <a:schemeClr val="accent1"/>
+          </a:effectRef>
+          <a:fontRef idx="minor">
+            <a:schemeClr val="lt1"/>
+          </a:fontRef>
+        </p:style>
+        <p:txBody>
+          <a:bodyPr rtlCol="0" anchor="ctr"/>
+          <a:lstStyle/>
+          <a:p>
+            <a:pPr algn="ctr"/>
+            <a:endParaRPr kumimoji="1" lang="ja-JP" altLang="en-US"/>
+          </a:p>
+        </p:txBody>
+      </p:sp>
+      <p:cxnSp>
+        <p:nvCxnSpPr>
+          <p:cNvPr id="99" name="直線矢印コネクタ 98">
+            <a:extLst>
+              <a:ext uri="{FF2B5EF4-FFF2-40B4-BE49-F238E27FC236}">
+                <a16:creationId xmlns:a16="http://schemas.microsoft.com/office/drawing/2014/main" id="{6CDBACEA-8D6D-5145-9336-4212840AA6AB}"/>
+              </a:ext>
+            </a:extLst>
+          </p:cNvPr>
+          <p:cNvCxnSpPr/>
+          <p:nvPr/>
+        </p:nvCxnSpPr>
+        <p:spPr>
+          <a:xfrm>
+            <a:off x="3044788" y="5301208"/>
+            <a:ext cx="0" cy="432048"/>
+          </a:xfrm>
+          <a:prstGeom prst="straightConnector1">
+            <a:avLst/>
+          </a:prstGeom>
+          <a:ln>
+            <a:solidFill>
+              <a:schemeClr val="tx1"/>
+            </a:solidFill>
+            <a:tailEnd type="triangle"/>
+          </a:ln>
+        </p:spPr>
+        <p:style>
+          <a:lnRef idx="1">
+            <a:schemeClr val="accent1"/>
+          </a:lnRef>
+          <a:fillRef idx="0">
+            <a:schemeClr val="accent1"/>
+          </a:fillRef>
+          <a:effectRef idx="0">
+            <a:schemeClr val="accent1"/>
+          </a:effectRef>
+          <a:fontRef idx="minor">
+            <a:schemeClr val="tx1"/>
+          </a:fontRef>
+        </p:style>
+      </p:cxnSp>
+      <p:cxnSp>
+        <p:nvCxnSpPr>
+          <p:cNvPr id="100" name="直線矢印コネクタ 99">
+            <a:extLst>
+              <a:ext uri="{FF2B5EF4-FFF2-40B4-BE49-F238E27FC236}">
+                <a16:creationId xmlns:a16="http://schemas.microsoft.com/office/drawing/2014/main" id="{EF9961EA-C9C9-8246-98EA-095AE9288B78}"/>
+              </a:ext>
+            </a:extLst>
+          </p:cNvPr>
+          <p:cNvCxnSpPr>
+            <a:cxnSpLocks/>
+          </p:cNvCxnSpPr>
+          <p:nvPr/>
+        </p:nvCxnSpPr>
+        <p:spPr>
+          <a:xfrm flipH="1">
+            <a:off x="3152800" y="5301208"/>
+            <a:ext cx="252028" cy="432048"/>
+          </a:xfrm>
+          <a:prstGeom prst="straightConnector1">
+            <a:avLst/>
+          </a:prstGeom>
+          <a:ln>
+            <a:solidFill>
+              <a:schemeClr val="tx1"/>
+            </a:solidFill>
+            <a:tailEnd type="triangle"/>
+          </a:ln>
+        </p:spPr>
+        <p:style>
+          <a:lnRef idx="1">
+            <a:schemeClr val="accent1"/>
+          </a:lnRef>
+          <a:fillRef idx="0">
+            <a:schemeClr val="accent1"/>
+          </a:fillRef>
+          <a:effectRef idx="0">
+            <a:schemeClr val="accent1"/>
+          </a:effectRef>
+          <a:fontRef idx="minor">
+            <a:schemeClr val="tx1"/>
+          </a:fontRef>
+        </p:style>
+      </p:cxnSp>
+      <p:cxnSp>
+        <p:nvCxnSpPr>
+          <p:cNvPr id="101" name="直線矢印コネクタ 100">
+            <a:extLst>
+              <a:ext uri="{FF2B5EF4-FFF2-40B4-BE49-F238E27FC236}">
+                <a16:creationId xmlns:a16="http://schemas.microsoft.com/office/drawing/2014/main" id="{2E62CBAD-82F7-E242-8C0F-0D1A63790206}"/>
+              </a:ext>
+            </a:extLst>
+          </p:cNvPr>
+          <p:cNvCxnSpPr>
+            <a:cxnSpLocks/>
+          </p:cNvCxnSpPr>
+          <p:nvPr/>
+        </p:nvCxnSpPr>
+        <p:spPr>
+          <a:xfrm>
+            <a:off x="2684748" y="5301208"/>
+            <a:ext cx="252028" cy="432048"/>
+          </a:xfrm>
+          <a:prstGeom prst="straightConnector1">
+            <a:avLst/>
+          </a:prstGeom>
+          <a:ln>
+            <a:solidFill>
+              <a:schemeClr val="tx1"/>
+            </a:solidFill>
+            <a:tailEnd type="triangle"/>
+          </a:ln>
+        </p:spPr>
+        <p:style>
+          <a:lnRef idx="1">
+            <a:schemeClr val="accent1"/>
+          </a:lnRef>
+          <a:fillRef idx="0">
+            <a:schemeClr val="accent1"/>
+          </a:fillRef>
+          <a:effectRef idx="0">
+            <a:schemeClr val="accent1"/>
+          </a:effectRef>
+          <a:fontRef idx="minor">
+            <a:schemeClr val="tx1"/>
+          </a:fontRef>
+        </p:style>
+      </p:cxnSp>
+      <p:cxnSp>
+        <p:nvCxnSpPr>
+          <p:cNvPr id="102" name="直線矢印コネクタ 101">
+            <a:extLst>
+              <a:ext uri="{FF2B5EF4-FFF2-40B4-BE49-F238E27FC236}">
+                <a16:creationId xmlns:a16="http://schemas.microsoft.com/office/drawing/2014/main" id="{64A49FC3-1423-2F46-AB28-FDF164C50D43}"/>
+              </a:ext>
+            </a:extLst>
+          </p:cNvPr>
+          <p:cNvCxnSpPr/>
+          <p:nvPr/>
+        </p:nvCxnSpPr>
+        <p:spPr>
+          <a:xfrm>
+            <a:off x="5853100" y="5301208"/>
+            <a:ext cx="0" cy="432048"/>
+          </a:xfrm>
+          <a:prstGeom prst="straightConnector1">
+            <a:avLst/>
+          </a:prstGeom>
+          <a:ln>
+            <a:solidFill>
+              <a:schemeClr val="tx1"/>
+            </a:solidFill>
+            <a:tailEnd type="triangle"/>
+          </a:ln>
+        </p:spPr>
+        <p:style>
+          <a:lnRef idx="1">
+            <a:schemeClr val="accent1"/>
+          </a:lnRef>
+          <a:fillRef idx="0">
+            <a:schemeClr val="accent1"/>
+          </a:fillRef>
+          <a:effectRef idx="0">
+            <a:schemeClr val="accent1"/>
+          </a:effectRef>
+          <a:fontRef idx="minor">
+            <a:schemeClr val="tx1"/>
+          </a:fontRef>
+        </p:style>
+      </p:cxnSp>
+      <p:cxnSp>
+        <p:nvCxnSpPr>
+          <p:cNvPr id="103" name="直線矢印コネクタ 102">
+            <a:extLst>
+              <a:ext uri="{FF2B5EF4-FFF2-40B4-BE49-F238E27FC236}">
+                <a16:creationId xmlns:a16="http://schemas.microsoft.com/office/drawing/2014/main" id="{C7E5C89F-E61E-B24C-BB0E-C36B848A3BB6}"/>
+              </a:ext>
+            </a:extLst>
+          </p:cNvPr>
+          <p:cNvCxnSpPr>
+            <a:cxnSpLocks/>
+          </p:cNvCxnSpPr>
+          <p:nvPr/>
+        </p:nvCxnSpPr>
+        <p:spPr>
+          <a:xfrm flipH="1">
+            <a:off x="5961112" y="5301208"/>
+            <a:ext cx="252028" cy="432048"/>
+          </a:xfrm>
+          <a:prstGeom prst="straightConnector1">
+            <a:avLst/>
+          </a:prstGeom>
+          <a:ln>
+            <a:solidFill>
+              <a:schemeClr val="tx1"/>
+            </a:solidFill>
+            <a:tailEnd type="triangle"/>
+          </a:ln>
+        </p:spPr>
+        <p:style>
+          <a:lnRef idx="1">
+            <a:schemeClr val="accent1"/>
+          </a:lnRef>
+          <a:fillRef idx="0">
+            <a:schemeClr val="accent1"/>
+          </a:fillRef>
+          <a:effectRef idx="0">
+            <a:schemeClr val="accent1"/>
+          </a:effectRef>
+          <a:fontRef idx="minor">
+            <a:schemeClr val="tx1"/>
+          </a:fontRef>
+        </p:style>
+      </p:cxnSp>
+      <p:cxnSp>
+        <p:nvCxnSpPr>
+          <p:cNvPr id="104" name="直線矢印コネクタ 103">
+            <a:extLst>
+              <a:ext uri="{FF2B5EF4-FFF2-40B4-BE49-F238E27FC236}">
+                <a16:creationId xmlns:a16="http://schemas.microsoft.com/office/drawing/2014/main" id="{D0A2D758-25DA-B948-BBC1-8FEDBD3C5885}"/>
+              </a:ext>
+            </a:extLst>
+          </p:cNvPr>
+          <p:cNvCxnSpPr>
+            <a:cxnSpLocks/>
+          </p:cNvCxnSpPr>
+          <p:nvPr/>
+        </p:nvCxnSpPr>
+        <p:spPr>
+          <a:xfrm>
+            <a:off x="5493060" y="5301208"/>
+            <a:ext cx="252028" cy="432048"/>
+          </a:xfrm>
+          <a:prstGeom prst="straightConnector1">
+            <a:avLst/>
+          </a:prstGeom>
+          <a:ln>
+            <a:solidFill>
+              <a:schemeClr val="tx1"/>
+            </a:solidFill>
+            <a:tailEnd type="triangle"/>
+          </a:ln>
+        </p:spPr>
+        <p:style>
+          <a:lnRef idx="1">
+            <a:schemeClr val="accent1"/>
+          </a:lnRef>
+          <a:fillRef idx="0">
+            <a:schemeClr val="accent1"/>
+          </a:fillRef>
+          <a:effectRef idx="0">
+            <a:schemeClr val="accent1"/>
+          </a:effectRef>
+          <a:fontRef idx="minor">
+            <a:schemeClr val="tx1"/>
+          </a:fontRef>
+        </p:style>
+      </p:cxnSp>
+      <p:sp>
+        <p:nvSpPr>
+          <p:cNvPr id="105" name="テキスト ボックス 104">
+            <a:extLst>
+              <a:ext uri="{FF2B5EF4-FFF2-40B4-BE49-F238E27FC236}">
+                <a16:creationId xmlns:a16="http://schemas.microsoft.com/office/drawing/2014/main" id="{6AF6BF48-8659-1545-A94C-E7808D137839}"/>
+              </a:ext>
+            </a:extLst>
+          </p:cNvPr>
+          <p:cNvSpPr txBox="1"/>
+          <p:nvPr/>
+        </p:nvSpPr>
+        <p:spPr>
+          <a:xfrm>
+            <a:off x="1568624" y="6237312"/>
+            <a:ext cx="6647974" cy="369332"/>
+          </a:xfrm>
+          <a:prstGeom prst="rect">
+            <a:avLst/>
+          </a:prstGeom>
+          <a:noFill/>
+        </p:spPr>
+        <p:txBody>
+          <a:bodyPr wrap="none" rtlCol="0">
+            <a:spAutoFit/>
+          </a:bodyPr>
+          <a:lstStyle/>
+          <a:p>
+            <a:r>
+              <a:rPr kumimoji="1" lang="ja-JP" altLang="en-US"/>
+              <a:t>もらった情報をもとに、次の時刻の端の点の状態が計算できる</a:t>
+            </a:r>
+          </a:p>
+        </p:txBody>
+      </p:sp>
+    </p:spTree>
+    <p:extLst>
+      <p:ext uri="{BB962C8B-B14F-4D97-AF65-F5344CB8AC3E}">
+        <p14:creationId xmlns:p14="http://schemas.microsoft.com/office/powerpoint/2010/main" val="3166460041"/>
+      </p:ext>
+    </p:extLst>
+  </p:cSld>
+  <p:clrMapOvr>
+    <a:masterClrMapping/>
+  </p:clrMapOvr>
+</p:sld>
+</file>
+
+<file path=ppt/slides/slide5.xml><?xml version="1.0" encoding="utf-8"?>
 <p:sld xmlns:a="http://schemas.openxmlformats.org/drawingml/2006/main" xmlns:r="http://schemas.openxmlformats.org/officeDocument/2006/relationships" xmlns:p="http://schemas.openxmlformats.org/presentationml/2006/main">
   <p:cSld>
     <p:spTree>
